--- a/MATH608-Project.pptx
+++ b/MATH608-Project.pptx
@@ -6,16 +6,17 @@
   </p:sldMasterIdLst>
   <p:sldIdLst>
     <p:sldId id="256" r:id="rId2"/>
-    <p:sldId id="257" r:id="rId3"/>
-    <p:sldId id="258" r:id="rId4"/>
-    <p:sldId id="259" r:id="rId5"/>
-    <p:sldId id="260" r:id="rId6"/>
-    <p:sldId id="261" r:id="rId7"/>
-    <p:sldId id="262" r:id="rId8"/>
-    <p:sldId id="263" r:id="rId9"/>
-    <p:sldId id="264" r:id="rId10"/>
-    <p:sldId id="265" r:id="rId11"/>
-    <p:sldId id="266" r:id="rId12"/>
+    <p:sldId id="267" r:id="rId3"/>
+    <p:sldId id="257" r:id="rId4"/>
+    <p:sldId id="258" r:id="rId5"/>
+    <p:sldId id="259" r:id="rId6"/>
+    <p:sldId id="260" r:id="rId7"/>
+    <p:sldId id="261" r:id="rId8"/>
+    <p:sldId id="262" r:id="rId9"/>
+    <p:sldId id="263" r:id="rId10"/>
+    <p:sldId id="264" r:id="rId11"/>
+    <p:sldId id="265" r:id="rId12"/>
+    <p:sldId id="266" r:id="rId13"/>
   </p:sldIdLst>
   <p:sldSz cx="32940625" cy="21959888"/>
   <p:notesSz cx="6858000" cy="9144000"/>
@@ -950,7 +951,7 @@
           </a:pPr>
           <a:r>
             <a:rPr lang="en-IN" sz="8000" b="1" dirty="0"/>
-            <a:t>SQL (1970)</a:t>
+            <a:t>SQL</a:t>
           </a:r>
           <a:endParaRPr lang="en-IN" sz="8000" dirty="0"/>
         </a:p>
@@ -998,7 +999,7 @@
           </a:pPr>
           <a:r>
             <a:rPr lang="en-IN" sz="8000" b="1" dirty="0"/>
-            <a:t>Oracle Database (1979)</a:t>
+            <a:t>Oracle Database</a:t>
           </a:r>
           <a:endParaRPr lang="en-IN" sz="8000" dirty="0"/>
         </a:p>
@@ -1045,10 +1046,10 @@
             <a:buChar char="Ø"/>
           </a:pPr>
           <a:r>
-            <a:rPr lang="en-IN" sz="8000" b="1"/>
-            <a:t>PostgreSQL (1982)</a:t>
+            <a:rPr lang="en-IN" sz="8000" b="1" dirty="0"/>
+            <a:t>PostgreSQL</a:t>
           </a:r>
-          <a:endParaRPr lang="en-IN" sz="8000"/>
+          <a:endParaRPr lang="en-IN" sz="8000" dirty="0"/>
         </a:p>
       </dgm:t>
     </dgm:pt>
@@ -1093,10 +1094,10 @@
             <a:buChar char="Ø"/>
           </a:pPr>
           <a:r>
-            <a:rPr lang="en-IN" sz="8000" b="1"/>
-            <a:t>IBM Db2 (1983)</a:t>
+            <a:rPr lang="en-IN" sz="8000" b="1" dirty="0"/>
+            <a:t>IBM Db2</a:t>
           </a:r>
-          <a:endParaRPr lang="en-IN" sz="8000"/>
+          <a:endParaRPr lang="en-IN" sz="8000" dirty="0"/>
         </a:p>
       </dgm:t>
     </dgm:pt>
@@ -1141,10 +1142,10 @@
             <a:buChar char="Ø"/>
           </a:pPr>
           <a:r>
-            <a:rPr lang="en-IN" sz="8000" b="1"/>
-            <a:t>Microsoft SQL Server (1989)</a:t>
+            <a:rPr lang="en-IN" sz="8000" b="1" dirty="0"/>
+            <a:t>Microsoft SQL Server</a:t>
           </a:r>
-          <a:endParaRPr lang="en-IN" sz="8000"/>
+          <a:endParaRPr lang="en-IN" sz="8000" dirty="0"/>
         </a:p>
       </dgm:t>
     </dgm:pt>
@@ -1189,10 +1190,10 @@
             <a:buChar char="Ø"/>
           </a:pPr>
           <a:r>
-            <a:rPr lang="en-IN" sz="8000" b="1"/>
-            <a:t>MySQL (1995)</a:t>
+            <a:rPr lang="en-IN" sz="8000" b="1" dirty="0"/>
+            <a:t>MySQL</a:t>
           </a:r>
-          <a:endParaRPr lang="en-IN" sz="8000"/>
+          <a:endParaRPr lang="en-IN" sz="8000" dirty="0"/>
         </a:p>
       </dgm:t>
     </dgm:pt>
@@ -1237,10 +1238,10 @@
             <a:buChar char="Ø"/>
           </a:pPr>
           <a:r>
-            <a:rPr lang="en-IN" sz="8000" b="1"/>
-            <a:t>SQLite (2000)</a:t>
+            <a:rPr lang="en-IN" sz="8000" b="1" dirty="0"/>
+            <a:t>SQLite</a:t>
           </a:r>
-          <a:endParaRPr lang="en-IN" sz="8000"/>
+          <a:endParaRPr lang="en-IN" sz="8000" dirty="0"/>
         </a:p>
       </dgm:t>
     </dgm:pt>
@@ -1285,10 +1286,10 @@
             <a:buChar char="Ø"/>
           </a:pPr>
           <a:r>
-            <a:rPr lang="en-IN" sz="8000" b="1"/>
-            <a:t>MariaDB (2009)</a:t>
+            <a:rPr lang="en-IN" sz="8000" b="1" dirty="0"/>
+            <a:t>MariaDB</a:t>
           </a:r>
-          <a:endParaRPr lang="en-IN" sz="8000"/>
+          <a:endParaRPr lang="en-IN" sz="8000" dirty="0"/>
         </a:p>
       </dgm:t>
     </dgm:pt>
@@ -1381,7 +1382,7 @@
           </a:pPr>
           <a:r>
             <a:rPr lang="en-IN" sz="8000" b="1" dirty="0"/>
-            <a:t>CouchDB (2005)</a:t>
+            <a:t>CouchDB</a:t>
           </a:r>
           <a:endParaRPr lang="en-IN" sz="8000" dirty="0"/>
         </a:p>
@@ -1429,7 +1430,7 @@
           </a:pPr>
           <a:r>
             <a:rPr lang="en-IN" sz="8000" b="1" dirty="0"/>
-            <a:t>MongoDB (2007)</a:t>
+            <a:t>MongoDB</a:t>
           </a:r>
           <a:endParaRPr lang="en-IN" sz="8000" dirty="0"/>
         </a:p>
@@ -1476,10 +1477,10 @@
             <a:buChar char="Ø"/>
           </a:pPr>
           <a:r>
-            <a:rPr lang="en-IN" sz="8000" b="1"/>
-            <a:t>Neo4j (2007)</a:t>
+            <a:rPr lang="en-IN" sz="8000" b="1" dirty="0"/>
+            <a:t>Neo4j</a:t>
           </a:r>
-          <a:endParaRPr lang="en-IN" sz="8000"/>
+          <a:endParaRPr lang="en-IN" sz="8000" dirty="0"/>
         </a:p>
       </dgm:t>
     </dgm:pt>
@@ -1524,10 +1525,10 @@
             <a:buChar char="Ø"/>
           </a:pPr>
           <a:r>
-            <a:rPr lang="en-IN" sz="8000" b="1"/>
-            <a:t>Cassandra (2008)</a:t>
+            <a:rPr lang="en-IN" sz="8000" b="1" dirty="0"/>
+            <a:t>Cassandra</a:t>
           </a:r>
-          <a:endParaRPr lang="en-IN" sz="8000"/>
+          <a:endParaRPr lang="en-IN" sz="8000" dirty="0"/>
         </a:p>
       </dgm:t>
     </dgm:pt>
@@ -1572,10 +1573,10 @@
             <a:buChar char="Ø"/>
           </a:pPr>
           <a:r>
-            <a:rPr lang="en-IN" sz="8000" b="1"/>
-            <a:t>Redis (2009)</a:t>
+            <a:rPr lang="en-IN" sz="8000" b="1" dirty="0"/>
+            <a:t>Redis</a:t>
           </a:r>
-          <a:endParaRPr lang="en-IN" sz="8000"/>
+          <a:endParaRPr lang="en-IN" sz="8000" dirty="0"/>
         </a:p>
       </dgm:t>
     </dgm:pt>
@@ -1620,10 +1621,10 @@
             <a:buChar char="Ø"/>
           </a:pPr>
           <a:r>
-            <a:rPr lang="en-IN" sz="8000" b="1"/>
-            <a:t>Elasticsearch (2010)</a:t>
+            <a:rPr lang="en-IN" sz="8000" b="1" dirty="0"/>
+            <a:t>Elasticsearch</a:t>
           </a:r>
-          <a:endParaRPr lang="en-IN" sz="8000"/>
+          <a:endParaRPr lang="en-IN" sz="8000" dirty="0"/>
         </a:p>
       </dgm:t>
     </dgm:pt>
@@ -1668,10 +1669,10 @@
             <a:buChar char="Ø"/>
           </a:pPr>
           <a:r>
-            <a:rPr lang="en-IN" sz="8000" b="1"/>
-            <a:t>Amazon DynamoDB (2012)</a:t>
+            <a:rPr lang="en-IN" sz="8000" b="1" dirty="0"/>
+            <a:t>Amazon DynamoDB</a:t>
           </a:r>
-          <a:endParaRPr lang="en-IN" sz="8000"/>
+          <a:endParaRPr lang="en-IN" sz="8000" dirty="0"/>
         </a:p>
       </dgm:t>
     </dgm:pt>
@@ -1956,7 +1957,7 @@
           </a:pPr>
           <a:r>
             <a:rPr lang="en-IN" sz="8000" b="1" kern="1200" dirty="0"/>
-            <a:t>SQL (1970)</a:t>
+            <a:t>SQL</a:t>
           </a:r>
           <a:endParaRPr lang="en-IN" sz="8000" kern="1200" dirty="0"/>
         </a:p>
@@ -1976,7 +1977,7 @@
           </a:pPr>
           <a:r>
             <a:rPr lang="en-IN" sz="8000" b="1" kern="1200" dirty="0"/>
-            <a:t>Oracle Database (1979)</a:t>
+            <a:t>Oracle Database</a:t>
           </a:r>
           <a:endParaRPr lang="en-IN" sz="8000" kern="1200" dirty="0"/>
         </a:p>
@@ -1995,10 +1996,10 @@
             <a:buChar char="Ø"/>
           </a:pPr>
           <a:r>
-            <a:rPr lang="en-IN" sz="8000" b="1" kern="1200"/>
-            <a:t>PostgreSQL (1982)</a:t>
+            <a:rPr lang="en-IN" sz="8000" b="1" kern="1200" dirty="0"/>
+            <a:t>PostgreSQL</a:t>
           </a:r>
-          <a:endParaRPr lang="en-IN" sz="8000" kern="1200"/>
+          <a:endParaRPr lang="en-IN" sz="8000" kern="1200" dirty="0"/>
         </a:p>
         <a:p>
           <a:pPr marL="285750" lvl="1" indent="-285750" algn="l" defTabSz="3556000">
@@ -2015,10 +2016,10 @@
             <a:buChar char="Ø"/>
           </a:pPr>
           <a:r>
-            <a:rPr lang="en-IN" sz="8000" b="1" kern="1200"/>
-            <a:t>IBM Db2 (1983)</a:t>
+            <a:rPr lang="en-IN" sz="8000" b="1" kern="1200" dirty="0"/>
+            <a:t>IBM Db2</a:t>
           </a:r>
-          <a:endParaRPr lang="en-IN" sz="8000" kern="1200"/>
+          <a:endParaRPr lang="en-IN" sz="8000" kern="1200" dirty="0"/>
         </a:p>
         <a:p>
           <a:pPr marL="285750" lvl="1" indent="-285750" algn="l" defTabSz="3556000">
@@ -2035,10 +2036,10 @@
             <a:buChar char="Ø"/>
           </a:pPr>
           <a:r>
-            <a:rPr lang="en-IN" sz="8000" b="1" kern="1200"/>
-            <a:t>Microsoft SQL Server (1989)</a:t>
+            <a:rPr lang="en-IN" sz="8000" b="1" kern="1200" dirty="0"/>
+            <a:t>Microsoft SQL Server</a:t>
           </a:r>
-          <a:endParaRPr lang="en-IN" sz="8000" kern="1200"/>
+          <a:endParaRPr lang="en-IN" sz="8000" kern="1200" dirty="0"/>
         </a:p>
         <a:p>
           <a:pPr marL="285750" lvl="1" indent="-285750" algn="l" defTabSz="3556000">
@@ -2055,10 +2056,10 @@
             <a:buChar char="Ø"/>
           </a:pPr>
           <a:r>
-            <a:rPr lang="en-IN" sz="8000" b="1" kern="1200"/>
-            <a:t>MySQL (1995)</a:t>
+            <a:rPr lang="en-IN" sz="8000" b="1" kern="1200" dirty="0"/>
+            <a:t>MySQL</a:t>
           </a:r>
-          <a:endParaRPr lang="en-IN" sz="8000" kern="1200"/>
+          <a:endParaRPr lang="en-IN" sz="8000" kern="1200" dirty="0"/>
         </a:p>
         <a:p>
           <a:pPr marL="285750" lvl="1" indent="-285750" algn="l" defTabSz="3556000">
@@ -2075,10 +2076,10 @@
             <a:buChar char="Ø"/>
           </a:pPr>
           <a:r>
-            <a:rPr lang="en-IN" sz="8000" b="1" kern="1200"/>
-            <a:t>SQLite (2000)</a:t>
+            <a:rPr lang="en-IN" sz="8000" b="1" kern="1200" dirty="0"/>
+            <a:t>SQLite</a:t>
           </a:r>
-          <a:endParaRPr lang="en-IN" sz="8000" kern="1200"/>
+          <a:endParaRPr lang="en-IN" sz="8000" kern="1200" dirty="0"/>
         </a:p>
         <a:p>
           <a:pPr marL="285750" lvl="1" indent="-285750" algn="l" defTabSz="3556000">
@@ -2095,10 +2096,10 @@
             <a:buChar char="Ø"/>
           </a:pPr>
           <a:r>
-            <a:rPr lang="en-IN" sz="8000" b="1" kern="1200"/>
-            <a:t>MariaDB (2009)</a:t>
+            <a:rPr lang="en-IN" sz="8000" b="1" kern="1200" dirty="0"/>
+            <a:t>MariaDB</a:t>
           </a:r>
-          <a:endParaRPr lang="en-IN" sz="8000" kern="1200"/>
+          <a:endParaRPr lang="en-IN" sz="8000" kern="1200" dirty="0"/>
         </a:p>
       </dsp:txBody>
       <dsp:txXfrm>
@@ -2244,7 +2245,7 @@
           </a:pPr>
           <a:r>
             <a:rPr lang="en-IN" sz="8000" b="1" kern="1200" dirty="0"/>
-            <a:t>CouchDB (2005)</a:t>
+            <a:t>CouchDB</a:t>
           </a:r>
           <a:endParaRPr lang="en-IN" sz="8000" kern="1200" dirty="0"/>
         </a:p>
@@ -2264,7 +2265,7 @@
           </a:pPr>
           <a:r>
             <a:rPr lang="en-IN" sz="8000" b="1" kern="1200" dirty="0"/>
-            <a:t>MongoDB (2007)</a:t>
+            <a:t>MongoDB</a:t>
           </a:r>
           <a:endParaRPr lang="en-IN" sz="8000" kern="1200" dirty="0"/>
         </a:p>
@@ -2283,10 +2284,10 @@
             <a:buChar char="Ø"/>
           </a:pPr>
           <a:r>
-            <a:rPr lang="en-IN" sz="8000" b="1" kern="1200"/>
-            <a:t>Neo4j (2007)</a:t>
+            <a:rPr lang="en-IN" sz="8000" b="1" kern="1200" dirty="0"/>
+            <a:t>Neo4j</a:t>
           </a:r>
-          <a:endParaRPr lang="en-IN" sz="8000" kern="1200"/>
+          <a:endParaRPr lang="en-IN" sz="8000" kern="1200" dirty="0"/>
         </a:p>
         <a:p>
           <a:pPr marL="285750" lvl="1" indent="-285750" algn="l" defTabSz="3556000">
@@ -2303,10 +2304,10 @@
             <a:buChar char="Ø"/>
           </a:pPr>
           <a:r>
-            <a:rPr lang="en-IN" sz="8000" b="1" kern="1200"/>
-            <a:t>Cassandra (2008)</a:t>
+            <a:rPr lang="en-IN" sz="8000" b="1" kern="1200" dirty="0"/>
+            <a:t>Cassandra</a:t>
           </a:r>
-          <a:endParaRPr lang="en-IN" sz="8000" kern="1200"/>
+          <a:endParaRPr lang="en-IN" sz="8000" kern="1200" dirty="0"/>
         </a:p>
         <a:p>
           <a:pPr marL="285750" lvl="1" indent="-285750" algn="l" defTabSz="3556000">
@@ -2323,10 +2324,10 @@
             <a:buChar char="Ø"/>
           </a:pPr>
           <a:r>
-            <a:rPr lang="en-IN" sz="8000" b="1" kern="1200"/>
-            <a:t>Redis (2009)</a:t>
+            <a:rPr lang="en-IN" sz="8000" b="1" kern="1200" dirty="0"/>
+            <a:t>Redis</a:t>
           </a:r>
-          <a:endParaRPr lang="en-IN" sz="8000" kern="1200"/>
+          <a:endParaRPr lang="en-IN" sz="8000" kern="1200" dirty="0"/>
         </a:p>
         <a:p>
           <a:pPr marL="285750" lvl="1" indent="-285750" algn="l" defTabSz="3556000">
@@ -2343,10 +2344,10 @@
             <a:buChar char="Ø"/>
           </a:pPr>
           <a:r>
-            <a:rPr lang="en-IN" sz="8000" b="1" kern="1200"/>
-            <a:t>Elasticsearch (2010)</a:t>
+            <a:rPr lang="en-IN" sz="8000" b="1" kern="1200" dirty="0"/>
+            <a:t>Elasticsearch</a:t>
           </a:r>
-          <a:endParaRPr lang="en-IN" sz="8000" kern="1200"/>
+          <a:endParaRPr lang="en-IN" sz="8000" kern="1200" dirty="0"/>
         </a:p>
         <a:p>
           <a:pPr marL="285750" lvl="1" indent="-285750" algn="l" defTabSz="3556000">
@@ -2363,10 +2364,10 @@
             <a:buChar char="Ø"/>
           </a:pPr>
           <a:r>
-            <a:rPr lang="en-IN" sz="8000" b="1" kern="1200"/>
-            <a:t>Amazon DynamoDB (2012)</a:t>
+            <a:rPr lang="en-IN" sz="8000" b="1" kern="1200" dirty="0"/>
+            <a:t>Amazon DynamoDB</a:t>
           </a:r>
-          <a:endParaRPr lang="en-IN" sz="8000" kern="1200"/>
+          <a:endParaRPr lang="en-IN" sz="8000" kern="1200" dirty="0"/>
         </a:p>
       </dsp:txBody>
       <dsp:txXfrm>
@@ -3760,7 +3761,7 @@
           <a:p>
             <a:fld id="{231279BB-BD30-423A-AC6A-CF98C97BEE70}" type="datetimeFigureOut">
               <a:rPr lang="en-IN" smtClean="0"/>
-              <a:t>08-12-2024</a:t>
+              <a:t>09-12-2024</a:t>
             </a:fld>
             <a:endParaRPr lang="en-IN"/>
           </a:p>
@@ -3818,13 +3819,13 @@
   <p:clrMapOvr>
     <a:masterClrMapping/>
   </p:clrMapOvr>
-  <mc:AlternateContent xmlns:mc="http://schemas.openxmlformats.org/markup-compatibility/2006">
-    <mc:Choice xmlns:p15="http://schemas.microsoft.com/office/powerpoint/2012/main" Requires="p15">
+  <mc:AlternateContent xmlns:mc="http://schemas.openxmlformats.org/markup-compatibility/2006" xmlns:p15="http://schemas.microsoft.com/office/powerpoint/2012/main">
+    <mc:Choice Requires="p15">
       <p:transition xmlns:p14="http://schemas.microsoft.com/office/powerpoint/2010/main" p14:dur="400">
         <p15:prstTrans prst="pageCurlDouble"/>
       </p:transition>
     </mc:Choice>
-    <mc:Fallback>
+    <mc:Fallback xmlns="">
       <p:transition>
         <p:fade/>
       </p:transition>
@@ -3942,7 +3943,7 @@
           <a:p>
             <a:fld id="{231279BB-BD30-423A-AC6A-CF98C97BEE70}" type="datetimeFigureOut">
               <a:rPr lang="en-IN" smtClean="0"/>
-              <a:t>08-12-2024</a:t>
+              <a:t>09-12-2024</a:t>
             </a:fld>
             <a:endParaRPr lang="en-IN"/>
           </a:p>
@@ -4000,13 +4001,13 @@
   <p:clrMapOvr>
     <a:masterClrMapping/>
   </p:clrMapOvr>
-  <mc:AlternateContent xmlns:mc="http://schemas.openxmlformats.org/markup-compatibility/2006">
-    <mc:Choice xmlns:p15="http://schemas.microsoft.com/office/powerpoint/2012/main" Requires="p15">
+  <mc:AlternateContent xmlns:mc="http://schemas.openxmlformats.org/markup-compatibility/2006" xmlns:p15="http://schemas.microsoft.com/office/powerpoint/2012/main">
+    <mc:Choice Requires="p15">
       <p:transition xmlns:p14="http://schemas.microsoft.com/office/powerpoint/2010/main" p14:dur="400">
         <p15:prstTrans prst="pageCurlDouble"/>
       </p:transition>
     </mc:Choice>
-    <mc:Fallback>
+    <mc:Fallback xmlns="">
       <p:transition>
         <p:fade/>
       </p:transition>
@@ -4134,7 +4135,7 @@
           <a:p>
             <a:fld id="{231279BB-BD30-423A-AC6A-CF98C97BEE70}" type="datetimeFigureOut">
               <a:rPr lang="en-IN" smtClean="0"/>
-              <a:t>08-12-2024</a:t>
+              <a:t>09-12-2024</a:t>
             </a:fld>
             <a:endParaRPr lang="en-IN"/>
           </a:p>
@@ -4192,13 +4193,13 @@
   <p:clrMapOvr>
     <a:masterClrMapping/>
   </p:clrMapOvr>
-  <mc:AlternateContent xmlns:mc="http://schemas.openxmlformats.org/markup-compatibility/2006">
-    <mc:Choice xmlns:p15="http://schemas.microsoft.com/office/powerpoint/2012/main" Requires="p15">
+  <mc:AlternateContent xmlns:mc="http://schemas.openxmlformats.org/markup-compatibility/2006" xmlns:p15="http://schemas.microsoft.com/office/powerpoint/2012/main">
+    <mc:Choice Requires="p15">
       <p:transition xmlns:p14="http://schemas.microsoft.com/office/powerpoint/2010/main" p14:dur="400">
         <p15:prstTrans prst="pageCurlDouble"/>
       </p:transition>
     </mc:Choice>
-    <mc:Fallback>
+    <mc:Fallback xmlns="">
       <p:transition>
         <p:fade/>
       </p:transition>
@@ -4316,7 +4317,7 @@
           <a:p>
             <a:fld id="{231279BB-BD30-423A-AC6A-CF98C97BEE70}" type="datetimeFigureOut">
               <a:rPr lang="en-IN" smtClean="0"/>
-              <a:t>08-12-2024</a:t>
+              <a:t>09-12-2024</a:t>
             </a:fld>
             <a:endParaRPr lang="en-IN"/>
           </a:p>
@@ -4374,13 +4375,13 @@
   <p:clrMapOvr>
     <a:masterClrMapping/>
   </p:clrMapOvr>
-  <mc:AlternateContent xmlns:mc="http://schemas.openxmlformats.org/markup-compatibility/2006">
-    <mc:Choice xmlns:p15="http://schemas.microsoft.com/office/powerpoint/2012/main" Requires="p15">
+  <mc:AlternateContent xmlns:mc="http://schemas.openxmlformats.org/markup-compatibility/2006" xmlns:p15="http://schemas.microsoft.com/office/powerpoint/2012/main">
+    <mc:Choice Requires="p15">
       <p:transition xmlns:p14="http://schemas.microsoft.com/office/powerpoint/2010/main" p14:dur="400">
         <p15:prstTrans prst="pageCurlDouble"/>
       </p:transition>
     </mc:Choice>
-    <mc:Fallback>
+    <mc:Fallback xmlns="">
       <p:transition>
         <p:fade/>
       </p:transition>
@@ -4572,7 +4573,7 @@
           <a:p>
             <a:fld id="{231279BB-BD30-423A-AC6A-CF98C97BEE70}" type="datetimeFigureOut">
               <a:rPr lang="en-IN" smtClean="0"/>
-              <a:t>08-12-2024</a:t>
+              <a:t>09-12-2024</a:t>
             </a:fld>
             <a:endParaRPr lang="en-IN"/>
           </a:p>
@@ -4630,13 +4631,13 @@
   <p:clrMapOvr>
     <a:masterClrMapping/>
   </p:clrMapOvr>
-  <mc:AlternateContent xmlns:mc="http://schemas.openxmlformats.org/markup-compatibility/2006">
-    <mc:Choice xmlns:p15="http://schemas.microsoft.com/office/powerpoint/2012/main" Requires="p15">
+  <mc:AlternateContent xmlns:mc="http://schemas.openxmlformats.org/markup-compatibility/2006" xmlns:p15="http://schemas.microsoft.com/office/powerpoint/2012/main">
+    <mc:Choice Requires="p15">
       <p:transition xmlns:p14="http://schemas.microsoft.com/office/powerpoint/2010/main" p14:dur="400">
         <p15:prstTrans prst="pageCurlDouble"/>
       </p:transition>
     </mc:Choice>
-    <mc:Fallback>
+    <mc:Fallback xmlns="">
       <p:transition>
         <p:fade/>
       </p:transition>
@@ -4816,7 +4817,7 @@
           <a:p>
             <a:fld id="{231279BB-BD30-423A-AC6A-CF98C97BEE70}" type="datetimeFigureOut">
               <a:rPr lang="en-IN" smtClean="0"/>
-              <a:t>08-12-2024</a:t>
+              <a:t>09-12-2024</a:t>
             </a:fld>
             <a:endParaRPr lang="en-IN"/>
           </a:p>
@@ -4874,13 +4875,13 @@
   <p:clrMapOvr>
     <a:masterClrMapping/>
   </p:clrMapOvr>
-  <mc:AlternateContent xmlns:mc="http://schemas.openxmlformats.org/markup-compatibility/2006">
-    <mc:Choice xmlns:p15="http://schemas.microsoft.com/office/powerpoint/2012/main" Requires="p15">
+  <mc:AlternateContent xmlns:mc="http://schemas.openxmlformats.org/markup-compatibility/2006" xmlns:p15="http://schemas.microsoft.com/office/powerpoint/2012/main">
+    <mc:Choice Requires="p15">
       <p:transition xmlns:p14="http://schemas.microsoft.com/office/powerpoint/2010/main" p14:dur="400">
         <p15:prstTrans prst="pageCurlDouble"/>
       </p:transition>
     </mc:Choice>
-    <mc:Fallback>
+    <mc:Fallback xmlns="">
       <p:transition>
         <p:fade/>
       </p:transition>
@@ -5195,7 +5196,7 @@
           <a:p>
             <a:fld id="{231279BB-BD30-423A-AC6A-CF98C97BEE70}" type="datetimeFigureOut">
               <a:rPr lang="en-IN" smtClean="0"/>
-              <a:t>08-12-2024</a:t>
+              <a:t>09-12-2024</a:t>
             </a:fld>
             <a:endParaRPr lang="en-IN"/>
           </a:p>
@@ -5253,13 +5254,13 @@
   <p:clrMapOvr>
     <a:masterClrMapping/>
   </p:clrMapOvr>
-  <mc:AlternateContent xmlns:mc="http://schemas.openxmlformats.org/markup-compatibility/2006">
-    <mc:Choice xmlns:p15="http://schemas.microsoft.com/office/powerpoint/2012/main" Requires="p15">
+  <mc:AlternateContent xmlns:mc="http://schemas.openxmlformats.org/markup-compatibility/2006" xmlns:p15="http://schemas.microsoft.com/office/powerpoint/2012/main">
+    <mc:Choice Requires="p15">
       <p:transition xmlns:p14="http://schemas.microsoft.com/office/powerpoint/2010/main" p14:dur="400">
         <p15:prstTrans prst="pageCurlDouble"/>
       </p:transition>
     </mc:Choice>
-    <mc:Fallback>
+    <mc:Fallback xmlns="">
       <p:transition>
         <p:fade/>
       </p:transition>
@@ -5325,7 +5326,7 @@
           <a:p>
             <a:fld id="{231279BB-BD30-423A-AC6A-CF98C97BEE70}" type="datetimeFigureOut">
               <a:rPr lang="en-IN" smtClean="0"/>
-              <a:t>08-12-2024</a:t>
+              <a:t>09-12-2024</a:t>
             </a:fld>
             <a:endParaRPr lang="en-IN"/>
           </a:p>
@@ -5383,13 +5384,13 @@
   <p:clrMapOvr>
     <a:masterClrMapping/>
   </p:clrMapOvr>
-  <mc:AlternateContent xmlns:mc="http://schemas.openxmlformats.org/markup-compatibility/2006">
-    <mc:Choice xmlns:p15="http://schemas.microsoft.com/office/powerpoint/2012/main" Requires="p15">
+  <mc:AlternateContent xmlns:mc="http://schemas.openxmlformats.org/markup-compatibility/2006" xmlns:p15="http://schemas.microsoft.com/office/powerpoint/2012/main">
+    <mc:Choice Requires="p15">
       <p:transition xmlns:p14="http://schemas.microsoft.com/office/powerpoint/2010/main" p14:dur="400">
         <p15:prstTrans prst="pageCurlDouble"/>
       </p:transition>
     </mc:Choice>
-    <mc:Fallback>
+    <mc:Fallback xmlns="">
       <p:transition>
         <p:fade/>
       </p:transition>
@@ -5432,7 +5433,7 @@
           <a:p>
             <a:fld id="{231279BB-BD30-423A-AC6A-CF98C97BEE70}" type="datetimeFigureOut">
               <a:rPr lang="en-IN" smtClean="0"/>
-              <a:t>08-12-2024</a:t>
+              <a:t>09-12-2024</a:t>
             </a:fld>
             <a:endParaRPr lang="en-IN"/>
           </a:p>
@@ -5490,13 +5491,13 @@
   <p:clrMapOvr>
     <a:masterClrMapping/>
   </p:clrMapOvr>
-  <mc:AlternateContent xmlns:mc="http://schemas.openxmlformats.org/markup-compatibility/2006">
-    <mc:Choice xmlns:p15="http://schemas.microsoft.com/office/powerpoint/2012/main" Requires="p15">
+  <mc:AlternateContent xmlns:mc="http://schemas.openxmlformats.org/markup-compatibility/2006" xmlns:p15="http://schemas.microsoft.com/office/powerpoint/2012/main">
+    <mc:Choice Requires="p15">
       <p:transition xmlns:p14="http://schemas.microsoft.com/office/powerpoint/2010/main" p14:dur="400">
         <p15:prstTrans prst="pageCurlDouble"/>
       </p:transition>
     </mc:Choice>
-    <mc:Fallback>
+    <mc:Fallback xmlns="">
       <p:transition>
         <p:fade/>
       </p:transition>
@@ -5721,7 +5722,7 @@
           <a:p>
             <a:fld id="{231279BB-BD30-423A-AC6A-CF98C97BEE70}" type="datetimeFigureOut">
               <a:rPr lang="en-IN" smtClean="0"/>
-              <a:t>08-12-2024</a:t>
+              <a:t>09-12-2024</a:t>
             </a:fld>
             <a:endParaRPr lang="en-IN"/>
           </a:p>
@@ -5779,13 +5780,13 @@
   <p:clrMapOvr>
     <a:masterClrMapping/>
   </p:clrMapOvr>
-  <mc:AlternateContent xmlns:mc="http://schemas.openxmlformats.org/markup-compatibility/2006">
-    <mc:Choice xmlns:p15="http://schemas.microsoft.com/office/powerpoint/2012/main" Requires="p15">
+  <mc:AlternateContent xmlns:mc="http://schemas.openxmlformats.org/markup-compatibility/2006" xmlns:p15="http://schemas.microsoft.com/office/powerpoint/2012/main">
+    <mc:Choice Requires="p15">
       <p:transition xmlns:p14="http://schemas.microsoft.com/office/powerpoint/2010/main" p14:dur="400">
         <p15:prstTrans prst="pageCurlDouble"/>
       </p:transition>
     </mc:Choice>
-    <mc:Fallback>
+    <mc:Fallback xmlns="">
       <p:transition>
         <p:fade/>
       </p:transition>
@@ -5990,7 +5991,7 @@
           <a:p>
             <a:fld id="{231279BB-BD30-423A-AC6A-CF98C97BEE70}" type="datetimeFigureOut">
               <a:rPr lang="en-IN" smtClean="0"/>
-              <a:t>08-12-2024</a:t>
+              <a:t>09-12-2024</a:t>
             </a:fld>
             <a:endParaRPr lang="en-IN"/>
           </a:p>
@@ -6048,13 +6049,13 @@
   <p:clrMapOvr>
     <a:masterClrMapping/>
   </p:clrMapOvr>
-  <mc:AlternateContent xmlns:mc="http://schemas.openxmlformats.org/markup-compatibility/2006">
-    <mc:Choice xmlns:p15="http://schemas.microsoft.com/office/powerpoint/2012/main" Requires="p15">
+  <mc:AlternateContent xmlns:mc="http://schemas.openxmlformats.org/markup-compatibility/2006" xmlns:p15="http://schemas.microsoft.com/office/powerpoint/2012/main">
+    <mc:Choice Requires="p15">
       <p:transition xmlns:p14="http://schemas.microsoft.com/office/powerpoint/2010/main" p14:dur="400">
         <p15:prstTrans prst="pageCurlDouble"/>
       </p:transition>
     </mc:Choice>
-    <mc:Fallback>
+    <mc:Fallback xmlns="">
       <p:transition>
         <p:fade/>
       </p:transition>
@@ -6243,7 +6244,7 @@
           <a:p>
             <a:fld id="{231279BB-BD30-423A-AC6A-CF98C97BEE70}" type="datetimeFigureOut">
               <a:rPr lang="en-IN" smtClean="0"/>
-              <a:t>08-12-2024</a:t>
+              <a:t>09-12-2024</a:t>
             </a:fld>
             <a:endParaRPr lang="en-IN"/>
           </a:p>
@@ -6348,13 +6349,13 @@
     <p:sldLayoutId id="2147483670" r:id="rId10"/>
     <p:sldLayoutId id="2147483671" r:id="rId11"/>
   </p:sldLayoutIdLst>
-  <mc:AlternateContent xmlns:mc="http://schemas.openxmlformats.org/markup-compatibility/2006">
-    <mc:Choice xmlns:p15="http://schemas.microsoft.com/office/powerpoint/2012/main" Requires="p15">
+  <mc:AlternateContent xmlns:mc="http://schemas.openxmlformats.org/markup-compatibility/2006" xmlns:p15="http://schemas.microsoft.com/office/powerpoint/2012/main">
+    <mc:Choice Requires="p15">
       <p:transition xmlns:p14="http://schemas.microsoft.com/office/powerpoint/2010/main" p14:dur="400">
         <p15:prstTrans prst="pageCurlDouble"/>
       </p:transition>
     </mc:Choice>
-    <mc:Fallback>
+    <mc:Fallback xmlns="">
       <p:transition>
         <p:fade/>
       </p:transition>
@@ -7240,34 +7241,57 @@
           </a:prstGeom>
         </p:spPr>
       </p:pic>
-      <p:graphicFrame>
-        <p:nvGraphicFramePr>
-          <p:cNvPr id="10" name="Diagram 9">
+      <p:sp>
+        <p:nvSpPr>
+          <p:cNvPr id="2" name="TextBox 1">
             <a:extLst>
               <a:ext uri="{FF2B5EF4-FFF2-40B4-BE49-F238E27FC236}">
-                <a16:creationId xmlns:a16="http://schemas.microsoft.com/office/drawing/2014/main" id="{F309730E-0439-45AD-AE3E-258E72EB7A18}"/>
+                <a16:creationId xmlns:a16="http://schemas.microsoft.com/office/drawing/2014/main" id="{81A708CE-1C14-4DA9-A667-0C4057EDBC61}"/>
               </a:ext>
             </a:extLst>
           </p:cNvPr>
-          <p:cNvGraphicFramePr/>
-          <p:nvPr>
-            <p:extLst>
-              <p:ext uri="{D42A27DB-BD31-4B8C-83A1-F6EECF244321}">
-                <p14:modId xmlns:p14="http://schemas.microsoft.com/office/powerpoint/2010/main" val="384663240"/>
-              </p:ext>
-            </p:extLst>
-          </p:nvPr>
-        </p:nvGraphicFramePr>
-        <p:xfrm>
-          <a:off x="918616" y="5529942"/>
-          <a:ext cx="31229568" cy="16429945"/>
-        </p:xfrm>
-        <a:graphic>
-          <a:graphicData uri="http://schemas.openxmlformats.org/drawingml/2006/diagram">
-            <dgm:relIds xmlns:dgm="http://schemas.openxmlformats.org/drawingml/2006/diagram" xmlns:r="http://schemas.openxmlformats.org/officeDocument/2006/relationships" r:dm="rId5" r:lo="rId6" r:qs="rId7" r:cs="rId8"/>
-          </a:graphicData>
-        </a:graphic>
-      </p:graphicFrame>
+          <p:cNvSpPr txBox="1"/>
+          <p:nvPr/>
+        </p:nvSpPr>
+        <p:spPr>
+          <a:xfrm flipH="1">
+            <a:off x="8246409" y="8379232"/>
+            <a:ext cx="16196982" cy="7755969"/>
+          </a:xfrm>
+          <a:prstGeom prst="rect">
+            <a:avLst/>
+          </a:prstGeom>
+          <a:noFill/>
+        </p:spPr>
+        <p:txBody>
+          <a:bodyPr wrap="square" rtlCol="0">
+            <a:spAutoFit/>
+          </a:bodyPr>
+          <a:lstStyle/>
+          <a:p>
+            <a:pPr algn="ctr"/>
+            <a:r>
+              <a:rPr lang="en-IN" sz="16600" b="1" dirty="0">
+                <a:latin typeface="Open Sans" panose="020B0606030504020204" pitchFamily="34" charset="0"/>
+                <a:ea typeface="Open Sans" panose="020B0606030504020204" pitchFamily="34" charset="0"/>
+                <a:cs typeface="Open Sans" panose="020B0606030504020204" pitchFamily="34" charset="0"/>
+              </a:rPr>
+              <a:t>MATH-608</a:t>
+            </a:r>
+          </a:p>
+          <a:p>
+            <a:pPr algn="ctr"/>
+            <a:r>
+              <a:rPr lang="en-IN" sz="16600" b="1" dirty="0">
+                <a:latin typeface="Open Sans" panose="020B0606030504020204" pitchFamily="34" charset="0"/>
+                <a:ea typeface="Open Sans" panose="020B0606030504020204" pitchFamily="34" charset="0"/>
+                <a:cs typeface="Open Sans" panose="020B0606030504020204" pitchFamily="34" charset="0"/>
+              </a:rPr>
+              <a:t>DATA SCIENCE PROJECT</a:t>
+            </a:r>
+          </a:p>
+        </p:txBody>
+      </p:sp>
     </p:spTree>
     <p:extLst>
       <p:ext uri="{BB962C8B-B14F-4D97-AF65-F5344CB8AC3E}">
@@ -7278,13 +7302,13 @@
   <p:clrMapOvr>
     <a:masterClrMapping/>
   </p:clrMapOvr>
-  <mc:AlternateContent xmlns:mc="http://schemas.openxmlformats.org/markup-compatibility/2006">
-    <mc:Choice xmlns:p15="http://schemas.microsoft.com/office/powerpoint/2012/main" Requires="p15">
+  <mc:AlternateContent xmlns:mc="http://schemas.openxmlformats.org/markup-compatibility/2006" xmlns:p15="http://schemas.microsoft.com/office/powerpoint/2012/main">
+    <mc:Choice Requires="p15">
       <p:transition xmlns:p14="http://schemas.microsoft.com/office/powerpoint/2010/main" p14:dur="400">
         <p15:prstTrans prst="pageCurlDouble"/>
       </p:transition>
     </mc:Choice>
-    <mc:Fallback>
+    <mc:Fallback xmlns="">
       <p:transition>
         <p:fade/>
       </p:transition>
@@ -7939,6 +7963,735 @@
       </p:sp>
       <p:pic>
         <p:nvPicPr>
+          <p:cNvPr id="14" name="Picture 13">
+            <a:extLst>
+              <a:ext uri="{FF2B5EF4-FFF2-40B4-BE49-F238E27FC236}">
+                <a16:creationId xmlns:a16="http://schemas.microsoft.com/office/drawing/2014/main" id="{F5E89F2B-5E96-4854-8397-D91DB93A5457}"/>
+              </a:ext>
+            </a:extLst>
+          </p:cNvPr>
+          <p:cNvPicPr>
+            <a:picLocks noChangeAspect="1"/>
+          </p:cNvPicPr>
+          <p:nvPr/>
+        </p:nvPicPr>
+        <p:blipFill>
+          <a:blip r:embed="rId5"/>
+          <a:stretch>
+            <a:fillRect/>
+          </a:stretch>
+        </p:blipFill>
+        <p:spPr>
+          <a:xfrm>
+            <a:off x="18126635" y="7353246"/>
+            <a:ext cx="14493788" cy="13704848"/>
+          </a:xfrm>
+          <a:prstGeom prst="rect">
+            <a:avLst/>
+          </a:prstGeom>
+        </p:spPr>
+      </p:pic>
+      <p:pic>
+        <p:nvPicPr>
+          <p:cNvPr id="16" name="Picture 15">
+            <a:extLst>
+              <a:ext uri="{FF2B5EF4-FFF2-40B4-BE49-F238E27FC236}">
+                <a16:creationId xmlns:a16="http://schemas.microsoft.com/office/drawing/2014/main" id="{2DE4B759-7701-4324-8455-25B517AF070E}"/>
+              </a:ext>
+            </a:extLst>
+          </p:cNvPr>
+          <p:cNvPicPr>
+            <a:picLocks noChangeAspect="1"/>
+          </p:cNvPicPr>
+          <p:nvPr/>
+        </p:nvPicPr>
+        <p:blipFill>
+          <a:blip r:embed="rId6"/>
+          <a:stretch>
+            <a:fillRect/>
+          </a:stretch>
+        </p:blipFill>
+        <p:spPr>
+          <a:xfrm>
+            <a:off x="614585" y="7381293"/>
+            <a:ext cx="17216215" cy="13676801"/>
+          </a:xfrm>
+          <a:prstGeom prst="rect">
+            <a:avLst/>
+          </a:prstGeom>
+        </p:spPr>
+      </p:pic>
+    </p:spTree>
+    <p:extLst>
+      <p:ext uri="{BB962C8B-B14F-4D97-AF65-F5344CB8AC3E}">
+        <p14:creationId xmlns:p14="http://schemas.microsoft.com/office/powerpoint/2010/main" val="3674998247"/>
+      </p:ext>
+    </p:extLst>
+  </p:cSld>
+  <p:clrMapOvr>
+    <a:masterClrMapping/>
+  </p:clrMapOvr>
+  <mc:AlternateContent xmlns:mc="http://schemas.openxmlformats.org/markup-compatibility/2006" xmlns:p15="http://schemas.microsoft.com/office/powerpoint/2012/main">
+    <mc:Choice Requires="p15">
+      <p:transition xmlns:p14="http://schemas.microsoft.com/office/powerpoint/2010/main" p14:dur="400">
+        <p15:prstTrans prst="pageCurlDouble"/>
+      </p:transition>
+    </mc:Choice>
+    <mc:Fallback xmlns="">
+      <p:transition>
+        <p:fade/>
+      </p:transition>
+    </mc:Fallback>
+  </mc:AlternateContent>
+</p:sld>
+</file>
+
+<file path=ppt/slides/slide11.xml><?xml version="1.0" encoding="utf-8"?>
+<p:sld xmlns:a="http://schemas.openxmlformats.org/drawingml/2006/main" xmlns:r="http://schemas.openxmlformats.org/officeDocument/2006/relationships" xmlns:p="http://schemas.openxmlformats.org/presentationml/2006/main">
+  <p:cSld>
+    <p:spTree>
+      <p:nvGrpSpPr>
+        <p:cNvPr id="1" name=""/>
+        <p:cNvGrpSpPr/>
+        <p:nvPr/>
+      </p:nvGrpSpPr>
+      <p:grpSpPr>
+        <a:xfrm>
+          <a:off x="0" y="0"/>
+          <a:ext cx="0" cy="0"/>
+          <a:chOff x="0" y="0"/>
+          <a:chExt cx="0" cy="0"/>
+        </a:xfrm>
+      </p:grpSpPr>
+      <p:sp>
+        <p:nvSpPr>
+          <p:cNvPr id="4" name="Rectangle 6">
+            <a:extLst>
+              <a:ext uri="{FF2B5EF4-FFF2-40B4-BE49-F238E27FC236}">
+                <a16:creationId xmlns:a16="http://schemas.microsoft.com/office/drawing/2014/main" id="{FCA70442-DC63-422D-8F29-94B67C8B9224}"/>
+              </a:ext>
+            </a:extLst>
+          </p:cNvPr>
+          <p:cNvSpPr>
+            <a:spLocks noChangeArrowheads="1"/>
+          </p:cNvSpPr>
+          <p:nvPr/>
+        </p:nvSpPr>
+        <p:spPr bwMode="auto">
+          <a:xfrm>
+            <a:off x="0" y="0"/>
+            <a:ext cx="32918400" cy="4316056"/>
+          </a:xfrm>
+          <a:prstGeom prst="rect">
+            <a:avLst/>
+          </a:prstGeom>
+          <a:solidFill>
+            <a:srgbClr val="9D2235"/>
+          </a:solidFill>
+          <a:ln w="9525">
+            <a:noFill/>
+            <a:miter lim="800000"/>
+          </a:ln>
+          <a:effectLst/>
+        </p:spPr>
+        <p:txBody>
+          <a:bodyPr lIns="91440" tIns="45720" rIns="91440" bIns="45720" anchor="ctr"/>
+          <a:lstStyle>
+            <a:defPPr>
+              <a:defRPr kern="1200"/>
+            </a:defPPr>
+          </a:lstStyle>
+          <a:p>
+            <a:pPr algn="ctr" defTabSz="3135999"/>
+            <a:endParaRPr lang="en-US" sz="3200" dirty="0">
+              <a:solidFill>
+                <a:schemeClr val="bg1"/>
+              </a:solidFill>
+            </a:endParaRPr>
+          </a:p>
+        </p:txBody>
+      </p:sp>
+      <p:sp>
+        <p:nvSpPr>
+          <p:cNvPr id="5" name="Rectangle 6">
+            <a:extLst>
+              <a:ext uri="{FF2B5EF4-FFF2-40B4-BE49-F238E27FC236}">
+                <a16:creationId xmlns:a16="http://schemas.microsoft.com/office/drawing/2014/main" id="{4646883C-FD71-435F-80BA-36A6842C177C}"/>
+              </a:ext>
+            </a:extLst>
+          </p:cNvPr>
+          <p:cNvSpPr>
+            <a:spLocks noChangeArrowheads="1"/>
+          </p:cNvSpPr>
+          <p:nvPr/>
+        </p:nvSpPr>
+        <p:spPr bwMode="auto">
+          <a:xfrm>
+            <a:off x="0" y="0"/>
+            <a:ext cx="32918400" cy="5529943"/>
+          </a:xfrm>
+          <a:prstGeom prst="rect">
+            <a:avLst/>
+          </a:prstGeom>
+          <a:solidFill>
+            <a:srgbClr val="9D2235"/>
+          </a:solidFill>
+          <a:ln w="9525">
+            <a:noFill/>
+            <a:miter lim="800000"/>
+          </a:ln>
+          <a:effectLst/>
+        </p:spPr>
+        <p:txBody>
+          <a:bodyPr lIns="91440" tIns="45720" rIns="91440" bIns="45720" anchor="ctr"/>
+          <a:lstStyle>
+            <a:defPPr>
+              <a:defRPr kern="1200"/>
+            </a:defPPr>
+          </a:lstStyle>
+          <a:p>
+            <a:pPr algn="ctr" defTabSz="3135999"/>
+            <a:endParaRPr lang="en-US" sz="3200" dirty="0">
+              <a:solidFill>
+                <a:schemeClr val="bg1"/>
+              </a:solidFill>
+            </a:endParaRPr>
+          </a:p>
+        </p:txBody>
+      </p:sp>
+      <p:sp>
+        <p:nvSpPr>
+          <p:cNvPr id="6" name="Text Placeholder 5">
+            <a:extLst>
+              <a:ext uri="{FF2B5EF4-FFF2-40B4-BE49-F238E27FC236}">
+                <a16:creationId xmlns:a16="http://schemas.microsoft.com/office/drawing/2014/main" id="{4E6EAF87-D058-43B6-9909-A45FB38B4771}"/>
+              </a:ext>
+            </a:extLst>
+          </p:cNvPr>
+          <p:cNvSpPr txBox="1"/>
+          <p:nvPr/>
+        </p:nvSpPr>
+        <p:spPr>
+          <a:xfrm>
+            <a:off x="4038600" y="321089"/>
+            <a:ext cx="24841200" cy="2618224"/>
+          </a:xfrm>
+          <a:prstGeom prst="rect">
+            <a:avLst/>
+          </a:prstGeom>
+        </p:spPr>
+        <p:txBody>
+          <a:bodyPr lIns="0" tIns="0" rIns="0" bIns="0">
+            <a:noAutofit/>
+          </a:bodyPr>
+          <a:lstStyle>
+            <a:defPPr>
+              <a:defRPr kern="1200"/>
+            </a:defPPr>
+            <a:lvl1pPr marL="0" marR="0" indent="0" algn="l" defTabSz="3783013" rtl="0" eaLnBrk="1" fontAlgn="auto" latinLnBrk="0" hangingPunct="1">
+              <a:lnSpc>
+                <a:spcPct val="100000"/>
+              </a:lnSpc>
+              <a:spcBef>
+                <a:spcPts val="600"/>
+              </a:spcBef>
+              <a:spcAft>
+                <a:spcPct val="0"/>
+              </a:spcAft>
+              <a:buClrTx/>
+              <a:buSzTx/>
+              <a:buFontTx/>
+              <a:buNone/>
+              <a:defRPr sz="6000" kern="1200" baseline="0">
+                <a:solidFill>
+                  <a:schemeClr val="tx2"/>
+                </a:solidFill>
+                <a:latin typeface="Franklin Gothic Heavy" pitchFamily="34" charset="0"/>
+                <a:ea typeface="+mn-ea"/>
+                <a:cs typeface="+mn-cs"/>
+              </a:defRPr>
+            </a:lvl1pPr>
+            <a:lvl2pPr marL="1880543" indent="0" algn="l" defTabSz="3761086" rtl="0" eaLnBrk="1" latinLnBrk="0" hangingPunct="1">
+              <a:spcBef>
+                <a:spcPct val="20000"/>
+              </a:spcBef>
+              <a:buFontTx/>
+              <a:buNone/>
+              <a:defRPr sz="11500" kern="1200">
+                <a:solidFill>
+                  <a:schemeClr val="tx1"/>
+                </a:solidFill>
+                <a:latin typeface="+mn-lt"/>
+                <a:ea typeface="+mn-ea"/>
+                <a:cs typeface="+mn-cs"/>
+              </a:defRPr>
+            </a:lvl2pPr>
+            <a:lvl3pPr marL="3761086" indent="0" algn="l" defTabSz="3761086" rtl="0" eaLnBrk="1" latinLnBrk="0" hangingPunct="1">
+              <a:spcBef>
+                <a:spcPct val="20000"/>
+              </a:spcBef>
+              <a:buFontTx/>
+              <a:buNone/>
+              <a:defRPr sz="9900" kern="1200">
+                <a:solidFill>
+                  <a:schemeClr val="tx1"/>
+                </a:solidFill>
+                <a:latin typeface="+mn-lt"/>
+                <a:ea typeface="+mn-ea"/>
+                <a:cs typeface="+mn-cs"/>
+              </a:defRPr>
+            </a:lvl3pPr>
+            <a:lvl4pPr marL="5641629" indent="0" algn="l" defTabSz="3761086" rtl="0" eaLnBrk="1" latinLnBrk="0" hangingPunct="1">
+              <a:spcBef>
+                <a:spcPct val="20000"/>
+              </a:spcBef>
+              <a:buFontTx/>
+              <a:buNone/>
+              <a:defRPr sz="8200" kern="1200">
+                <a:solidFill>
+                  <a:schemeClr val="tx1"/>
+                </a:solidFill>
+                <a:latin typeface="+mn-lt"/>
+                <a:ea typeface="+mn-ea"/>
+                <a:cs typeface="+mn-cs"/>
+              </a:defRPr>
+            </a:lvl4pPr>
+            <a:lvl5pPr marL="7522172" indent="0" algn="l" defTabSz="3761086" rtl="0" eaLnBrk="1" latinLnBrk="0" hangingPunct="1">
+              <a:spcBef>
+                <a:spcPct val="20000"/>
+              </a:spcBef>
+              <a:buFontTx/>
+              <a:buNone/>
+              <a:defRPr sz="8200" kern="1200">
+                <a:solidFill>
+                  <a:schemeClr val="tx1"/>
+                </a:solidFill>
+                <a:latin typeface="+mn-lt"/>
+                <a:ea typeface="+mn-ea"/>
+                <a:cs typeface="+mn-cs"/>
+              </a:defRPr>
+            </a:lvl5pPr>
+            <a:lvl6pPr marL="10342988" indent="-940272" algn="l" defTabSz="3761086" rtl="0" eaLnBrk="1" latinLnBrk="0" hangingPunct="1">
+              <a:spcBef>
+                <a:spcPct val="20000"/>
+              </a:spcBef>
+              <a:buFont typeface="Arial" pitchFamily="34" charset="0"/>
+              <a:buChar char="•"/>
+              <a:defRPr sz="8200" kern="1200">
+                <a:solidFill>
+                  <a:schemeClr val="tx1"/>
+                </a:solidFill>
+                <a:latin typeface="+mn-lt"/>
+                <a:ea typeface="+mn-ea"/>
+                <a:cs typeface="+mn-cs"/>
+              </a:defRPr>
+            </a:lvl6pPr>
+            <a:lvl7pPr marL="12223531" indent="-940272" algn="l" defTabSz="3761086" rtl="0" eaLnBrk="1" latinLnBrk="0" hangingPunct="1">
+              <a:spcBef>
+                <a:spcPct val="20000"/>
+              </a:spcBef>
+              <a:buFont typeface="Arial" pitchFamily="34" charset="0"/>
+              <a:buChar char="•"/>
+              <a:defRPr sz="8200" kern="1200">
+                <a:solidFill>
+                  <a:schemeClr val="tx1"/>
+                </a:solidFill>
+                <a:latin typeface="+mn-lt"/>
+                <a:ea typeface="+mn-ea"/>
+                <a:cs typeface="+mn-cs"/>
+              </a:defRPr>
+            </a:lvl7pPr>
+            <a:lvl8pPr marL="14104074" indent="-940272" algn="l" defTabSz="3761086" rtl="0" eaLnBrk="1" latinLnBrk="0" hangingPunct="1">
+              <a:spcBef>
+                <a:spcPct val="20000"/>
+              </a:spcBef>
+              <a:buFont typeface="Arial" pitchFamily="34" charset="0"/>
+              <a:buChar char="•"/>
+              <a:defRPr sz="8200" kern="1200">
+                <a:solidFill>
+                  <a:schemeClr val="tx1"/>
+                </a:solidFill>
+                <a:latin typeface="+mn-lt"/>
+                <a:ea typeface="+mn-ea"/>
+                <a:cs typeface="+mn-cs"/>
+              </a:defRPr>
+            </a:lvl8pPr>
+            <a:lvl9pPr marL="15984617" indent="-940272" algn="l" defTabSz="3761086" rtl="0" eaLnBrk="1" latinLnBrk="0" hangingPunct="1">
+              <a:spcBef>
+                <a:spcPct val="20000"/>
+              </a:spcBef>
+              <a:buFont typeface="Arial" pitchFamily="34" charset="0"/>
+              <a:buChar char="•"/>
+              <a:defRPr sz="8200" kern="1200">
+                <a:solidFill>
+                  <a:schemeClr val="tx1"/>
+                </a:solidFill>
+                <a:latin typeface="+mn-lt"/>
+                <a:ea typeface="+mn-ea"/>
+                <a:cs typeface="+mn-cs"/>
+              </a:defRPr>
+            </a:lvl9pPr>
+          </a:lstStyle>
+          <a:p>
+            <a:pPr algn="ctr" defTabSz="2507516">
+              <a:spcBef>
+                <a:spcPct val="20000"/>
+              </a:spcBef>
+              <a:defRPr/>
+            </a:pPr>
+            <a:r>
+              <a:rPr lang="en-US" sz="16600" b="1" u="sng" dirty="0">
+                <a:solidFill>
+                  <a:schemeClr val="bg1"/>
+                </a:solidFill>
+                <a:latin typeface="Nunito Black" panose="00000A00000000000000" pitchFamily="2" charset="0"/>
+              </a:rPr>
+              <a:t>SQL vs NO-SQL</a:t>
+            </a:r>
+          </a:p>
+        </p:txBody>
+      </p:sp>
+      <p:pic>
+        <p:nvPicPr>
+          <p:cNvPr id="8" name="Picture 7">
+            <a:extLst>
+              <a:ext uri="{FF2B5EF4-FFF2-40B4-BE49-F238E27FC236}">
+                <a16:creationId xmlns:a16="http://schemas.microsoft.com/office/drawing/2014/main" id="{D7BBD0F7-A30D-44DD-A097-379DDC9319B2}"/>
+              </a:ext>
+            </a:extLst>
+          </p:cNvPr>
+          <p:cNvPicPr>
+            <a:picLocks noChangeAspect="1"/>
+          </p:cNvPicPr>
+          <p:nvPr/>
+        </p:nvPicPr>
+        <p:blipFill>
+          <a:blip r:embed="rId2">
+            <a:lum bright="70000" contrast="-70000"/>
+            <a:extLst>
+              <a:ext uri="{BEBA8EAE-BF5A-486C-A8C5-ECC9F3942E4B}">
+                <a14:imgProps xmlns:a14="http://schemas.microsoft.com/office/drawing/2010/main">
+                  <a14:imgLayer r:embed="rId3">
+                    <a14:imgEffect>
+                      <a14:colorTemperature colorTemp="1500"/>
+                    </a14:imgEffect>
+                    <a14:imgEffect>
+                      <a14:saturation sat="0"/>
+                    </a14:imgEffect>
+                  </a14:imgLayer>
+                </a14:imgProps>
+              </a:ext>
+              <a:ext uri="{28A0092B-C50C-407E-A947-70E740481C1C}">
+                <a14:useLocalDpi xmlns:a14="http://schemas.microsoft.com/office/drawing/2010/main" val="0"/>
+              </a:ext>
+            </a:extLst>
+          </a:blip>
+          <a:stretch>
+            <a:fillRect/>
+          </a:stretch>
+        </p:blipFill>
+        <p:spPr>
+          <a:xfrm>
+            <a:off x="555063" y="564776"/>
+            <a:ext cx="4931337" cy="4312247"/>
+          </a:xfrm>
+          <a:prstGeom prst="rect">
+            <a:avLst/>
+          </a:prstGeom>
+        </p:spPr>
+      </p:pic>
+      <p:pic>
+        <p:nvPicPr>
+          <p:cNvPr id="9" name="Picture 8">
+            <a:extLst>
+              <a:ext uri="{FF2B5EF4-FFF2-40B4-BE49-F238E27FC236}">
+                <a16:creationId xmlns:a16="http://schemas.microsoft.com/office/drawing/2014/main" id="{0BAC5D09-AC8D-4EF5-B7D9-308BD76FC58F}"/>
+              </a:ext>
+            </a:extLst>
+          </p:cNvPr>
+          <p:cNvPicPr>
+            <a:picLocks noChangeAspect="1"/>
+          </p:cNvPicPr>
+          <p:nvPr/>
+        </p:nvPicPr>
+        <p:blipFill>
+          <a:blip r:embed="rId4" cstate="print">
+            <a:extLst>
+              <a:ext uri="{28A0092B-C50C-407E-A947-70E740481C1C}">
+                <a14:useLocalDpi xmlns:a14="http://schemas.microsoft.com/office/drawing/2010/main" val="0"/>
+              </a:ext>
+            </a:extLst>
+          </a:blip>
+          <a:stretch>
+            <a:fillRect/>
+          </a:stretch>
+        </p:blipFill>
+        <p:spPr>
+          <a:xfrm>
+            <a:off x="27647152" y="564776"/>
+            <a:ext cx="4608608" cy="4273870"/>
+          </a:xfrm>
+          <a:prstGeom prst="rect">
+            <a:avLst/>
+          </a:prstGeom>
+        </p:spPr>
+      </p:pic>
+      <p:sp>
+        <p:nvSpPr>
+          <p:cNvPr id="2" name="TextBox 1">
+            <a:extLst>
+              <a:ext uri="{FF2B5EF4-FFF2-40B4-BE49-F238E27FC236}">
+                <a16:creationId xmlns:a16="http://schemas.microsoft.com/office/drawing/2014/main" id="{1A10B340-68A5-4306-B58D-2997CDE5076A}"/>
+              </a:ext>
+            </a:extLst>
+          </p:cNvPr>
+          <p:cNvSpPr txBox="1"/>
+          <p:nvPr/>
+        </p:nvSpPr>
+        <p:spPr>
+          <a:xfrm>
+            <a:off x="555063" y="5934743"/>
+            <a:ext cx="31700697" cy="1446550"/>
+          </a:xfrm>
+          <a:prstGeom prst="rect">
+            <a:avLst/>
+          </a:prstGeom>
+          <a:noFill/>
+        </p:spPr>
+        <p:txBody>
+          <a:bodyPr wrap="square" rtlCol="0">
+            <a:spAutoFit/>
+          </a:bodyPr>
+          <a:lstStyle/>
+          <a:p>
+            <a:pPr algn="ctr"/>
+            <a:r>
+              <a:rPr lang="en-IN" sz="8800" b="1" dirty="0">
+                <a:effectLst>
+                  <a:outerShdw blurRad="38100" dist="38100" dir="2700000" algn="tl">
+                    <a:srgbClr val="000000">
+                      <a:alpha val="43137"/>
+                    </a:srgbClr>
+                  </a:outerShdw>
+                </a:effectLst>
+                <a:latin typeface="Open Sans" panose="020B0606030504020204" pitchFamily="34" charset="0"/>
+                <a:ea typeface="Open Sans" panose="020B0606030504020204" pitchFamily="34" charset="0"/>
+                <a:cs typeface="Open Sans" panose="020B0606030504020204" pitchFamily="34" charset="0"/>
+              </a:rPr>
+              <a:t>NO-SQL – [MongoDB]</a:t>
+            </a:r>
+          </a:p>
+        </p:txBody>
+      </p:sp>
+      <p:sp>
+        <p:nvSpPr>
+          <p:cNvPr id="13" name="Text Placeholder 5">
+            <a:extLst>
+              <a:ext uri="{FF2B5EF4-FFF2-40B4-BE49-F238E27FC236}">
+                <a16:creationId xmlns:a16="http://schemas.microsoft.com/office/drawing/2014/main" id="{E28BE609-D1F8-44B7-B6EC-56123FD54D13}"/>
+              </a:ext>
+            </a:extLst>
+          </p:cNvPr>
+          <p:cNvSpPr txBox="1"/>
+          <p:nvPr/>
+        </p:nvSpPr>
+        <p:spPr>
+          <a:xfrm>
+            <a:off x="1905000" y="3387384"/>
+            <a:ext cx="28879800" cy="1828193"/>
+          </a:xfrm>
+          <a:prstGeom prst="rect">
+            <a:avLst/>
+          </a:prstGeom>
+        </p:spPr>
+        <p:txBody>
+          <a:bodyPr wrap="square" lIns="0" tIns="0" rIns="0" bIns="0">
+            <a:spAutoFit/>
+          </a:bodyPr>
+          <a:lstStyle>
+            <a:defPPr>
+              <a:defRPr kern="1200"/>
+            </a:defPPr>
+            <a:lvl1pPr marL="0" marR="0" indent="0" algn="l" defTabSz="3761086" rtl="0" eaLnBrk="1" fontAlgn="auto" latinLnBrk="0" hangingPunct="1">
+              <a:lnSpc>
+                <a:spcPct val="100000"/>
+              </a:lnSpc>
+              <a:spcBef>
+                <a:spcPct val="20000"/>
+              </a:spcBef>
+              <a:spcAft>
+                <a:spcPct val="0"/>
+              </a:spcAft>
+              <a:buClrTx/>
+              <a:buSzTx/>
+              <a:buFont typeface="Arial" pitchFamily="34" charset="0"/>
+              <a:buNone/>
+              <a:defRPr sz="6000" kern="1200" baseline="0">
+                <a:solidFill>
+                  <a:schemeClr val="tx2"/>
+                </a:solidFill>
+                <a:latin typeface="Franklin Gothic Heavy" pitchFamily="34" charset="0"/>
+                <a:ea typeface="+mn-ea"/>
+                <a:cs typeface="+mn-cs"/>
+              </a:defRPr>
+            </a:lvl1pPr>
+            <a:lvl2pPr marL="1880543" indent="0" algn="l" defTabSz="3761086" rtl="0" eaLnBrk="1" latinLnBrk="0" hangingPunct="1">
+              <a:spcBef>
+                <a:spcPct val="20000"/>
+              </a:spcBef>
+              <a:buFontTx/>
+              <a:buNone/>
+              <a:defRPr sz="11500" kern="1200">
+                <a:solidFill>
+                  <a:schemeClr val="tx1"/>
+                </a:solidFill>
+                <a:latin typeface="+mn-lt"/>
+                <a:ea typeface="+mn-ea"/>
+                <a:cs typeface="+mn-cs"/>
+              </a:defRPr>
+            </a:lvl2pPr>
+            <a:lvl3pPr marL="3761086" indent="0" algn="l" defTabSz="3761086" rtl="0" eaLnBrk="1" latinLnBrk="0" hangingPunct="1">
+              <a:spcBef>
+                <a:spcPct val="20000"/>
+              </a:spcBef>
+              <a:buFontTx/>
+              <a:buNone/>
+              <a:defRPr sz="9900" kern="1200">
+                <a:solidFill>
+                  <a:schemeClr val="tx1"/>
+                </a:solidFill>
+                <a:latin typeface="+mn-lt"/>
+                <a:ea typeface="+mn-ea"/>
+                <a:cs typeface="+mn-cs"/>
+              </a:defRPr>
+            </a:lvl3pPr>
+            <a:lvl4pPr marL="5641629" indent="0" algn="l" defTabSz="3761086" rtl="0" eaLnBrk="1" latinLnBrk="0" hangingPunct="1">
+              <a:spcBef>
+                <a:spcPct val="20000"/>
+              </a:spcBef>
+              <a:buFontTx/>
+              <a:buNone/>
+              <a:defRPr sz="8200" kern="1200">
+                <a:solidFill>
+                  <a:schemeClr val="tx1"/>
+                </a:solidFill>
+                <a:latin typeface="+mn-lt"/>
+                <a:ea typeface="+mn-ea"/>
+                <a:cs typeface="+mn-cs"/>
+              </a:defRPr>
+            </a:lvl4pPr>
+            <a:lvl5pPr marL="7522172" indent="0" algn="l" defTabSz="3761086" rtl="0" eaLnBrk="1" latinLnBrk="0" hangingPunct="1">
+              <a:spcBef>
+                <a:spcPct val="20000"/>
+              </a:spcBef>
+              <a:buFontTx/>
+              <a:buNone/>
+              <a:defRPr sz="8200" kern="1200">
+                <a:solidFill>
+                  <a:schemeClr val="tx1"/>
+                </a:solidFill>
+                <a:latin typeface="+mn-lt"/>
+                <a:ea typeface="+mn-ea"/>
+                <a:cs typeface="+mn-cs"/>
+              </a:defRPr>
+            </a:lvl5pPr>
+            <a:lvl6pPr marL="10342988" indent="-940272" algn="l" defTabSz="3761086" rtl="0" eaLnBrk="1" latinLnBrk="0" hangingPunct="1">
+              <a:spcBef>
+                <a:spcPct val="20000"/>
+              </a:spcBef>
+              <a:buFont typeface="Arial" pitchFamily="34" charset="0"/>
+              <a:buChar char="•"/>
+              <a:defRPr sz="8200" kern="1200">
+                <a:solidFill>
+                  <a:schemeClr val="tx1"/>
+                </a:solidFill>
+                <a:latin typeface="+mn-lt"/>
+                <a:ea typeface="+mn-ea"/>
+                <a:cs typeface="+mn-cs"/>
+              </a:defRPr>
+            </a:lvl6pPr>
+            <a:lvl7pPr marL="12223531" indent="-940272" algn="l" defTabSz="3761086" rtl="0" eaLnBrk="1" latinLnBrk="0" hangingPunct="1">
+              <a:spcBef>
+                <a:spcPct val="20000"/>
+              </a:spcBef>
+              <a:buFont typeface="Arial" pitchFamily="34" charset="0"/>
+              <a:buChar char="•"/>
+              <a:defRPr sz="8200" kern="1200">
+                <a:solidFill>
+                  <a:schemeClr val="tx1"/>
+                </a:solidFill>
+                <a:latin typeface="+mn-lt"/>
+                <a:ea typeface="+mn-ea"/>
+                <a:cs typeface="+mn-cs"/>
+              </a:defRPr>
+            </a:lvl7pPr>
+            <a:lvl8pPr marL="14104074" indent="-940272" algn="l" defTabSz="3761086" rtl="0" eaLnBrk="1" latinLnBrk="0" hangingPunct="1">
+              <a:spcBef>
+                <a:spcPct val="20000"/>
+              </a:spcBef>
+              <a:buFont typeface="Arial" pitchFamily="34" charset="0"/>
+              <a:buChar char="•"/>
+              <a:defRPr sz="8200" kern="1200">
+                <a:solidFill>
+                  <a:schemeClr val="tx1"/>
+                </a:solidFill>
+                <a:latin typeface="+mn-lt"/>
+                <a:ea typeface="+mn-ea"/>
+                <a:cs typeface="+mn-cs"/>
+              </a:defRPr>
+            </a:lvl8pPr>
+            <a:lvl9pPr marL="15984617" indent="-940272" algn="l" defTabSz="3761086" rtl="0" eaLnBrk="1" latinLnBrk="0" hangingPunct="1">
+              <a:spcBef>
+                <a:spcPct val="20000"/>
+              </a:spcBef>
+              <a:buFont typeface="Arial" pitchFamily="34" charset="0"/>
+              <a:buChar char="•"/>
+              <a:defRPr sz="8200" kern="1200">
+                <a:solidFill>
+                  <a:schemeClr val="tx1"/>
+                </a:solidFill>
+                <a:latin typeface="+mn-lt"/>
+                <a:ea typeface="+mn-ea"/>
+                <a:cs typeface="+mn-cs"/>
+              </a:defRPr>
+            </a:lvl9pPr>
+          </a:lstStyle>
+          <a:p>
+            <a:pPr algn="ctr">
+              <a:defRPr/>
+            </a:pPr>
+            <a:r>
+              <a:rPr lang="en-US" sz="6600" b="1" dirty="0">
+                <a:solidFill>
+                  <a:schemeClr val="bg1"/>
+                </a:solidFill>
+                <a:latin typeface="Open Sans" panose="020B0606030504020204" pitchFamily="34" charset="0"/>
+                <a:ea typeface="Open Sans" panose="020B0606030504020204" pitchFamily="34" charset="0"/>
+                <a:cs typeface="Open Sans" panose="020B0606030504020204" pitchFamily="34" charset="0"/>
+              </a:rPr>
+              <a:t>Pushpak Sunil Rane</a:t>
+            </a:r>
+          </a:p>
+          <a:p>
+            <a:pPr algn="ctr">
+              <a:defRPr/>
+            </a:pPr>
+            <a:r>
+              <a:rPr lang="en-US" sz="4400" b="1" dirty="0">
+                <a:solidFill>
+                  <a:schemeClr val="bg1"/>
+                </a:solidFill>
+                <a:latin typeface="Open Sans" panose="020B0606030504020204" pitchFamily="34" charset="0"/>
+                <a:ea typeface="Open Sans" panose="020B0606030504020204" pitchFamily="34" charset="0"/>
+                <a:cs typeface="Open Sans" panose="020B0606030504020204" pitchFamily="34" charset="0"/>
+              </a:rPr>
+              <a:t>California State University Chico: Department of Mathematics and Statistics</a:t>
+            </a:r>
+          </a:p>
+        </p:txBody>
+      </p:sp>
+      <p:pic>
+        <p:nvPicPr>
           <p:cNvPr id="12" name="Picture 11">
             <a:extLst>
               <a:ext uri="{FF2B5EF4-FFF2-40B4-BE49-F238E27FC236}">
@@ -7967,6 +8720,42 @@
           </a:prstGeom>
         </p:spPr>
       </p:pic>
+      <p:pic>
+        <p:nvPicPr>
+          <p:cNvPr id="7" name="Picture 6">
+            <a:extLst>
+              <a:ext uri="{FF2B5EF4-FFF2-40B4-BE49-F238E27FC236}">
+                <a16:creationId xmlns:a16="http://schemas.microsoft.com/office/drawing/2014/main" id="{3CFCBFC3-7CC6-41A4-A7AD-0D23B0285AF6}"/>
+              </a:ext>
+            </a:extLst>
+          </p:cNvPr>
+          <p:cNvPicPr>
+            <a:picLocks noChangeAspect="1"/>
+          </p:cNvPicPr>
+          <p:nvPr/>
+        </p:nvPicPr>
+        <p:blipFill>
+          <a:blip r:embed="rId6">
+            <a:extLst>
+              <a:ext uri="{28A0092B-C50C-407E-A947-70E740481C1C}">
+                <a14:useLocalDpi xmlns:a14="http://schemas.microsoft.com/office/drawing/2010/main" val="0"/>
+              </a:ext>
+            </a:extLst>
+          </a:blip>
+          <a:stretch>
+            <a:fillRect/>
+          </a:stretch>
+        </p:blipFill>
+        <p:spPr>
+          <a:xfrm>
+            <a:off x="13072372" y="7381293"/>
+            <a:ext cx="19183388" cy="14009826"/>
+          </a:xfrm>
+          <a:prstGeom prst="rect">
+            <a:avLst/>
+          </a:prstGeom>
+        </p:spPr>
+      </p:pic>
     </p:spTree>
     <p:extLst>
       <p:ext uri="{BB962C8B-B14F-4D97-AF65-F5344CB8AC3E}">
@@ -7977,13 +8766,13 @@
   <p:clrMapOvr>
     <a:masterClrMapping/>
   </p:clrMapOvr>
-  <mc:AlternateContent xmlns:mc="http://schemas.openxmlformats.org/markup-compatibility/2006">
-    <mc:Choice xmlns:p15="http://schemas.microsoft.com/office/powerpoint/2012/main" Requires="p15">
+  <mc:AlternateContent xmlns:mc="http://schemas.openxmlformats.org/markup-compatibility/2006" xmlns:p15="http://schemas.microsoft.com/office/powerpoint/2012/main">
+    <mc:Choice Requires="p15">
       <p:transition xmlns:p14="http://schemas.microsoft.com/office/powerpoint/2010/main" p14:dur="400">
         <p15:prstTrans prst="pageCurlDouble"/>
       </p:transition>
     </mc:Choice>
-    <mc:Fallback>
+    <mc:Fallback xmlns="">
       <p:transition>
         <p:fade/>
       </p:transition>
@@ -7992,7 +8781,7 @@
 </p:sld>
 </file>
 
-<file path=ppt/slides/slide11.xml><?xml version="1.0" encoding="utf-8"?>
+<file path=ppt/slides/slide12.xml><?xml version="1.0" encoding="utf-8"?>
 <p:sld xmlns:a="http://schemas.openxmlformats.org/drawingml/2006/main" xmlns:r="http://schemas.openxmlformats.org/officeDocument/2006/relationships" xmlns:p="http://schemas.openxmlformats.org/presentationml/2006/main">
   <p:cSld>
     <p:spTree>
@@ -8663,13 +9452,13 @@
   <p:clrMapOvr>
     <a:masterClrMapping/>
   </p:clrMapOvr>
-  <mc:AlternateContent xmlns:mc="http://schemas.openxmlformats.org/markup-compatibility/2006">
-    <mc:Choice xmlns:p15="http://schemas.microsoft.com/office/powerpoint/2012/main" Requires="p15">
+  <mc:AlternateContent xmlns:mc="http://schemas.openxmlformats.org/markup-compatibility/2006" xmlns:p15="http://schemas.microsoft.com/office/powerpoint/2012/main">
+    <mc:Choice Requires="p15">
       <p:transition xmlns:p14="http://schemas.microsoft.com/office/powerpoint/2010/main" p14:dur="400">
         <p15:prstTrans prst="pageCurlDouble"/>
       </p:transition>
     </mc:Choice>
-    <mc:Fallback>
+    <mc:Fallback xmlns="">
       <p:transition>
         <p:fade/>
       </p:transition>
@@ -8679,6 +9468,650 @@
 </file>
 
 <file path=ppt/slides/slide2.xml><?xml version="1.0" encoding="utf-8"?>
+<p:sld xmlns:a="http://schemas.openxmlformats.org/drawingml/2006/main" xmlns:r="http://schemas.openxmlformats.org/officeDocument/2006/relationships" xmlns:p="http://schemas.openxmlformats.org/presentationml/2006/main">
+  <p:cSld>
+    <p:spTree>
+      <p:nvGrpSpPr>
+        <p:cNvPr id="1" name=""/>
+        <p:cNvGrpSpPr/>
+        <p:nvPr/>
+      </p:nvGrpSpPr>
+      <p:grpSpPr>
+        <a:xfrm>
+          <a:off x="0" y="0"/>
+          <a:ext cx="0" cy="0"/>
+          <a:chOff x="0" y="0"/>
+          <a:chExt cx="0" cy="0"/>
+        </a:xfrm>
+      </p:grpSpPr>
+      <p:sp>
+        <p:nvSpPr>
+          <p:cNvPr id="4" name="Rectangle 6">
+            <a:extLst>
+              <a:ext uri="{FF2B5EF4-FFF2-40B4-BE49-F238E27FC236}">
+                <a16:creationId xmlns:a16="http://schemas.microsoft.com/office/drawing/2014/main" id="{FCA70442-DC63-422D-8F29-94B67C8B9224}"/>
+              </a:ext>
+            </a:extLst>
+          </p:cNvPr>
+          <p:cNvSpPr>
+            <a:spLocks noChangeArrowheads="1"/>
+          </p:cNvSpPr>
+          <p:nvPr/>
+        </p:nvSpPr>
+        <p:spPr bwMode="auto">
+          <a:xfrm>
+            <a:off x="0" y="0"/>
+            <a:ext cx="32918400" cy="4316056"/>
+          </a:xfrm>
+          <a:prstGeom prst="rect">
+            <a:avLst/>
+          </a:prstGeom>
+          <a:solidFill>
+            <a:srgbClr val="9D2235"/>
+          </a:solidFill>
+          <a:ln w="9525">
+            <a:noFill/>
+            <a:miter lim="800000"/>
+          </a:ln>
+          <a:effectLst/>
+        </p:spPr>
+        <p:txBody>
+          <a:bodyPr lIns="91440" tIns="45720" rIns="91440" bIns="45720" anchor="ctr"/>
+          <a:lstStyle>
+            <a:defPPr>
+              <a:defRPr kern="1200"/>
+            </a:defPPr>
+          </a:lstStyle>
+          <a:p>
+            <a:pPr algn="ctr" defTabSz="3135999"/>
+            <a:endParaRPr lang="en-US" sz="3200" dirty="0">
+              <a:solidFill>
+                <a:schemeClr val="bg1"/>
+              </a:solidFill>
+            </a:endParaRPr>
+          </a:p>
+        </p:txBody>
+      </p:sp>
+      <p:sp>
+        <p:nvSpPr>
+          <p:cNvPr id="5" name="Rectangle 6">
+            <a:extLst>
+              <a:ext uri="{FF2B5EF4-FFF2-40B4-BE49-F238E27FC236}">
+                <a16:creationId xmlns:a16="http://schemas.microsoft.com/office/drawing/2014/main" id="{4646883C-FD71-435F-80BA-36A6842C177C}"/>
+              </a:ext>
+            </a:extLst>
+          </p:cNvPr>
+          <p:cNvSpPr>
+            <a:spLocks noChangeArrowheads="1"/>
+          </p:cNvSpPr>
+          <p:nvPr/>
+        </p:nvSpPr>
+        <p:spPr bwMode="auto">
+          <a:xfrm>
+            <a:off x="0" y="0"/>
+            <a:ext cx="32918400" cy="5529943"/>
+          </a:xfrm>
+          <a:prstGeom prst="rect">
+            <a:avLst/>
+          </a:prstGeom>
+          <a:solidFill>
+            <a:srgbClr val="9D2235"/>
+          </a:solidFill>
+          <a:ln w="9525">
+            <a:noFill/>
+            <a:miter lim="800000"/>
+          </a:ln>
+          <a:effectLst/>
+        </p:spPr>
+        <p:txBody>
+          <a:bodyPr lIns="91440" tIns="45720" rIns="91440" bIns="45720" anchor="ctr"/>
+          <a:lstStyle>
+            <a:defPPr>
+              <a:defRPr kern="1200"/>
+            </a:defPPr>
+          </a:lstStyle>
+          <a:p>
+            <a:pPr algn="ctr" defTabSz="3135999"/>
+            <a:endParaRPr lang="en-US" sz="3200" dirty="0">
+              <a:solidFill>
+                <a:schemeClr val="bg1"/>
+              </a:solidFill>
+            </a:endParaRPr>
+          </a:p>
+        </p:txBody>
+      </p:sp>
+      <p:sp>
+        <p:nvSpPr>
+          <p:cNvPr id="6" name="Text Placeholder 5">
+            <a:extLst>
+              <a:ext uri="{FF2B5EF4-FFF2-40B4-BE49-F238E27FC236}">
+                <a16:creationId xmlns:a16="http://schemas.microsoft.com/office/drawing/2014/main" id="{4E6EAF87-D058-43B6-9909-A45FB38B4771}"/>
+              </a:ext>
+            </a:extLst>
+          </p:cNvPr>
+          <p:cNvSpPr txBox="1"/>
+          <p:nvPr/>
+        </p:nvSpPr>
+        <p:spPr>
+          <a:xfrm>
+            <a:off x="4038600" y="321089"/>
+            <a:ext cx="24841200" cy="2618224"/>
+          </a:xfrm>
+          <a:prstGeom prst="rect">
+            <a:avLst/>
+          </a:prstGeom>
+        </p:spPr>
+        <p:txBody>
+          <a:bodyPr lIns="0" tIns="0" rIns="0" bIns="0">
+            <a:noAutofit/>
+          </a:bodyPr>
+          <a:lstStyle>
+            <a:defPPr>
+              <a:defRPr kern="1200"/>
+            </a:defPPr>
+            <a:lvl1pPr marL="0" marR="0" indent="0" algn="l" defTabSz="3783013" rtl="0" eaLnBrk="1" fontAlgn="auto" latinLnBrk="0" hangingPunct="1">
+              <a:lnSpc>
+                <a:spcPct val="100000"/>
+              </a:lnSpc>
+              <a:spcBef>
+                <a:spcPts val="600"/>
+              </a:spcBef>
+              <a:spcAft>
+                <a:spcPct val="0"/>
+              </a:spcAft>
+              <a:buClrTx/>
+              <a:buSzTx/>
+              <a:buFontTx/>
+              <a:buNone/>
+              <a:defRPr sz="6000" kern="1200" baseline="0">
+                <a:solidFill>
+                  <a:schemeClr val="tx2"/>
+                </a:solidFill>
+                <a:latin typeface="Franklin Gothic Heavy" pitchFamily="34" charset="0"/>
+                <a:ea typeface="+mn-ea"/>
+                <a:cs typeface="+mn-cs"/>
+              </a:defRPr>
+            </a:lvl1pPr>
+            <a:lvl2pPr marL="1880543" indent="0" algn="l" defTabSz="3761086" rtl="0" eaLnBrk="1" latinLnBrk="0" hangingPunct="1">
+              <a:spcBef>
+                <a:spcPct val="20000"/>
+              </a:spcBef>
+              <a:buFontTx/>
+              <a:buNone/>
+              <a:defRPr sz="11500" kern="1200">
+                <a:solidFill>
+                  <a:schemeClr val="tx1"/>
+                </a:solidFill>
+                <a:latin typeface="+mn-lt"/>
+                <a:ea typeface="+mn-ea"/>
+                <a:cs typeface="+mn-cs"/>
+              </a:defRPr>
+            </a:lvl2pPr>
+            <a:lvl3pPr marL="3761086" indent="0" algn="l" defTabSz="3761086" rtl="0" eaLnBrk="1" latinLnBrk="0" hangingPunct="1">
+              <a:spcBef>
+                <a:spcPct val="20000"/>
+              </a:spcBef>
+              <a:buFontTx/>
+              <a:buNone/>
+              <a:defRPr sz="9900" kern="1200">
+                <a:solidFill>
+                  <a:schemeClr val="tx1"/>
+                </a:solidFill>
+                <a:latin typeface="+mn-lt"/>
+                <a:ea typeface="+mn-ea"/>
+                <a:cs typeface="+mn-cs"/>
+              </a:defRPr>
+            </a:lvl3pPr>
+            <a:lvl4pPr marL="5641629" indent="0" algn="l" defTabSz="3761086" rtl="0" eaLnBrk="1" latinLnBrk="0" hangingPunct="1">
+              <a:spcBef>
+                <a:spcPct val="20000"/>
+              </a:spcBef>
+              <a:buFontTx/>
+              <a:buNone/>
+              <a:defRPr sz="8200" kern="1200">
+                <a:solidFill>
+                  <a:schemeClr val="tx1"/>
+                </a:solidFill>
+                <a:latin typeface="+mn-lt"/>
+                <a:ea typeface="+mn-ea"/>
+                <a:cs typeface="+mn-cs"/>
+              </a:defRPr>
+            </a:lvl4pPr>
+            <a:lvl5pPr marL="7522172" indent="0" algn="l" defTabSz="3761086" rtl="0" eaLnBrk="1" latinLnBrk="0" hangingPunct="1">
+              <a:spcBef>
+                <a:spcPct val="20000"/>
+              </a:spcBef>
+              <a:buFontTx/>
+              <a:buNone/>
+              <a:defRPr sz="8200" kern="1200">
+                <a:solidFill>
+                  <a:schemeClr val="tx1"/>
+                </a:solidFill>
+                <a:latin typeface="+mn-lt"/>
+                <a:ea typeface="+mn-ea"/>
+                <a:cs typeface="+mn-cs"/>
+              </a:defRPr>
+            </a:lvl5pPr>
+            <a:lvl6pPr marL="10342988" indent="-940272" algn="l" defTabSz="3761086" rtl="0" eaLnBrk="1" latinLnBrk="0" hangingPunct="1">
+              <a:spcBef>
+                <a:spcPct val="20000"/>
+              </a:spcBef>
+              <a:buFont typeface="Arial" pitchFamily="34" charset="0"/>
+              <a:buChar char="•"/>
+              <a:defRPr sz="8200" kern="1200">
+                <a:solidFill>
+                  <a:schemeClr val="tx1"/>
+                </a:solidFill>
+                <a:latin typeface="+mn-lt"/>
+                <a:ea typeface="+mn-ea"/>
+                <a:cs typeface="+mn-cs"/>
+              </a:defRPr>
+            </a:lvl6pPr>
+            <a:lvl7pPr marL="12223531" indent="-940272" algn="l" defTabSz="3761086" rtl="0" eaLnBrk="1" latinLnBrk="0" hangingPunct="1">
+              <a:spcBef>
+                <a:spcPct val="20000"/>
+              </a:spcBef>
+              <a:buFont typeface="Arial" pitchFamily="34" charset="0"/>
+              <a:buChar char="•"/>
+              <a:defRPr sz="8200" kern="1200">
+                <a:solidFill>
+                  <a:schemeClr val="tx1"/>
+                </a:solidFill>
+                <a:latin typeface="+mn-lt"/>
+                <a:ea typeface="+mn-ea"/>
+                <a:cs typeface="+mn-cs"/>
+              </a:defRPr>
+            </a:lvl7pPr>
+            <a:lvl8pPr marL="14104074" indent="-940272" algn="l" defTabSz="3761086" rtl="0" eaLnBrk="1" latinLnBrk="0" hangingPunct="1">
+              <a:spcBef>
+                <a:spcPct val="20000"/>
+              </a:spcBef>
+              <a:buFont typeface="Arial" pitchFamily="34" charset="0"/>
+              <a:buChar char="•"/>
+              <a:defRPr sz="8200" kern="1200">
+                <a:solidFill>
+                  <a:schemeClr val="tx1"/>
+                </a:solidFill>
+                <a:latin typeface="+mn-lt"/>
+                <a:ea typeface="+mn-ea"/>
+                <a:cs typeface="+mn-cs"/>
+              </a:defRPr>
+            </a:lvl8pPr>
+            <a:lvl9pPr marL="15984617" indent="-940272" algn="l" defTabSz="3761086" rtl="0" eaLnBrk="1" latinLnBrk="0" hangingPunct="1">
+              <a:spcBef>
+                <a:spcPct val="20000"/>
+              </a:spcBef>
+              <a:buFont typeface="Arial" pitchFamily="34" charset="0"/>
+              <a:buChar char="•"/>
+              <a:defRPr sz="8200" kern="1200">
+                <a:solidFill>
+                  <a:schemeClr val="tx1"/>
+                </a:solidFill>
+                <a:latin typeface="+mn-lt"/>
+                <a:ea typeface="+mn-ea"/>
+                <a:cs typeface="+mn-cs"/>
+              </a:defRPr>
+            </a:lvl9pPr>
+          </a:lstStyle>
+          <a:p>
+            <a:pPr algn="ctr" defTabSz="2507516">
+              <a:spcBef>
+                <a:spcPct val="20000"/>
+              </a:spcBef>
+              <a:defRPr/>
+            </a:pPr>
+            <a:r>
+              <a:rPr lang="en-US" sz="16600" b="1" u="sng" dirty="0">
+                <a:solidFill>
+                  <a:schemeClr val="bg1"/>
+                </a:solidFill>
+                <a:latin typeface="Nunito Black" panose="00000A00000000000000" pitchFamily="2" charset="0"/>
+              </a:rPr>
+              <a:t>SQL vs NO-SQL</a:t>
+            </a:r>
+          </a:p>
+        </p:txBody>
+      </p:sp>
+      <p:sp>
+        <p:nvSpPr>
+          <p:cNvPr id="7" name="Text Placeholder 5">
+            <a:extLst>
+              <a:ext uri="{FF2B5EF4-FFF2-40B4-BE49-F238E27FC236}">
+                <a16:creationId xmlns:a16="http://schemas.microsoft.com/office/drawing/2014/main" id="{7A2ADE23-A0E8-4191-90E1-794B8B3E8908}"/>
+              </a:ext>
+            </a:extLst>
+          </p:cNvPr>
+          <p:cNvSpPr txBox="1"/>
+          <p:nvPr/>
+        </p:nvSpPr>
+        <p:spPr>
+          <a:xfrm>
+            <a:off x="1905000" y="3387384"/>
+            <a:ext cx="28879800" cy="1828193"/>
+          </a:xfrm>
+          <a:prstGeom prst="rect">
+            <a:avLst/>
+          </a:prstGeom>
+        </p:spPr>
+        <p:txBody>
+          <a:bodyPr wrap="square" lIns="0" tIns="0" rIns="0" bIns="0">
+            <a:spAutoFit/>
+          </a:bodyPr>
+          <a:lstStyle>
+            <a:defPPr>
+              <a:defRPr kern="1200"/>
+            </a:defPPr>
+            <a:lvl1pPr marL="0" marR="0" indent="0" algn="l" defTabSz="3761086" rtl="0" eaLnBrk="1" fontAlgn="auto" latinLnBrk="0" hangingPunct="1">
+              <a:lnSpc>
+                <a:spcPct val="100000"/>
+              </a:lnSpc>
+              <a:spcBef>
+                <a:spcPct val="20000"/>
+              </a:spcBef>
+              <a:spcAft>
+                <a:spcPct val="0"/>
+              </a:spcAft>
+              <a:buClrTx/>
+              <a:buSzTx/>
+              <a:buFont typeface="Arial" pitchFamily="34" charset="0"/>
+              <a:buNone/>
+              <a:defRPr sz="6000" kern="1200" baseline="0">
+                <a:solidFill>
+                  <a:schemeClr val="tx2"/>
+                </a:solidFill>
+                <a:latin typeface="Franklin Gothic Heavy" pitchFamily="34" charset="0"/>
+                <a:ea typeface="+mn-ea"/>
+                <a:cs typeface="+mn-cs"/>
+              </a:defRPr>
+            </a:lvl1pPr>
+            <a:lvl2pPr marL="1880543" indent="0" algn="l" defTabSz="3761086" rtl="0" eaLnBrk="1" latinLnBrk="0" hangingPunct="1">
+              <a:spcBef>
+                <a:spcPct val="20000"/>
+              </a:spcBef>
+              <a:buFontTx/>
+              <a:buNone/>
+              <a:defRPr sz="11500" kern="1200">
+                <a:solidFill>
+                  <a:schemeClr val="tx1"/>
+                </a:solidFill>
+                <a:latin typeface="+mn-lt"/>
+                <a:ea typeface="+mn-ea"/>
+                <a:cs typeface="+mn-cs"/>
+              </a:defRPr>
+            </a:lvl2pPr>
+            <a:lvl3pPr marL="3761086" indent="0" algn="l" defTabSz="3761086" rtl="0" eaLnBrk="1" latinLnBrk="0" hangingPunct="1">
+              <a:spcBef>
+                <a:spcPct val="20000"/>
+              </a:spcBef>
+              <a:buFontTx/>
+              <a:buNone/>
+              <a:defRPr sz="9900" kern="1200">
+                <a:solidFill>
+                  <a:schemeClr val="tx1"/>
+                </a:solidFill>
+                <a:latin typeface="+mn-lt"/>
+                <a:ea typeface="+mn-ea"/>
+                <a:cs typeface="+mn-cs"/>
+              </a:defRPr>
+            </a:lvl3pPr>
+            <a:lvl4pPr marL="5641629" indent="0" algn="l" defTabSz="3761086" rtl="0" eaLnBrk="1" latinLnBrk="0" hangingPunct="1">
+              <a:spcBef>
+                <a:spcPct val="20000"/>
+              </a:spcBef>
+              <a:buFontTx/>
+              <a:buNone/>
+              <a:defRPr sz="8200" kern="1200">
+                <a:solidFill>
+                  <a:schemeClr val="tx1"/>
+                </a:solidFill>
+                <a:latin typeface="+mn-lt"/>
+                <a:ea typeface="+mn-ea"/>
+                <a:cs typeface="+mn-cs"/>
+              </a:defRPr>
+            </a:lvl4pPr>
+            <a:lvl5pPr marL="7522172" indent="0" algn="l" defTabSz="3761086" rtl="0" eaLnBrk="1" latinLnBrk="0" hangingPunct="1">
+              <a:spcBef>
+                <a:spcPct val="20000"/>
+              </a:spcBef>
+              <a:buFontTx/>
+              <a:buNone/>
+              <a:defRPr sz="8200" kern="1200">
+                <a:solidFill>
+                  <a:schemeClr val="tx1"/>
+                </a:solidFill>
+                <a:latin typeface="+mn-lt"/>
+                <a:ea typeface="+mn-ea"/>
+                <a:cs typeface="+mn-cs"/>
+              </a:defRPr>
+            </a:lvl5pPr>
+            <a:lvl6pPr marL="10342988" indent="-940272" algn="l" defTabSz="3761086" rtl="0" eaLnBrk="1" latinLnBrk="0" hangingPunct="1">
+              <a:spcBef>
+                <a:spcPct val="20000"/>
+              </a:spcBef>
+              <a:buFont typeface="Arial" pitchFamily="34" charset="0"/>
+              <a:buChar char="•"/>
+              <a:defRPr sz="8200" kern="1200">
+                <a:solidFill>
+                  <a:schemeClr val="tx1"/>
+                </a:solidFill>
+                <a:latin typeface="+mn-lt"/>
+                <a:ea typeface="+mn-ea"/>
+                <a:cs typeface="+mn-cs"/>
+              </a:defRPr>
+            </a:lvl6pPr>
+            <a:lvl7pPr marL="12223531" indent="-940272" algn="l" defTabSz="3761086" rtl="0" eaLnBrk="1" latinLnBrk="0" hangingPunct="1">
+              <a:spcBef>
+                <a:spcPct val="20000"/>
+              </a:spcBef>
+              <a:buFont typeface="Arial" pitchFamily="34" charset="0"/>
+              <a:buChar char="•"/>
+              <a:defRPr sz="8200" kern="1200">
+                <a:solidFill>
+                  <a:schemeClr val="tx1"/>
+                </a:solidFill>
+                <a:latin typeface="+mn-lt"/>
+                <a:ea typeface="+mn-ea"/>
+                <a:cs typeface="+mn-cs"/>
+              </a:defRPr>
+            </a:lvl7pPr>
+            <a:lvl8pPr marL="14104074" indent="-940272" algn="l" defTabSz="3761086" rtl="0" eaLnBrk="1" latinLnBrk="0" hangingPunct="1">
+              <a:spcBef>
+                <a:spcPct val="20000"/>
+              </a:spcBef>
+              <a:buFont typeface="Arial" pitchFamily="34" charset="0"/>
+              <a:buChar char="•"/>
+              <a:defRPr sz="8200" kern="1200">
+                <a:solidFill>
+                  <a:schemeClr val="tx1"/>
+                </a:solidFill>
+                <a:latin typeface="+mn-lt"/>
+                <a:ea typeface="+mn-ea"/>
+                <a:cs typeface="+mn-cs"/>
+              </a:defRPr>
+            </a:lvl8pPr>
+            <a:lvl9pPr marL="15984617" indent="-940272" algn="l" defTabSz="3761086" rtl="0" eaLnBrk="1" latinLnBrk="0" hangingPunct="1">
+              <a:spcBef>
+                <a:spcPct val="20000"/>
+              </a:spcBef>
+              <a:buFont typeface="Arial" pitchFamily="34" charset="0"/>
+              <a:buChar char="•"/>
+              <a:defRPr sz="8200" kern="1200">
+                <a:solidFill>
+                  <a:schemeClr val="tx1"/>
+                </a:solidFill>
+                <a:latin typeface="+mn-lt"/>
+                <a:ea typeface="+mn-ea"/>
+                <a:cs typeface="+mn-cs"/>
+              </a:defRPr>
+            </a:lvl9pPr>
+          </a:lstStyle>
+          <a:p>
+            <a:pPr algn="ctr">
+              <a:defRPr/>
+            </a:pPr>
+            <a:r>
+              <a:rPr lang="en-US" sz="6600" b="1" dirty="0">
+                <a:solidFill>
+                  <a:schemeClr val="bg1"/>
+                </a:solidFill>
+                <a:latin typeface="Open Sans" panose="020B0606030504020204" pitchFamily="34" charset="0"/>
+                <a:ea typeface="Open Sans" panose="020B0606030504020204" pitchFamily="34" charset="0"/>
+                <a:cs typeface="Open Sans" panose="020B0606030504020204" pitchFamily="34" charset="0"/>
+              </a:rPr>
+              <a:t>Pushpak Sunil Rane</a:t>
+            </a:r>
+          </a:p>
+          <a:p>
+            <a:pPr algn="ctr">
+              <a:defRPr/>
+            </a:pPr>
+            <a:r>
+              <a:rPr lang="en-US" sz="4400" b="1" dirty="0">
+                <a:solidFill>
+                  <a:schemeClr val="bg1"/>
+                </a:solidFill>
+                <a:latin typeface="Open Sans" panose="020B0606030504020204" pitchFamily="34" charset="0"/>
+                <a:ea typeface="Open Sans" panose="020B0606030504020204" pitchFamily="34" charset="0"/>
+                <a:cs typeface="Open Sans" panose="020B0606030504020204" pitchFamily="34" charset="0"/>
+              </a:rPr>
+              <a:t>California State University Chico: Department of Mathematics and Statistics</a:t>
+            </a:r>
+          </a:p>
+        </p:txBody>
+      </p:sp>
+      <p:pic>
+        <p:nvPicPr>
+          <p:cNvPr id="8" name="Picture 7">
+            <a:extLst>
+              <a:ext uri="{FF2B5EF4-FFF2-40B4-BE49-F238E27FC236}">
+                <a16:creationId xmlns:a16="http://schemas.microsoft.com/office/drawing/2014/main" id="{D7BBD0F7-A30D-44DD-A097-379DDC9319B2}"/>
+              </a:ext>
+            </a:extLst>
+          </p:cNvPr>
+          <p:cNvPicPr>
+            <a:picLocks noChangeAspect="1"/>
+          </p:cNvPicPr>
+          <p:nvPr/>
+        </p:nvPicPr>
+        <p:blipFill>
+          <a:blip r:embed="rId2">
+            <a:lum bright="70000" contrast="-70000"/>
+            <a:extLst>
+              <a:ext uri="{BEBA8EAE-BF5A-486C-A8C5-ECC9F3942E4B}">
+                <a14:imgProps xmlns:a14="http://schemas.microsoft.com/office/drawing/2010/main">
+                  <a14:imgLayer r:embed="rId3">
+                    <a14:imgEffect>
+                      <a14:colorTemperature colorTemp="1500"/>
+                    </a14:imgEffect>
+                    <a14:imgEffect>
+                      <a14:saturation sat="0"/>
+                    </a14:imgEffect>
+                  </a14:imgLayer>
+                </a14:imgProps>
+              </a:ext>
+              <a:ext uri="{28A0092B-C50C-407E-A947-70E740481C1C}">
+                <a14:useLocalDpi xmlns:a14="http://schemas.microsoft.com/office/drawing/2010/main" val="0"/>
+              </a:ext>
+            </a:extLst>
+          </a:blip>
+          <a:stretch>
+            <a:fillRect/>
+          </a:stretch>
+        </p:blipFill>
+        <p:spPr>
+          <a:xfrm>
+            <a:off x="501275" y="564776"/>
+            <a:ext cx="4931337" cy="4312247"/>
+          </a:xfrm>
+          <a:prstGeom prst="rect">
+            <a:avLst/>
+          </a:prstGeom>
+        </p:spPr>
+      </p:pic>
+      <p:pic>
+        <p:nvPicPr>
+          <p:cNvPr id="9" name="Picture 8">
+            <a:extLst>
+              <a:ext uri="{FF2B5EF4-FFF2-40B4-BE49-F238E27FC236}">
+                <a16:creationId xmlns:a16="http://schemas.microsoft.com/office/drawing/2014/main" id="{0BAC5D09-AC8D-4EF5-B7D9-308BD76FC58F}"/>
+              </a:ext>
+            </a:extLst>
+          </p:cNvPr>
+          <p:cNvPicPr>
+            <a:picLocks noChangeAspect="1"/>
+          </p:cNvPicPr>
+          <p:nvPr/>
+        </p:nvPicPr>
+        <p:blipFill>
+          <a:blip r:embed="rId4" cstate="print">
+            <a:extLst>
+              <a:ext uri="{28A0092B-C50C-407E-A947-70E740481C1C}">
+                <a14:useLocalDpi xmlns:a14="http://schemas.microsoft.com/office/drawing/2010/main" val="0"/>
+              </a:ext>
+            </a:extLst>
+          </a:blip>
+          <a:stretch>
+            <a:fillRect/>
+          </a:stretch>
+        </p:blipFill>
+        <p:spPr>
+          <a:xfrm>
+            <a:off x="27539576" y="564776"/>
+            <a:ext cx="4608608" cy="4273870"/>
+          </a:xfrm>
+          <a:prstGeom prst="rect">
+            <a:avLst/>
+          </a:prstGeom>
+        </p:spPr>
+      </p:pic>
+      <p:graphicFrame>
+        <p:nvGraphicFramePr>
+          <p:cNvPr id="10" name="Diagram 9">
+            <a:extLst>
+              <a:ext uri="{FF2B5EF4-FFF2-40B4-BE49-F238E27FC236}">
+                <a16:creationId xmlns:a16="http://schemas.microsoft.com/office/drawing/2014/main" id="{F309730E-0439-45AD-AE3E-258E72EB7A18}"/>
+              </a:ext>
+            </a:extLst>
+          </p:cNvPr>
+          <p:cNvGraphicFramePr/>
+          <p:nvPr/>
+        </p:nvGraphicFramePr>
+        <p:xfrm>
+          <a:off x="918616" y="5529942"/>
+          <a:ext cx="31229568" cy="16429945"/>
+        </p:xfrm>
+        <a:graphic>
+          <a:graphicData uri="http://schemas.openxmlformats.org/drawingml/2006/diagram">
+            <dgm:relIds xmlns:dgm="http://schemas.openxmlformats.org/drawingml/2006/diagram" xmlns:r="http://schemas.openxmlformats.org/officeDocument/2006/relationships" r:dm="rId5" r:lo="rId6" r:qs="rId7" r:cs="rId8"/>
+          </a:graphicData>
+        </a:graphic>
+      </p:graphicFrame>
+    </p:spTree>
+    <p:extLst>
+      <p:ext uri="{BB962C8B-B14F-4D97-AF65-F5344CB8AC3E}">
+        <p14:creationId xmlns:p14="http://schemas.microsoft.com/office/powerpoint/2010/main" val="25299030"/>
+      </p:ext>
+    </p:extLst>
+  </p:cSld>
+  <p:clrMapOvr>
+    <a:masterClrMapping/>
+  </p:clrMapOvr>
+  <mc:AlternateContent xmlns:mc="http://schemas.openxmlformats.org/markup-compatibility/2006" xmlns:p15="http://schemas.microsoft.com/office/powerpoint/2012/main">
+    <mc:Choice Requires="p15">
+      <p:transition xmlns:p14="http://schemas.microsoft.com/office/powerpoint/2010/main" p14:dur="400">
+        <p15:prstTrans prst="pageCurlDouble"/>
+      </p:transition>
+    </mc:Choice>
+    <mc:Fallback xmlns="">
+      <p:transition>
+        <p:fade/>
+      </p:transition>
+    </mc:Fallback>
+  </mc:AlternateContent>
+</p:sld>
+</file>
+
+<file path=ppt/slides/slide3.xml><?xml version="1.0" encoding="utf-8"?>
 <p:sld xmlns:a="http://schemas.openxmlformats.org/drawingml/2006/main" xmlns:r="http://schemas.openxmlformats.org/officeDocument/2006/relationships" xmlns:p="http://schemas.openxmlformats.org/presentationml/2006/main">
   <p:cSld>
     <p:spTree>
@@ -9083,14 +10516,14 @@
           <p:nvPr>
             <p:extLst>
               <p:ext uri="{D42A27DB-BD31-4B8C-83A1-F6EECF244321}">
-                <p14:modId xmlns:p14="http://schemas.microsoft.com/office/powerpoint/2010/main" val="3342768897"/>
+                <p14:modId xmlns:p14="http://schemas.microsoft.com/office/powerpoint/2010/main" val="2952145161"/>
               </p:ext>
             </p:extLst>
           </p:nvPr>
         </p:nvGraphicFramePr>
         <p:xfrm>
-          <a:off x="753035" y="5935990"/>
-          <a:ext cx="31502723" cy="15202788"/>
+          <a:off x="753035" y="6185647"/>
+          <a:ext cx="31502723" cy="14469035"/>
         </p:xfrm>
         <a:graphic>
           <a:graphicData uri="http://schemas.openxmlformats.org/drawingml/2006/table">
@@ -9119,7 +10552,7 @@
                   </a:extLst>
                 </a:gridCol>
               </a:tblGrid>
-              <a:tr h="1244046">
+              <a:tr h="1718931">
                 <a:tc>
                   <a:txBody>
                     <a:bodyPr/>
@@ -9318,7 +10751,7 @@
                   </a:ext>
                 </a:extLst>
               </a:tr>
-              <a:tr h="2374997">
+              <a:tr h="2614134">
                 <a:tc>
                   <a:txBody>
                     <a:bodyPr/>
@@ -9521,7 +10954,7 @@
                   </a:ext>
                 </a:extLst>
               </a:tr>
-              <a:tr h="2286091">
+              <a:tr h="2516276">
                 <a:tc>
                   <a:txBody>
                     <a:bodyPr/>
@@ -9724,7 +11157,7 @@
                   </a:ext>
                 </a:extLst>
               </a:tr>
-              <a:tr h="2172663">
+              <a:tr h="2391426">
                 <a:tc>
                   <a:txBody>
                     <a:bodyPr/>
@@ -9927,7 +11360,7 @@
                   </a:ext>
                 </a:extLst>
               </a:tr>
-              <a:tr h="2374997">
+              <a:tr h="2614134">
                 <a:tc>
                   <a:txBody>
                     <a:bodyPr/>
@@ -10160,210 +11593,7 @@
                   </a:ext>
                 </a:extLst>
               </a:tr>
-              <a:tr h="2374997">
-                <a:tc>
-                  <a:txBody>
-                    <a:bodyPr/>
-                    <a:lstStyle/>
-                    <a:p>
-                      <a:pPr algn="ctr"/>
-                      <a:r>
-                        <a:rPr lang="en-IN" sz="5400" b="1">
-                          <a:latin typeface="Open Sans" panose="020B0606030504020204" pitchFamily="34" charset="0"/>
-                          <a:ea typeface="Open Sans" panose="020B0606030504020204" pitchFamily="34" charset="0"/>
-                          <a:cs typeface="Open Sans" panose="020B0606030504020204" pitchFamily="34" charset="0"/>
-                        </a:rPr>
-                        <a:t>Use Cases</a:t>
-                      </a:r>
-                      <a:endParaRPr lang="en-IN" sz="5400">
-                        <a:latin typeface="Open Sans" panose="020B0606030504020204" pitchFamily="34" charset="0"/>
-                        <a:ea typeface="Open Sans" panose="020B0606030504020204" pitchFamily="34" charset="0"/>
-                        <a:cs typeface="Open Sans" panose="020B0606030504020204" pitchFamily="34" charset="0"/>
-                      </a:endParaRPr>
-                    </a:p>
-                  </a:txBody>
-                  <a:tcPr anchor="ctr">
-                    <a:lnL w="12700" cap="flat" cmpd="sng" algn="ctr">
-                      <a:solidFill>
-                        <a:schemeClr val="tx1"/>
-                      </a:solidFill>
-                      <a:prstDash val="solid"/>
-                      <a:round/>
-                      <a:headEnd type="none" w="med" len="med"/>
-                      <a:tailEnd type="none" w="med" len="med"/>
-                    </a:lnL>
-                    <a:lnR w="12700" cap="flat" cmpd="sng" algn="ctr">
-                      <a:solidFill>
-                        <a:schemeClr val="tx1"/>
-                      </a:solidFill>
-                      <a:prstDash val="solid"/>
-                      <a:round/>
-                      <a:headEnd type="none" w="med" len="med"/>
-                      <a:tailEnd type="none" w="med" len="med"/>
-                    </a:lnR>
-                    <a:lnT w="12700" cap="flat" cmpd="sng" algn="ctr">
-                      <a:solidFill>
-                        <a:schemeClr val="tx1"/>
-                      </a:solidFill>
-                      <a:prstDash val="solid"/>
-                      <a:round/>
-                      <a:headEnd type="none" w="med" len="med"/>
-                      <a:tailEnd type="none" w="med" len="med"/>
-                    </a:lnT>
-                    <a:lnB w="12700" cap="flat" cmpd="sng" algn="ctr">
-                      <a:solidFill>
-                        <a:schemeClr val="tx1"/>
-                      </a:solidFill>
-                      <a:prstDash val="solid"/>
-                      <a:round/>
-                      <a:headEnd type="none" w="med" len="med"/>
-                      <a:tailEnd type="none" w="med" len="med"/>
-                    </a:lnB>
-                    <a:cell3D prstMaterial="dkEdge">
-                      <a:bevel/>
-                      <a:lightRig rig="flood" dir="t"/>
-                    </a:cell3D>
-                  </a:tcPr>
-                </a:tc>
-                <a:tc>
-                  <a:txBody>
-                    <a:bodyPr/>
-                    <a:lstStyle/>
-                    <a:p>
-                      <a:pPr algn="ctr"/>
-                      <a:r>
-                        <a:rPr lang="en-IN" sz="5400" b="0" dirty="0">
-                          <a:effectLst>
-                            <a:outerShdw blurRad="38100" dist="38100" dir="2700000" algn="tl">
-                              <a:srgbClr val="000000">
-                                <a:alpha val="43137"/>
-                              </a:srgbClr>
-                            </a:outerShdw>
-                          </a:effectLst>
-                          <a:latin typeface="Open Sans" panose="020B0606030504020204" pitchFamily="34" charset="0"/>
-                          <a:ea typeface="Open Sans" panose="020B0606030504020204" pitchFamily="34" charset="0"/>
-                          <a:cs typeface="Open Sans" panose="020B0606030504020204" pitchFamily="34" charset="0"/>
-                        </a:rPr>
-                        <a:t>Complex queries, transactions, data integrity</a:t>
-                      </a:r>
-                    </a:p>
-                  </a:txBody>
-                  <a:tcPr anchor="ctr">
-                    <a:lnL w="12700" cap="flat" cmpd="sng" algn="ctr">
-                      <a:solidFill>
-                        <a:schemeClr val="tx1"/>
-                      </a:solidFill>
-                      <a:prstDash val="solid"/>
-                      <a:round/>
-                      <a:headEnd type="none" w="med" len="med"/>
-                      <a:tailEnd type="none" w="med" len="med"/>
-                    </a:lnL>
-                    <a:lnR w="12700" cap="flat" cmpd="sng" algn="ctr">
-                      <a:solidFill>
-                        <a:schemeClr val="tx1"/>
-                      </a:solidFill>
-                      <a:prstDash val="solid"/>
-                      <a:round/>
-                      <a:headEnd type="none" w="med" len="med"/>
-                      <a:tailEnd type="none" w="med" len="med"/>
-                    </a:lnR>
-                    <a:lnT w="12700" cap="flat" cmpd="sng" algn="ctr">
-                      <a:solidFill>
-                        <a:schemeClr val="tx1"/>
-                      </a:solidFill>
-                      <a:prstDash val="solid"/>
-                      <a:round/>
-                      <a:headEnd type="none" w="med" len="med"/>
-                      <a:tailEnd type="none" w="med" len="med"/>
-                    </a:lnT>
-                    <a:lnB w="12700" cap="flat" cmpd="sng" algn="ctr">
-                      <a:solidFill>
-                        <a:schemeClr val="tx1"/>
-                      </a:solidFill>
-                      <a:prstDash val="solid"/>
-                      <a:round/>
-                      <a:headEnd type="none" w="med" len="med"/>
-                      <a:tailEnd type="none" w="med" len="med"/>
-                    </a:lnB>
-                    <a:cell3D prstMaterial="dkEdge">
-                      <a:bevel/>
-                      <a:lightRig rig="flood" dir="t"/>
-                    </a:cell3D>
-                  </a:tcPr>
-                </a:tc>
-                <a:tc>
-                  <a:txBody>
-                    <a:bodyPr/>
-                    <a:lstStyle/>
-                    <a:p>
-                      <a:pPr algn="ctr"/>
-                      <a:r>
-                        <a:rPr lang="en-IN" sz="5400" b="0" dirty="0">
-                          <a:effectLst>
-                            <a:outerShdw blurRad="38100" dist="38100" dir="2700000" algn="tl">
-                              <a:srgbClr val="000000">
-                                <a:alpha val="43137"/>
-                              </a:srgbClr>
-                            </a:outerShdw>
-                          </a:effectLst>
-                          <a:latin typeface="Open Sans" panose="020B0606030504020204" pitchFamily="34" charset="0"/>
-                          <a:ea typeface="Open Sans" panose="020B0606030504020204" pitchFamily="34" charset="0"/>
-                          <a:cs typeface="Open Sans" panose="020B0606030504020204" pitchFamily="34" charset="0"/>
-                        </a:rPr>
-                        <a:t>High performance, scalability, flexibility</a:t>
-                      </a:r>
-                    </a:p>
-                  </a:txBody>
-                  <a:tcPr anchor="ctr">
-                    <a:lnL w="12700" cap="flat" cmpd="sng" algn="ctr">
-                      <a:solidFill>
-                        <a:schemeClr val="tx1"/>
-                      </a:solidFill>
-                      <a:prstDash val="solid"/>
-                      <a:round/>
-                      <a:headEnd type="none" w="med" len="med"/>
-                      <a:tailEnd type="none" w="med" len="med"/>
-                    </a:lnL>
-                    <a:lnR w="12700" cap="flat" cmpd="sng" algn="ctr">
-                      <a:solidFill>
-                        <a:schemeClr val="tx1"/>
-                      </a:solidFill>
-                      <a:prstDash val="solid"/>
-                      <a:round/>
-                      <a:headEnd type="none" w="med" len="med"/>
-                      <a:tailEnd type="none" w="med" len="med"/>
-                    </a:lnR>
-                    <a:lnT w="12700" cap="flat" cmpd="sng" algn="ctr">
-                      <a:solidFill>
-                        <a:schemeClr val="tx1"/>
-                      </a:solidFill>
-                      <a:prstDash val="solid"/>
-                      <a:round/>
-                      <a:headEnd type="none" w="med" len="med"/>
-                      <a:tailEnd type="none" w="med" len="med"/>
-                    </a:lnT>
-                    <a:lnB w="12700" cap="flat" cmpd="sng" algn="ctr">
-                      <a:solidFill>
-                        <a:schemeClr val="tx1"/>
-                      </a:solidFill>
-                      <a:prstDash val="solid"/>
-                      <a:round/>
-                      <a:headEnd type="none" w="med" len="med"/>
-                      <a:tailEnd type="none" w="med" len="med"/>
-                    </a:lnB>
-                    <a:cell3D prstMaterial="dkEdge">
-                      <a:bevel/>
-                      <a:lightRig rig="flood" dir="t"/>
-                    </a:cell3D>
-                  </a:tcPr>
-                </a:tc>
-                <a:extLst>
-                  <a:ext uri="{0D108BD9-81ED-4DB2-BD59-A6C34878D82A}">
-                    <a16:rowId xmlns:a16="http://schemas.microsoft.com/office/drawing/2014/main" val="1322113214"/>
-                  </a:ext>
-                </a:extLst>
-              </a:tr>
-              <a:tr h="2374997">
+              <a:tr h="2614134">
                 <a:tc>
                   <a:txBody>
                     <a:bodyPr/>
@@ -10787,13 +12017,13 @@
   <p:clrMapOvr>
     <a:masterClrMapping/>
   </p:clrMapOvr>
-  <mc:AlternateContent xmlns:mc="http://schemas.openxmlformats.org/markup-compatibility/2006">
-    <mc:Choice xmlns:p15="http://schemas.microsoft.com/office/powerpoint/2012/main" Requires="p15">
+  <mc:AlternateContent xmlns:mc="http://schemas.openxmlformats.org/markup-compatibility/2006" xmlns:p15="http://schemas.microsoft.com/office/powerpoint/2012/main">
+    <mc:Choice Requires="p15">
       <p:transition xmlns:p14="http://schemas.microsoft.com/office/powerpoint/2010/main" p14:dur="400">
         <p15:prstTrans prst="pageCurlDouble"/>
       </p:transition>
     </mc:Choice>
-    <mc:Fallback>
+    <mc:Fallback xmlns="">
       <p:transition>
         <p:fade/>
       </p:transition>
@@ -10802,7 +12032,7 @@
 </p:sld>
 </file>
 
-<file path=ppt/slides/slide3.xml><?xml version="1.0" encoding="utf-8"?>
+<file path=ppt/slides/slide4.xml><?xml version="1.0" encoding="utf-8"?>
 <p:sld xmlns:a="http://schemas.openxmlformats.org/drawingml/2006/main" xmlns:r="http://schemas.openxmlformats.org/officeDocument/2006/relationships" xmlns:p="http://schemas.openxmlformats.org/presentationml/2006/main">
   <p:cSld>
     <p:spTree>
@@ -11516,13 +12746,13 @@
   <p:clrMapOvr>
     <a:masterClrMapping/>
   </p:clrMapOvr>
-  <mc:AlternateContent xmlns:mc="http://schemas.openxmlformats.org/markup-compatibility/2006">
-    <mc:Choice xmlns:p15="http://schemas.microsoft.com/office/powerpoint/2012/main" Requires="p15">
+  <mc:AlternateContent xmlns:mc="http://schemas.openxmlformats.org/markup-compatibility/2006" xmlns:p15="http://schemas.microsoft.com/office/powerpoint/2012/main">
+    <mc:Choice Requires="p15">
       <p:transition xmlns:p14="http://schemas.microsoft.com/office/powerpoint/2010/main" p14:dur="400">
         <p15:prstTrans prst="pageCurlDouble"/>
       </p:transition>
     </mc:Choice>
-    <mc:Fallback>
+    <mc:Fallback xmlns="">
       <p:transition>
         <p:fade/>
       </p:transition>
@@ -11531,7 +12761,7 @@
 </p:sld>
 </file>
 
-<file path=ppt/slides/slide4.xml><?xml version="1.0" encoding="utf-8"?>
+<file path=ppt/slides/slide5.xml><?xml version="1.0" encoding="utf-8"?>
 <p:sld xmlns:a="http://schemas.openxmlformats.org/drawingml/2006/main" xmlns:r="http://schemas.openxmlformats.org/officeDocument/2006/relationships" xmlns:p="http://schemas.openxmlformats.org/presentationml/2006/main">
   <p:cSld>
     <p:spTree>
@@ -12245,13 +13475,13 @@
   <p:clrMapOvr>
     <a:masterClrMapping/>
   </p:clrMapOvr>
-  <mc:AlternateContent xmlns:mc="http://schemas.openxmlformats.org/markup-compatibility/2006">
-    <mc:Choice xmlns:p15="http://schemas.microsoft.com/office/powerpoint/2012/main" Requires="p15">
+  <mc:AlternateContent xmlns:mc="http://schemas.openxmlformats.org/markup-compatibility/2006" xmlns:p15="http://schemas.microsoft.com/office/powerpoint/2012/main">
+    <mc:Choice Requires="p15">
       <p:transition xmlns:p14="http://schemas.microsoft.com/office/powerpoint/2010/main" p14:dur="400">
         <p15:prstTrans prst="pageCurlDouble"/>
       </p:transition>
     </mc:Choice>
-    <mc:Fallback>
+    <mc:Fallback xmlns="">
       <p:transition>
         <p:fade/>
       </p:transition>
@@ -12260,7 +13490,7 @@
 </p:sld>
 </file>
 
-<file path=ppt/slides/slide5.xml><?xml version="1.0" encoding="utf-8"?>
+<file path=ppt/slides/slide6.xml><?xml version="1.0" encoding="utf-8"?>
 <p:sld xmlns:a="http://schemas.openxmlformats.org/drawingml/2006/main" xmlns:r="http://schemas.openxmlformats.org/officeDocument/2006/relationships" xmlns:p="http://schemas.openxmlformats.org/presentationml/2006/main">
   <p:cSld>
     <p:spTree>
@@ -12720,7 +13950,7 @@
         <p:spPr>
           <a:xfrm>
             <a:off x="555063" y="7569551"/>
-            <a:ext cx="17168161" cy="13380967"/>
+            <a:ext cx="17410208" cy="13380966"/>
           </a:xfrm>
           <a:prstGeom prst="rect">
             <a:avLst/>
@@ -12974,13 +14204,13 @@
   <p:clrMapOvr>
     <a:masterClrMapping/>
   </p:clrMapOvr>
-  <mc:AlternateContent xmlns:mc="http://schemas.openxmlformats.org/markup-compatibility/2006">
-    <mc:Choice xmlns:p15="http://schemas.microsoft.com/office/powerpoint/2012/main" Requires="p15">
+  <mc:AlternateContent xmlns:mc="http://schemas.openxmlformats.org/markup-compatibility/2006" xmlns:p15="http://schemas.microsoft.com/office/powerpoint/2012/main">
+    <mc:Choice Requires="p15">
       <p:transition xmlns:p14="http://schemas.microsoft.com/office/powerpoint/2010/main" p14:dur="400">
         <p15:prstTrans prst="pageCurlDouble"/>
       </p:transition>
     </mc:Choice>
-    <mc:Fallback>
+    <mc:Fallback xmlns="">
       <p:transition>
         <p:fade/>
       </p:transition>
@@ -12989,7 +14219,742 @@
 </p:sld>
 </file>
 
-<file path=ppt/slides/slide6.xml><?xml version="1.0" encoding="utf-8"?>
+<file path=ppt/slides/slide7.xml><?xml version="1.0" encoding="utf-8"?>
+<p:sld xmlns:a="http://schemas.openxmlformats.org/drawingml/2006/main" xmlns:r="http://schemas.openxmlformats.org/officeDocument/2006/relationships" xmlns:p="http://schemas.openxmlformats.org/presentationml/2006/main">
+  <p:cSld>
+    <p:spTree>
+      <p:nvGrpSpPr>
+        <p:cNvPr id="1" name=""/>
+        <p:cNvGrpSpPr/>
+        <p:nvPr/>
+      </p:nvGrpSpPr>
+      <p:grpSpPr>
+        <a:xfrm>
+          <a:off x="0" y="0"/>
+          <a:ext cx="0" cy="0"/>
+          <a:chOff x="0" y="0"/>
+          <a:chExt cx="0" cy="0"/>
+        </a:xfrm>
+      </p:grpSpPr>
+      <p:sp>
+        <p:nvSpPr>
+          <p:cNvPr id="4" name="Rectangle 6">
+            <a:extLst>
+              <a:ext uri="{FF2B5EF4-FFF2-40B4-BE49-F238E27FC236}">
+                <a16:creationId xmlns:a16="http://schemas.microsoft.com/office/drawing/2014/main" id="{FCA70442-DC63-422D-8F29-94B67C8B9224}"/>
+              </a:ext>
+            </a:extLst>
+          </p:cNvPr>
+          <p:cNvSpPr>
+            <a:spLocks noChangeArrowheads="1"/>
+          </p:cNvSpPr>
+          <p:nvPr/>
+        </p:nvSpPr>
+        <p:spPr bwMode="auto">
+          <a:xfrm>
+            <a:off x="0" y="0"/>
+            <a:ext cx="32918400" cy="4316056"/>
+          </a:xfrm>
+          <a:prstGeom prst="rect">
+            <a:avLst/>
+          </a:prstGeom>
+          <a:solidFill>
+            <a:srgbClr val="9D2235"/>
+          </a:solidFill>
+          <a:ln w="9525">
+            <a:noFill/>
+            <a:miter lim="800000"/>
+          </a:ln>
+          <a:effectLst/>
+        </p:spPr>
+        <p:txBody>
+          <a:bodyPr lIns="91440" tIns="45720" rIns="91440" bIns="45720" anchor="ctr"/>
+          <a:lstStyle>
+            <a:defPPr>
+              <a:defRPr kern="1200"/>
+            </a:defPPr>
+          </a:lstStyle>
+          <a:p>
+            <a:pPr algn="ctr" defTabSz="3135999"/>
+            <a:endParaRPr lang="en-US" sz="3200" dirty="0">
+              <a:solidFill>
+                <a:schemeClr val="bg1"/>
+              </a:solidFill>
+            </a:endParaRPr>
+          </a:p>
+        </p:txBody>
+      </p:sp>
+      <p:sp>
+        <p:nvSpPr>
+          <p:cNvPr id="5" name="Rectangle 6">
+            <a:extLst>
+              <a:ext uri="{FF2B5EF4-FFF2-40B4-BE49-F238E27FC236}">
+                <a16:creationId xmlns:a16="http://schemas.microsoft.com/office/drawing/2014/main" id="{4646883C-FD71-435F-80BA-36A6842C177C}"/>
+              </a:ext>
+            </a:extLst>
+          </p:cNvPr>
+          <p:cNvSpPr>
+            <a:spLocks noChangeArrowheads="1"/>
+          </p:cNvSpPr>
+          <p:nvPr/>
+        </p:nvSpPr>
+        <p:spPr bwMode="auto">
+          <a:xfrm>
+            <a:off x="0" y="0"/>
+            <a:ext cx="32918400" cy="5529943"/>
+          </a:xfrm>
+          <a:prstGeom prst="rect">
+            <a:avLst/>
+          </a:prstGeom>
+          <a:solidFill>
+            <a:srgbClr val="9D2235"/>
+          </a:solidFill>
+          <a:ln w="9525">
+            <a:noFill/>
+            <a:miter lim="800000"/>
+          </a:ln>
+          <a:effectLst/>
+        </p:spPr>
+        <p:txBody>
+          <a:bodyPr lIns="91440" tIns="45720" rIns="91440" bIns="45720" anchor="ctr"/>
+          <a:lstStyle>
+            <a:defPPr>
+              <a:defRPr kern="1200"/>
+            </a:defPPr>
+          </a:lstStyle>
+          <a:p>
+            <a:pPr algn="ctr" defTabSz="3135999"/>
+            <a:endParaRPr lang="en-US" sz="3200" dirty="0">
+              <a:solidFill>
+                <a:schemeClr val="bg1"/>
+              </a:solidFill>
+            </a:endParaRPr>
+          </a:p>
+        </p:txBody>
+      </p:sp>
+      <p:sp>
+        <p:nvSpPr>
+          <p:cNvPr id="6" name="Text Placeholder 5">
+            <a:extLst>
+              <a:ext uri="{FF2B5EF4-FFF2-40B4-BE49-F238E27FC236}">
+                <a16:creationId xmlns:a16="http://schemas.microsoft.com/office/drawing/2014/main" id="{4E6EAF87-D058-43B6-9909-A45FB38B4771}"/>
+              </a:ext>
+            </a:extLst>
+          </p:cNvPr>
+          <p:cNvSpPr txBox="1"/>
+          <p:nvPr/>
+        </p:nvSpPr>
+        <p:spPr>
+          <a:xfrm>
+            <a:off x="4038600" y="321089"/>
+            <a:ext cx="24841200" cy="2618224"/>
+          </a:xfrm>
+          <a:prstGeom prst="rect">
+            <a:avLst/>
+          </a:prstGeom>
+        </p:spPr>
+        <p:txBody>
+          <a:bodyPr lIns="0" tIns="0" rIns="0" bIns="0">
+            <a:noAutofit/>
+          </a:bodyPr>
+          <a:lstStyle>
+            <a:defPPr>
+              <a:defRPr kern="1200"/>
+            </a:defPPr>
+            <a:lvl1pPr marL="0" marR="0" indent="0" algn="l" defTabSz="3783013" rtl="0" eaLnBrk="1" fontAlgn="auto" latinLnBrk="0" hangingPunct="1">
+              <a:lnSpc>
+                <a:spcPct val="100000"/>
+              </a:lnSpc>
+              <a:spcBef>
+                <a:spcPts val="600"/>
+              </a:spcBef>
+              <a:spcAft>
+                <a:spcPct val="0"/>
+              </a:spcAft>
+              <a:buClrTx/>
+              <a:buSzTx/>
+              <a:buFontTx/>
+              <a:buNone/>
+              <a:defRPr sz="6000" kern="1200" baseline="0">
+                <a:solidFill>
+                  <a:schemeClr val="tx2"/>
+                </a:solidFill>
+                <a:latin typeface="Franklin Gothic Heavy" pitchFamily="34" charset="0"/>
+                <a:ea typeface="+mn-ea"/>
+                <a:cs typeface="+mn-cs"/>
+              </a:defRPr>
+            </a:lvl1pPr>
+            <a:lvl2pPr marL="1880543" indent="0" algn="l" defTabSz="3761086" rtl="0" eaLnBrk="1" latinLnBrk="0" hangingPunct="1">
+              <a:spcBef>
+                <a:spcPct val="20000"/>
+              </a:spcBef>
+              <a:buFontTx/>
+              <a:buNone/>
+              <a:defRPr sz="11500" kern="1200">
+                <a:solidFill>
+                  <a:schemeClr val="tx1"/>
+                </a:solidFill>
+                <a:latin typeface="+mn-lt"/>
+                <a:ea typeface="+mn-ea"/>
+                <a:cs typeface="+mn-cs"/>
+              </a:defRPr>
+            </a:lvl2pPr>
+            <a:lvl3pPr marL="3761086" indent="0" algn="l" defTabSz="3761086" rtl="0" eaLnBrk="1" latinLnBrk="0" hangingPunct="1">
+              <a:spcBef>
+                <a:spcPct val="20000"/>
+              </a:spcBef>
+              <a:buFontTx/>
+              <a:buNone/>
+              <a:defRPr sz="9900" kern="1200">
+                <a:solidFill>
+                  <a:schemeClr val="tx1"/>
+                </a:solidFill>
+                <a:latin typeface="+mn-lt"/>
+                <a:ea typeface="+mn-ea"/>
+                <a:cs typeface="+mn-cs"/>
+              </a:defRPr>
+            </a:lvl3pPr>
+            <a:lvl4pPr marL="5641629" indent="0" algn="l" defTabSz="3761086" rtl="0" eaLnBrk="1" latinLnBrk="0" hangingPunct="1">
+              <a:spcBef>
+                <a:spcPct val="20000"/>
+              </a:spcBef>
+              <a:buFontTx/>
+              <a:buNone/>
+              <a:defRPr sz="8200" kern="1200">
+                <a:solidFill>
+                  <a:schemeClr val="tx1"/>
+                </a:solidFill>
+                <a:latin typeface="+mn-lt"/>
+                <a:ea typeface="+mn-ea"/>
+                <a:cs typeface="+mn-cs"/>
+              </a:defRPr>
+            </a:lvl4pPr>
+            <a:lvl5pPr marL="7522172" indent="0" algn="l" defTabSz="3761086" rtl="0" eaLnBrk="1" latinLnBrk="0" hangingPunct="1">
+              <a:spcBef>
+                <a:spcPct val="20000"/>
+              </a:spcBef>
+              <a:buFontTx/>
+              <a:buNone/>
+              <a:defRPr sz="8200" kern="1200">
+                <a:solidFill>
+                  <a:schemeClr val="tx1"/>
+                </a:solidFill>
+                <a:latin typeface="+mn-lt"/>
+                <a:ea typeface="+mn-ea"/>
+                <a:cs typeface="+mn-cs"/>
+              </a:defRPr>
+            </a:lvl5pPr>
+            <a:lvl6pPr marL="10342988" indent="-940272" algn="l" defTabSz="3761086" rtl="0" eaLnBrk="1" latinLnBrk="0" hangingPunct="1">
+              <a:spcBef>
+                <a:spcPct val="20000"/>
+              </a:spcBef>
+              <a:buFont typeface="Arial" pitchFamily="34" charset="0"/>
+              <a:buChar char="•"/>
+              <a:defRPr sz="8200" kern="1200">
+                <a:solidFill>
+                  <a:schemeClr val="tx1"/>
+                </a:solidFill>
+                <a:latin typeface="+mn-lt"/>
+                <a:ea typeface="+mn-ea"/>
+                <a:cs typeface="+mn-cs"/>
+              </a:defRPr>
+            </a:lvl6pPr>
+            <a:lvl7pPr marL="12223531" indent="-940272" algn="l" defTabSz="3761086" rtl="0" eaLnBrk="1" latinLnBrk="0" hangingPunct="1">
+              <a:spcBef>
+                <a:spcPct val="20000"/>
+              </a:spcBef>
+              <a:buFont typeface="Arial" pitchFamily="34" charset="0"/>
+              <a:buChar char="•"/>
+              <a:defRPr sz="8200" kern="1200">
+                <a:solidFill>
+                  <a:schemeClr val="tx1"/>
+                </a:solidFill>
+                <a:latin typeface="+mn-lt"/>
+                <a:ea typeface="+mn-ea"/>
+                <a:cs typeface="+mn-cs"/>
+              </a:defRPr>
+            </a:lvl7pPr>
+            <a:lvl8pPr marL="14104074" indent="-940272" algn="l" defTabSz="3761086" rtl="0" eaLnBrk="1" latinLnBrk="0" hangingPunct="1">
+              <a:spcBef>
+                <a:spcPct val="20000"/>
+              </a:spcBef>
+              <a:buFont typeface="Arial" pitchFamily="34" charset="0"/>
+              <a:buChar char="•"/>
+              <a:defRPr sz="8200" kern="1200">
+                <a:solidFill>
+                  <a:schemeClr val="tx1"/>
+                </a:solidFill>
+                <a:latin typeface="+mn-lt"/>
+                <a:ea typeface="+mn-ea"/>
+                <a:cs typeface="+mn-cs"/>
+              </a:defRPr>
+            </a:lvl8pPr>
+            <a:lvl9pPr marL="15984617" indent="-940272" algn="l" defTabSz="3761086" rtl="0" eaLnBrk="1" latinLnBrk="0" hangingPunct="1">
+              <a:spcBef>
+                <a:spcPct val="20000"/>
+              </a:spcBef>
+              <a:buFont typeface="Arial" pitchFamily="34" charset="0"/>
+              <a:buChar char="•"/>
+              <a:defRPr sz="8200" kern="1200">
+                <a:solidFill>
+                  <a:schemeClr val="tx1"/>
+                </a:solidFill>
+                <a:latin typeface="+mn-lt"/>
+                <a:ea typeface="+mn-ea"/>
+                <a:cs typeface="+mn-cs"/>
+              </a:defRPr>
+            </a:lvl9pPr>
+          </a:lstStyle>
+          <a:p>
+            <a:pPr algn="ctr" defTabSz="2507516">
+              <a:spcBef>
+                <a:spcPct val="20000"/>
+              </a:spcBef>
+              <a:defRPr/>
+            </a:pPr>
+            <a:r>
+              <a:rPr lang="en-US" sz="16600" b="1" u="sng" dirty="0">
+                <a:solidFill>
+                  <a:schemeClr val="bg1"/>
+                </a:solidFill>
+                <a:latin typeface="Nunito Black" panose="00000A00000000000000" pitchFamily="2" charset="0"/>
+              </a:rPr>
+              <a:t>SQL vs NO-SQL</a:t>
+            </a:r>
+          </a:p>
+        </p:txBody>
+      </p:sp>
+      <p:pic>
+        <p:nvPicPr>
+          <p:cNvPr id="8" name="Picture 7">
+            <a:extLst>
+              <a:ext uri="{FF2B5EF4-FFF2-40B4-BE49-F238E27FC236}">
+                <a16:creationId xmlns:a16="http://schemas.microsoft.com/office/drawing/2014/main" id="{D7BBD0F7-A30D-44DD-A097-379DDC9319B2}"/>
+              </a:ext>
+            </a:extLst>
+          </p:cNvPr>
+          <p:cNvPicPr>
+            <a:picLocks noChangeAspect="1"/>
+          </p:cNvPicPr>
+          <p:nvPr/>
+        </p:nvPicPr>
+        <p:blipFill>
+          <a:blip r:embed="rId2">
+            <a:lum bright="70000" contrast="-70000"/>
+            <a:extLst>
+              <a:ext uri="{BEBA8EAE-BF5A-486C-A8C5-ECC9F3942E4B}">
+                <a14:imgProps xmlns:a14="http://schemas.microsoft.com/office/drawing/2010/main">
+                  <a14:imgLayer r:embed="rId3">
+                    <a14:imgEffect>
+                      <a14:colorTemperature colorTemp="1500"/>
+                    </a14:imgEffect>
+                    <a14:imgEffect>
+                      <a14:saturation sat="0"/>
+                    </a14:imgEffect>
+                  </a14:imgLayer>
+                </a14:imgProps>
+              </a:ext>
+              <a:ext uri="{28A0092B-C50C-407E-A947-70E740481C1C}">
+                <a14:useLocalDpi xmlns:a14="http://schemas.microsoft.com/office/drawing/2010/main" val="0"/>
+              </a:ext>
+            </a:extLst>
+          </a:blip>
+          <a:stretch>
+            <a:fillRect/>
+          </a:stretch>
+        </p:blipFill>
+        <p:spPr>
+          <a:xfrm>
+            <a:off x="555063" y="564776"/>
+            <a:ext cx="4931337" cy="4312247"/>
+          </a:xfrm>
+          <a:prstGeom prst="rect">
+            <a:avLst/>
+          </a:prstGeom>
+        </p:spPr>
+      </p:pic>
+      <p:pic>
+        <p:nvPicPr>
+          <p:cNvPr id="9" name="Picture 8">
+            <a:extLst>
+              <a:ext uri="{FF2B5EF4-FFF2-40B4-BE49-F238E27FC236}">
+                <a16:creationId xmlns:a16="http://schemas.microsoft.com/office/drawing/2014/main" id="{0BAC5D09-AC8D-4EF5-B7D9-308BD76FC58F}"/>
+              </a:ext>
+            </a:extLst>
+          </p:cNvPr>
+          <p:cNvPicPr>
+            <a:picLocks noChangeAspect="1"/>
+          </p:cNvPicPr>
+          <p:nvPr/>
+        </p:nvPicPr>
+        <p:blipFill>
+          <a:blip r:embed="rId4" cstate="print">
+            <a:extLst>
+              <a:ext uri="{28A0092B-C50C-407E-A947-70E740481C1C}">
+                <a14:useLocalDpi xmlns:a14="http://schemas.microsoft.com/office/drawing/2010/main" val="0"/>
+              </a:ext>
+            </a:extLst>
+          </a:blip>
+          <a:stretch>
+            <a:fillRect/>
+          </a:stretch>
+        </p:blipFill>
+        <p:spPr>
+          <a:xfrm>
+            <a:off x="27647152" y="564776"/>
+            <a:ext cx="4608608" cy="4273870"/>
+          </a:xfrm>
+          <a:prstGeom prst="rect">
+            <a:avLst/>
+          </a:prstGeom>
+        </p:spPr>
+      </p:pic>
+      <p:sp>
+        <p:nvSpPr>
+          <p:cNvPr id="2" name="TextBox 1">
+            <a:extLst>
+              <a:ext uri="{FF2B5EF4-FFF2-40B4-BE49-F238E27FC236}">
+                <a16:creationId xmlns:a16="http://schemas.microsoft.com/office/drawing/2014/main" id="{1A10B340-68A5-4306-B58D-2997CDE5076A}"/>
+              </a:ext>
+            </a:extLst>
+          </p:cNvPr>
+          <p:cNvSpPr txBox="1"/>
+          <p:nvPr/>
+        </p:nvSpPr>
+        <p:spPr>
+          <a:xfrm>
+            <a:off x="555063" y="5638907"/>
+            <a:ext cx="31700697" cy="1446550"/>
+          </a:xfrm>
+          <a:prstGeom prst="rect">
+            <a:avLst/>
+          </a:prstGeom>
+          <a:noFill/>
+        </p:spPr>
+        <p:txBody>
+          <a:bodyPr wrap="square" rtlCol="0">
+            <a:spAutoFit/>
+          </a:bodyPr>
+          <a:lstStyle/>
+          <a:p>
+            <a:pPr algn="ctr"/>
+            <a:r>
+              <a:rPr lang="en-IN" sz="8800" b="1" dirty="0">
+                <a:effectLst>
+                  <a:outerShdw blurRad="38100" dist="38100" dir="2700000" algn="tl">
+                    <a:srgbClr val="000000">
+                      <a:alpha val="43137"/>
+                    </a:srgbClr>
+                  </a:outerShdw>
+                </a:effectLst>
+                <a:latin typeface="Open Sans" panose="020B0606030504020204" pitchFamily="34" charset="0"/>
+                <a:ea typeface="Open Sans" panose="020B0606030504020204" pitchFamily="34" charset="0"/>
+                <a:cs typeface="Open Sans" panose="020B0606030504020204" pitchFamily="34" charset="0"/>
+              </a:rPr>
+              <a:t>SQL – [SQLite]</a:t>
+            </a:r>
+          </a:p>
+        </p:txBody>
+      </p:sp>
+      <p:sp>
+        <p:nvSpPr>
+          <p:cNvPr id="13" name="Text Placeholder 5">
+            <a:extLst>
+              <a:ext uri="{FF2B5EF4-FFF2-40B4-BE49-F238E27FC236}">
+                <a16:creationId xmlns:a16="http://schemas.microsoft.com/office/drawing/2014/main" id="{E28BE609-D1F8-44B7-B6EC-56123FD54D13}"/>
+              </a:ext>
+            </a:extLst>
+          </p:cNvPr>
+          <p:cNvSpPr txBox="1"/>
+          <p:nvPr/>
+        </p:nvSpPr>
+        <p:spPr>
+          <a:xfrm>
+            <a:off x="1905000" y="3387384"/>
+            <a:ext cx="28879800" cy="1828193"/>
+          </a:xfrm>
+          <a:prstGeom prst="rect">
+            <a:avLst/>
+          </a:prstGeom>
+        </p:spPr>
+        <p:txBody>
+          <a:bodyPr wrap="square" lIns="0" tIns="0" rIns="0" bIns="0">
+            <a:spAutoFit/>
+          </a:bodyPr>
+          <a:lstStyle>
+            <a:defPPr>
+              <a:defRPr kern="1200"/>
+            </a:defPPr>
+            <a:lvl1pPr marL="0" marR="0" indent="0" algn="l" defTabSz="3761086" rtl="0" eaLnBrk="1" fontAlgn="auto" latinLnBrk="0" hangingPunct="1">
+              <a:lnSpc>
+                <a:spcPct val="100000"/>
+              </a:lnSpc>
+              <a:spcBef>
+                <a:spcPct val="20000"/>
+              </a:spcBef>
+              <a:spcAft>
+                <a:spcPct val="0"/>
+              </a:spcAft>
+              <a:buClrTx/>
+              <a:buSzTx/>
+              <a:buFont typeface="Arial" pitchFamily="34" charset="0"/>
+              <a:buNone/>
+              <a:defRPr sz="6000" kern="1200" baseline="0">
+                <a:solidFill>
+                  <a:schemeClr val="tx2"/>
+                </a:solidFill>
+                <a:latin typeface="Franklin Gothic Heavy" pitchFamily="34" charset="0"/>
+                <a:ea typeface="+mn-ea"/>
+                <a:cs typeface="+mn-cs"/>
+              </a:defRPr>
+            </a:lvl1pPr>
+            <a:lvl2pPr marL="1880543" indent="0" algn="l" defTabSz="3761086" rtl="0" eaLnBrk="1" latinLnBrk="0" hangingPunct="1">
+              <a:spcBef>
+                <a:spcPct val="20000"/>
+              </a:spcBef>
+              <a:buFontTx/>
+              <a:buNone/>
+              <a:defRPr sz="11500" kern="1200">
+                <a:solidFill>
+                  <a:schemeClr val="tx1"/>
+                </a:solidFill>
+                <a:latin typeface="+mn-lt"/>
+                <a:ea typeface="+mn-ea"/>
+                <a:cs typeface="+mn-cs"/>
+              </a:defRPr>
+            </a:lvl2pPr>
+            <a:lvl3pPr marL="3761086" indent="0" algn="l" defTabSz="3761086" rtl="0" eaLnBrk="1" latinLnBrk="0" hangingPunct="1">
+              <a:spcBef>
+                <a:spcPct val="20000"/>
+              </a:spcBef>
+              <a:buFontTx/>
+              <a:buNone/>
+              <a:defRPr sz="9900" kern="1200">
+                <a:solidFill>
+                  <a:schemeClr val="tx1"/>
+                </a:solidFill>
+                <a:latin typeface="+mn-lt"/>
+                <a:ea typeface="+mn-ea"/>
+                <a:cs typeface="+mn-cs"/>
+              </a:defRPr>
+            </a:lvl3pPr>
+            <a:lvl4pPr marL="5641629" indent="0" algn="l" defTabSz="3761086" rtl="0" eaLnBrk="1" latinLnBrk="0" hangingPunct="1">
+              <a:spcBef>
+                <a:spcPct val="20000"/>
+              </a:spcBef>
+              <a:buFontTx/>
+              <a:buNone/>
+              <a:defRPr sz="8200" kern="1200">
+                <a:solidFill>
+                  <a:schemeClr val="tx1"/>
+                </a:solidFill>
+                <a:latin typeface="+mn-lt"/>
+                <a:ea typeface="+mn-ea"/>
+                <a:cs typeface="+mn-cs"/>
+              </a:defRPr>
+            </a:lvl4pPr>
+            <a:lvl5pPr marL="7522172" indent="0" algn="l" defTabSz="3761086" rtl="0" eaLnBrk="1" latinLnBrk="0" hangingPunct="1">
+              <a:spcBef>
+                <a:spcPct val="20000"/>
+              </a:spcBef>
+              <a:buFontTx/>
+              <a:buNone/>
+              <a:defRPr sz="8200" kern="1200">
+                <a:solidFill>
+                  <a:schemeClr val="tx1"/>
+                </a:solidFill>
+                <a:latin typeface="+mn-lt"/>
+                <a:ea typeface="+mn-ea"/>
+                <a:cs typeface="+mn-cs"/>
+              </a:defRPr>
+            </a:lvl5pPr>
+            <a:lvl6pPr marL="10342988" indent="-940272" algn="l" defTabSz="3761086" rtl="0" eaLnBrk="1" latinLnBrk="0" hangingPunct="1">
+              <a:spcBef>
+                <a:spcPct val="20000"/>
+              </a:spcBef>
+              <a:buFont typeface="Arial" pitchFamily="34" charset="0"/>
+              <a:buChar char="•"/>
+              <a:defRPr sz="8200" kern="1200">
+                <a:solidFill>
+                  <a:schemeClr val="tx1"/>
+                </a:solidFill>
+                <a:latin typeface="+mn-lt"/>
+                <a:ea typeface="+mn-ea"/>
+                <a:cs typeface="+mn-cs"/>
+              </a:defRPr>
+            </a:lvl6pPr>
+            <a:lvl7pPr marL="12223531" indent="-940272" algn="l" defTabSz="3761086" rtl="0" eaLnBrk="1" latinLnBrk="0" hangingPunct="1">
+              <a:spcBef>
+                <a:spcPct val="20000"/>
+              </a:spcBef>
+              <a:buFont typeface="Arial" pitchFamily="34" charset="0"/>
+              <a:buChar char="•"/>
+              <a:defRPr sz="8200" kern="1200">
+                <a:solidFill>
+                  <a:schemeClr val="tx1"/>
+                </a:solidFill>
+                <a:latin typeface="+mn-lt"/>
+                <a:ea typeface="+mn-ea"/>
+                <a:cs typeface="+mn-cs"/>
+              </a:defRPr>
+            </a:lvl7pPr>
+            <a:lvl8pPr marL="14104074" indent="-940272" algn="l" defTabSz="3761086" rtl="0" eaLnBrk="1" latinLnBrk="0" hangingPunct="1">
+              <a:spcBef>
+                <a:spcPct val="20000"/>
+              </a:spcBef>
+              <a:buFont typeface="Arial" pitchFamily="34" charset="0"/>
+              <a:buChar char="•"/>
+              <a:defRPr sz="8200" kern="1200">
+                <a:solidFill>
+                  <a:schemeClr val="tx1"/>
+                </a:solidFill>
+                <a:latin typeface="+mn-lt"/>
+                <a:ea typeface="+mn-ea"/>
+                <a:cs typeface="+mn-cs"/>
+              </a:defRPr>
+            </a:lvl8pPr>
+            <a:lvl9pPr marL="15984617" indent="-940272" algn="l" defTabSz="3761086" rtl="0" eaLnBrk="1" latinLnBrk="0" hangingPunct="1">
+              <a:spcBef>
+                <a:spcPct val="20000"/>
+              </a:spcBef>
+              <a:buFont typeface="Arial" pitchFamily="34" charset="0"/>
+              <a:buChar char="•"/>
+              <a:defRPr sz="8200" kern="1200">
+                <a:solidFill>
+                  <a:schemeClr val="tx1"/>
+                </a:solidFill>
+                <a:latin typeface="+mn-lt"/>
+                <a:ea typeface="+mn-ea"/>
+                <a:cs typeface="+mn-cs"/>
+              </a:defRPr>
+            </a:lvl9pPr>
+          </a:lstStyle>
+          <a:p>
+            <a:pPr algn="ctr">
+              <a:defRPr/>
+            </a:pPr>
+            <a:r>
+              <a:rPr lang="en-US" sz="6600" b="1" dirty="0">
+                <a:solidFill>
+                  <a:schemeClr val="bg1"/>
+                </a:solidFill>
+                <a:latin typeface="Open Sans" panose="020B0606030504020204" pitchFamily="34" charset="0"/>
+                <a:ea typeface="Open Sans" panose="020B0606030504020204" pitchFamily="34" charset="0"/>
+                <a:cs typeface="Open Sans" panose="020B0606030504020204" pitchFamily="34" charset="0"/>
+              </a:rPr>
+              <a:t>Pushpak Sunil Rane</a:t>
+            </a:r>
+          </a:p>
+          <a:p>
+            <a:pPr algn="ctr">
+              <a:defRPr/>
+            </a:pPr>
+            <a:r>
+              <a:rPr lang="en-US" sz="4400" b="1" dirty="0">
+                <a:solidFill>
+                  <a:schemeClr val="bg1"/>
+                </a:solidFill>
+                <a:latin typeface="Open Sans" panose="020B0606030504020204" pitchFamily="34" charset="0"/>
+                <a:ea typeface="Open Sans" panose="020B0606030504020204" pitchFamily="34" charset="0"/>
+                <a:cs typeface="Open Sans" panose="020B0606030504020204" pitchFamily="34" charset="0"/>
+              </a:rPr>
+              <a:t>California State University Chico: Department of Mathematics and Statistics</a:t>
+            </a:r>
+          </a:p>
+        </p:txBody>
+      </p:sp>
+      <p:pic>
+        <p:nvPicPr>
+          <p:cNvPr id="14" name="Picture 13">
+            <a:extLst>
+              <a:ext uri="{FF2B5EF4-FFF2-40B4-BE49-F238E27FC236}">
+                <a16:creationId xmlns:a16="http://schemas.microsoft.com/office/drawing/2014/main" id="{F8AD98AB-C866-4F75-8A71-35C798B25A2F}"/>
+              </a:ext>
+            </a:extLst>
+          </p:cNvPr>
+          <p:cNvPicPr>
+            <a:picLocks noChangeAspect="1"/>
+          </p:cNvPicPr>
+          <p:nvPr/>
+        </p:nvPicPr>
+        <p:blipFill>
+          <a:blip r:embed="rId5"/>
+          <a:stretch>
+            <a:fillRect/>
+          </a:stretch>
+        </p:blipFill>
+        <p:spPr>
+          <a:xfrm>
+            <a:off x="684864" y="7381292"/>
+            <a:ext cx="12009159" cy="14013819"/>
+          </a:xfrm>
+          <a:prstGeom prst="rect">
+            <a:avLst/>
+          </a:prstGeom>
+        </p:spPr>
+      </p:pic>
+      <p:pic>
+        <p:nvPicPr>
+          <p:cNvPr id="7" name="Picture 6">
+            <a:extLst>
+              <a:ext uri="{FF2B5EF4-FFF2-40B4-BE49-F238E27FC236}">
+                <a16:creationId xmlns:a16="http://schemas.microsoft.com/office/drawing/2014/main" id="{FCA50E7A-7A78-4034-BCD0-779F679A200E}"/>
+              </a:ext>
+            </a:extLst>
+          </p:cNvPr>
+          <p:cNvPicPr>
+            <a:picLocks noChangeAspect="1"/>
+          </p:cNvPicPr>
+          <p:nvPr/>
+        </p:nvPicPr>
+        <p:blipFill>
+          <a:blip r:embed="rId6">
+            <a:extLst>
+              <a:ext uri="{28A0092B-C50C-407E-A947-70E740481C1C}">
+                <a14:useLocalDpi xmlns:a14="http://schemas.microsoft.com/office/drawing/2010/main" val="0"/>
+              </a:ext>
+            </a:extLst>
+          </a:blip>
+          <a:stretch>
+            <a:fillRect/>
+          </a:stretch>
+        </p:blipFill>
+        <p:spPr>
+          <a:xfrm>
+            <a:off x="13487704" y="7381291"/>
+            <a:ext cx="18768055" cy="14013819"/>
+          </a:xfrm>
+          <a:prstGeom prst="rect">
+            <a:avLst/>
+          </a:prstGeom>
+        </p:spPr>
+      </p:pic>
+    </p:spTree>
+    <p:extLst>
+      <p:ext uri="{BB962C8B-B14F-4D97-AF65-F5344CB8AC3E}">
+        <p14:creationId xmlns:p14="http://schemas.microsoft.com/office/powerpoint/2010/main" val="987949962"/>
+      </p:ext>
+    </p:extLst>
+  </p:cSld>
+  <p:clrMapOvr>
+    <a:masterClrMapping/>
+  </p:clrMapOvr>
+  <mc:AlternateContent xmlns:mc="http://schemas.openxmlformats.org/markup-compatibility/2006" xmlns:p15="http://schemas.microsoft.com/office/powerpoint/2012/main">
+    <mc:Choice Requires="p15">
+      <p:transition xmlns:p14="http://schemas.microsoft.com/office/powerpoint/2010/main" p14:dur="400">
+        <p15:prstTrans prst="pageCurlDouble"/>
+      </p:transition>
+    </mc:Choice>
+    <mc:Fallback xmlns="">
+      <p:transition>
+        <p:fade/>
+      </p:transition>
+    </mc:Fallback>
+  </mc:AlternateContent>
+</p:sld>
+</file>
+
+<file path=ppt/slides/slide8.xml><?xml version="1.0" encoding="utf-8"?>
 <p:sld xmlns:a="http://schemas.openxmlformats.org/drawingml/2006/main" xmlns:r="http://schemas.openxmlformats.org/officeDocument/2006/relationships" xmlns:p="http://schemas.openxmlformats.org/presentationml/2006/main">
   <p:cSld>
     <p:spTree>
@@ -13421,7 +15386,7 @@
                 <a:ea typeface="Open Sans" panose="020B0606030504020204" pitchFamily="34" charset="0"/>
                 <a:cs typeface="Open Sans" panose="020B0606030504020204" pitchFamily="34" charset="0"/>
               </a:rPr>
-              <a:t>SQL – [SQLite]</a:t>
+              <a:t>NO-SQL – [MongoDB]</a:t>
             </a:r>
           </a:p>
         </p:txBody>
@@ -13635,10 +15600,10 @@
       </p:sp>
       <p:pic>
         <p:nvPicPr>
-          <p:cNvPr id="14" name="Picture 13">
+          <p:cNvPr id="11" name="Picture 10">
             <a:extLst>
               <a:ext uri="{FF2B5EF4-FFF2-40B4-BE49-F238E27FC236}">
-                <a16:creationId xmlns:a16="http://schemas.microsoft.com/office/drawing/2014/main" id="{F8AD98AB-C866-4F75-8A71-35C798B25A2F}"/>
+                <a16:creationId xmlns:a16="http://schemas.microsoft.com/office/drawing/2014/main" id="{38D0E9CE-952B-4828-94A8-6A71B288D6C1}"/>
               </a:ext>
             </a:extLst>
           </p:cNvPr>
@@ -13655,8 +15620,38 @@
         </p:blipFill>
         <p:spPr>
           <a:xfrm>
-            <a:off x="684864" y="7381292"/>
-            <a:ext cx="12009159" cy="14013819"/>
+            <a:off x="3293592" y="7661254"/>
+            <a:ext cx="24353560" cy="8002142"/>
+          </a:xfrm>
+          <a:prstGeom prst="rect">
+            <a:avLst/>
+          </a:prstGeom>
+        </p:spPr>
+      </p:pic>
+      <p:pic>
+        <p:nvPicPr>
+          <p:cNvPr id="7" name="Picture 6">
+            <a:extLst>
+              <a:ext uri="{FF2B5EF4-FFF2-40B4-BE49-F238E27FC236}">
+                <a16:creationId xmlns:a16="http://schemas.microsoft.com/office/drawing/2014/main" id="{B85AF551-B8CB-4D69-81B0-6C2645506280}"/>
+              </a:ext>
+            </a:extLst>
+          </p:cNvPr>
+          <p:cNvPicPr>
+            <a:picLocks noChangeAspect="1"/>
+          </p:cNvPicPr>
+          <p:nvPr/>
+        </p:nvPicPr>
+        <p:blipFill>
+          <a:blip r:embed="rId6"/>
+          <a:stretch>
+            <a:fillRect/>
+          </a:stretch>
+        </p:blipFill>
+        <p:spPr>
+          <a:xfrm>
+            <a:off x="3293592" y="15943357"/>
+            <a:ext cx="24353560" cy="6162295"/>
           </a:xfrm>
           <a:prstGeom prst="rect">
             <a:avLst/>
@@ -13666,20 +15661,20 @@
     </p:spTree>
     <p:extLst>
       <p:ext uri="{BB962C8B-B14F-4D97-AF65-F5344CB8AC3E}">
-        <p14:creationId xmlns:p14="http://schemas.microsoft.com/office/powerpoint/2010/main" val="987949962"/>
+        <p14:creationId xmlns:p14="http://schemas.microsoft.com/office/powerpoint/2010/main" val="3155892360"/>
       </p:ext>
     </p:extLst>
   </p:cSld>
   <p:clrMapOvr>
     <a:masterClrMapping/>
   </p:clrMapOvr>
-  <mc:AlternateContent xmlns:mc="http://schemas.openxmlformats.org/markup-compatibility/2006">
-    <mc:Choice xmlns:p15="http://schemas.microsoft.com/office/powerpoint/2012/main" Requires="p15">
+  <mc:AlternateContent xmlns:mc="http://schemas.openxmlformats.org/markup-compatibility/2006" xmlns:p15="http://schemas.microsoft.com/office/powerpoint/2012/main">
+    <mc:Choice Requires="p15">
       <p:transition xmlns:p14="http://schemas.microsoft.com/office/powerpoint/2010/main" p14:dur="400">
         <p15:prstTrans prst="pageCurlDouble"/>
       </p:transition>
     </mc:Choice>
-    <mc:Fallback>
+    <mc:Fallback xmlns="">
       <p:transition>
         <p:fade/>
       </p:transition>
@@ -13688,7 +15683,7 @@
 </p:sld>
 </file>
 
-<file path=ppt/slides/slide7.xml><?xml version="1.0" encoding="utf-8"?>
+<file path=ppt/slides/slide9.xml><?xml version="1.0" encoding="utf-8"?>
 <p:sld xmlns:a="http://schemas.openxmlformats.org/drawingml/2006/main" xmlns:r="http://schemas.openxmlformats.org/officeDocument/2006/relationships" xmlns:p="http://schemas.openxmlformats.org/presentationml/2006/main">
   <p:cSld>
     <p:spTree>
@@ -14334,735 +16329,6 @@
       </p:sp>
       <p:pic>
         <p:nvPicPr>
-          <p:cNvPr id="11" name="Picture 10">
-            <a:extLst>
-              <a:ext uri="{FF2B5EF4-FFF2-40B4-BE49-F238E27FC236}">
-                <a16:creationId xmlns:a16="http://schemas.microsoft.com/office/drawing/2014/main" id="{38D0E9CE-952B-4828-94A8-6A71B288D6C1}"/>
-              </a:ext>
-            </a:extLst>
-          </p:cNvPr>
-          <p:cNvPicPr>
-            <a:picLocks noChangeAspect="1"/>
-          </p:cNvPicPr>
-          <p:nvPr/>
-        </p:nvPicPr>
-        <p:blipFill>
-          <a:blip r:embed="rId5"/>
-          <a:stretch>
-            <a:fillRect/>
-          </a:stretch>
-        </p:blipFill>
-        <p:spPr>
-          <a:xfrm>
-            <a:off x="3293592" y="7661254"/>
-            <a:ext cx="24353560" cy="8002142"/>
-          </a:xfrm>
-          <a:prstGeom prst="rect">
-            <a:avLst/>
-          </a:prstGeom>
-        </p:spPr>
-      </p:pic>
-      <p:pic>
-        <p:nvPicPr>
-          <p:cNvPr id="15" name="Picture 14">
-            <a:extLst>
-              <a:ext uri="{FF2B5EF4-FFF2-40B4-BE49-F238E27FC236}">
-                <a16:creationId xmlns:a16="http://schemas.microsoft.com/office/drawing/2014/main" id="{6F722E5F-F57A-485B-BAC9-A581C91962CF}"/>
-              </a:ext>
-            </a:extLst>
-          </p:cNvPr>
-          <p:cNvPicPr>
-            <a:picLocks noChangeAspect="1"/>
-          </p:cNvPicPr>
-          <p:nvPr/>
-        </p:nvPicPr>
-        <p:blipFill>
-          <a:blip r:embed="rId6"/>
-          <a:stretch>
-            <a:fillRect/>
-          </a:stretch>
-        </p:blipFill>
-        <p:spPr>
-          <a:xfrm>
-            <a:off x="3293592" y="16058076"/>
-            <a:ext cx="24353560" cy="5337035"/>
-          </a:xfrm>
-          <a:prstGeom prst="rect">
-            <a:avLst/>
-          </a:prstGeom>
-        </p:spPr>
-      </p:pic>
-    </p:spTree>
-    <p:extLst>
-      <p:ext uri="{BB962C8B-B14F-4D97-AF65-F5344CB8AC3E}">
-        <p14:creationId xmlns:p14="http://schemas.microsoft.com/office/powerpoint/2010/main" val="3155892360"/>
-      </p:ext>
-    </p:extLst>
-  </p:cSld>
-  <p:clrMapOvr>
-    <a:masterClrMapping/>
-  </p:clrMapOvr>
-  <mc:AlternateContent xmlns:mc="http://schemas.openxmlformats.org/markup-compatibility/2006">
-    <mc:Choice xmlns:p15="http://schemas.microsoft.com/office/powerpoint/2012/main" Requires="p15">
-      <p:transition xmlns:p14="http://schemas.microsoft.com/office/powerpoint/2010/main" p14:dur="400">
-        <p15:prstTrans prst="pageCurlDouble"/>
-      </p:transition>
-    </mc:Choice>
-    <mc:Fallback>
-      <p:transition>
-        <p:fade/>
-      </p:transition>
-    </mc:Fallback>
-  </mc:AlternateContent>
-</p:sld>
-</file>
-
-<file path=ppt/slides/slide8.xml><?xml version="1.0" encoding="utf-8"?>
-<p:sld xmlns:a="http://schemas.openxmlformats.org/drawingml/2006/main" xmlns:r="http://schemas.openxmlformats.org/officeDocument/2006/relationships" xmlns:p="http://schemas.openxmlformats.org/presentationml/2006/main">
-  <p:cSld>
-    <p:spTree>
-      <p:nvGrpSpPr>
-        <p:cNvPr id="1" name=""/>
-        <p:cNvGrpSpPr/>
-        <p:nvPr/>
-      </p:nvGrpSpPr>
-      <p:grpSpPr>
-        <a:xfrm>
-          <a:off x="0" y="0"/>
-          <a:ext cx="0" cy="0"/>
-          <a:chOff x="0" y="0"/>
-          <a:chExt cx="0" cy="0"/>
-        </a:xfrm>
-      </p:grpSpPr>
-      <p:sp>
-        <p:nvSpPr>
-          <p:cNvPr id="4" name="Rectangle 6">
-            <a:extLst>
-              <a:ext uri="{FF2B5EF4-FFF2-40B4-BE49-F238E27FC236}">
-                <a16:creationId xmlns:a16="http://schemas.microsoft.com/office/drawing/2014/main" id="{FCA70442-DC63-422D-8F29-94B67C8B9224}"/>
-              </a:ext>
-            </a:extLst>
-          </p:cNvPr>
-          <p:cNvSpPr>
-            <a:spLocks noChangeArrowheads="1"/>
-          </p:cNvSpPr>
-          <p:nvPr/>
-        </p:nvSpPr>
-        <p:spPr bwMode="auto">
-          <a:xfrm>
-            <a:off x="0" y="0"/>
-            <a:ext cx="32918400" cy="4316056"/>
-          </a:xfrm>
-          <a:prstGeom prst="rect">
-            <a:avLst/>
-          </a:prstGeom>
-          <a:solidFill>
-            <a:srgbClr val="9D2235"/>
-          </a:solidFill>
-          <a:ln w="9525">
-            <a:noFill/>
-            <a:miter lim="800000"/>
-          </a:ln>
-          <a:effectLst/>
-        </p:spPr>
-        <p:txBody>
-          <a:bodyPr lIns="91440" tIns="45720" rIns="91440" bIns="45720" anchor="ctr"/>
-          <a:lstStyle>
-            <a:defPPr>
-              <a:defRPr kern="1200"/>
-            </a:defPPr>
-          </a:lstStyle>
-          <a:p>
-            <a:pPr algn="ctr" defTabSz="3135999"/>
-            <a:endParaRPr lang="en-US" sz="3200" dirty="0">
-              <a:solidFill>
-                <a:schemeClr val="bg1"/>
-              </a:solidFill>
-            </a:endParaRPr>
-          </a:p>
-        </p:txBody>
-      </p:sp>
-      <p:sp>
-        <p:nvSpPr>
-          <p:cNvPr id="5" name="Rectangle 6">
-            <a:extLst>
-              <a:ext uri="{FF2B5EF4-FFF2-40B4-BE49-F238E27FC236}">
-                <a16:creationId xmlns:a16="http://schemas.microsoft.com/office/drawing/2014/main" id="{4646883C-FD71-435F-80BA-36A6842C177C}"/>
-              </a:ext>
-            </a:extLst>
-          </p:cNvPr>
-          <p:cNvSpPr>
-            <a:spLocks noChangeArrowheads="1"/>
-          </p:cNvSpPr>
-          <p:nvPr/>
-        </p:nvSpPr>
-        <p:spPr bwMode="auto">
-          <a:xfrm>
-            <a:off x="0" y="0"/>
-            <a:ext cx="32918400" cy="5529943"/>
-          </a:xfrm>
-          <a:prstGeom prst="rect">
-            <a:avLst/>
-          </a:prstGeom>
-          <a:solidFill>
-            <a:srgbClr val="9D2235"/>
-          </a:solidFill>
-          <a:ln w="9525">
-            <a:noFill/>
-            <a:miter lim="800000"/>
-          </a:ln>
-          <a:effectLst/>
-        </p:spPr>
-        <p:txBody>
-          <a:bodyPr lIns="91440" tIns="45720" rIns="91440" bIns="45720" anchor="ctr"/>
-          <a:lstStyle>
-            <a:defPPr>
-              <a:defRPr kern="1200"/>
-            </a:defPPr>
-          </a:lstStyle>
-          <a:p>
-            <a:pPr algn="ctr" defTabSz="3135999"/>
-            <a:endParaRPr lang="en-US" sz="3200" dirty="0">
-              <a:solidFill>
-                <a:schemeClr val="bg1"/>
-              </a:solidFill>
-            </a:endParaRPr>
-          </a:p>
-        </p:txBody>
-      </p:sp>
-      <p:sp>
-        <p:nvSpPr>
-          <p:cNvPr id="6" name="Text Placeholder 5">
-            <a:extLst>
-              <a:ext uri="{FF2B5EF4-FFF2-40B4-BE49-F238E27FC236}">
-                <a16:creationId xmlns:a16="http://schemas.microsoft.com/office/drawing/2014/main" id="{4E6EAF87-D058-43B6-9909-A45FB38B4771}"/>
-              </a:ext>
-            </a:extLst>
-          </p:cNvPr>
-          <p:cNvSpPr txBox="1"/>
-          <p:nvPr/>
-        </p:nvSpPr>
-        <p:spPr>
-          <a:xfrm>
-            <a:off x="4038600" y="321089"/>
-            <a:ext cx="24841200" cy="2618224"/>
-          </a:xfrm>
-          <a:prstGeom prst="rect">
-            <a:avLst/>
-          </a:prstGeom>
-        </p:spPr>
-        <p:txBody>
-          <a:bodyPr lIns="0" tIns="0" rIns="0" bIns="0">
-            <a:noAutofit/>
-          </a:bodyPr>
-          <a:lstStyle>
-            <a:defPPr>
-              <a:defRPr kern="1200"/>
-            </a:defPPr>
-            <a:lvl1pPr marL="0" marR="0" indent="0" algn="l" defTabSz="3783013" rtl="0" eaLnBrk="1" fontAlgn="auto" latinLnBrk="0" hangingPunct="1">
-              <a:lnSpc>
-                <a:spcPct val="100000"/>
-              </a:lnSpc>
-              <a:spcBef>
-                <a:spcPts val="600"/>
-              </a:spcBef>
-              <a:spcAft>
-                <a:spcPct val="0"/>
-              </a:spcAft>
-              <a:buClrTx/>
-              <a:buSzTx/>
-              <a:buFontTx/>
-              <a:buNone/>
-              <a:defRPr sz="6000" kern="1200" baseline="0">
-                <a:solidFill>
-                  <a:schemeClr val="tx2"/>
-                </a:solidFill>
-                <a:latin typeface="Franklin Gothic Heavy" pitchFamily="34" charset="0"/>
-                <a:ea typeface="+mn-ea"/>
-                <a:cs typeface="+mn-cs"/>
-              </a:defRPr>
-            </a:lvl1pPr>
-            <a:lvl2pPr marL="1880543" indent="0" algn="l" defTabSz="3761086" rtl="0" eaLnBrk="1" latinLnBrk="0" hangingPunct="1">
-              <a:spcBef>
-                <a:spcPct val="20000"/>
-              </a:spcBef>
-              <a:buFontTx/>
-              <a:buNone/>
-              <a:defRPr sz="11500" kern="1200">
-                <a:solidFill>
-                  <a:schemeClr val="tx1"/>
-                </a:solidFill>
-                <a:latin typeface="+mn-lt"/>
-                <a:ea typeface="+mn-ea"/>
-                <a:cs typeface="+mn-cs"/>
-              </a:defRPr>
-            </a:lvl2pPr>
-            <a:lvl3pPr marL="3761086" indent="0" algn="l" defTabSz="3761086" rtl="0" eaLnBrk="1" latinLnBrk="0" hangingPunct="1">
-              <a:spcBef>
-                <a:spcPct val="20000"/>
-              </a:spcBef>
-              <a:buFontTx/>
-              <a:buNone/>
-              <a:defRPr sz="9900" kern="1200">
-                <a:solidFill>
-                  <a:schemeClr val="tx1"/>
-                </a:solidFill>
-                <a:latin typeface="+mn-lt"/>
-                <a:ea typeface="+mn-ea"/>
-                <a:cs typeface="+mn-cs"/>
-              </a:defRPr>
-            </a:lvl3pPr>
-            <a:lvl4pPr marL="5641629" indent="0" algn="l" defTabSz="3761086" rtl="0" eaLnBrk="1" latinLnBrk="0" hangingPunct="1">
-              <a:spcBef>
-                <a:spcPct val="20000"/>
-              </a:spcBef>
-              <a:buFontTx/>
-              <a:buNone/>
-              <a:defRPr sz="8200" kern="1200">
-                <a:solidFill>
-                  <a:schemeClr val="tx1"/>
-                </a:solidFill>
-                <a:latin typeface="+mn-lt"/>
-                <a:ea typeface="+mn-ea"/>
-                <a:cs typeface="+mn-cs"/>
-              </a:defRPr>
-            </a:lvl4pPr>
-            <a:lvl5pPr marL="7522172" indent="0" algn="l" defTabSz="3761086" rtl="0" eaLnBrk="1" latinLnBrk="0" hangingPunct="1">
-              <a:spcBef>
-                <a:spcPct val="20000"/>
-              </a:spcBef>
-              <a:buFontTx/>
-              <a:buNone/>
-              <a:defRPr sz="8200" kern="1200">
-                <a:solidFill>
-                  <a:schemeClr val="tx1"/>
-                </a:solidFill>
-                <a:latin typeface="+mn-lt"/>
-                <a:ea typeface="+mn-ea"/>
-                <a:cs typeface="+mn-cs"/>
-              </a:defRPr>
-            </a:lvl5pPr>
-            <a:lvl6pPr marL="10342988" indent="-940272" algn="l" defTabSz="3761086" rtl="0" eaLnBrk="1" latinLnBrk="0" hangingPunct="1">
-              <a:spcBef>
-                <a:spcPct val="20000"/>
-              </a:spcBef>
-              <a:buFont typeface="Arial" pitchFamily="34" charset="0"/>
-              <a:buChar char="•"/>
-              <a:defRPr sz="8200" kern="1200">
-                <a:solidFill>
-                  <a:schemeClr val="tx1"/>
-                </a:solidFill>
-                <a:latin typeface="+mn-lt"/>
-                <a:ea typeface="+mn-ea"/>
-                <a:cs typeface="+mn-cs"/>
-              </a:defRPr>
-            </a:lvl6pPr>
-            <a:lvl7pPr marL="12223531" indent="-940272" algn="l" defTabSz="3761086" rtl="0" eaLnBrk="1" latinLnBrk="0" hangingPunct="1">
-              <a:spcBef>
-                <a:spcPct val="20000"/>
-              </a:spcBef>
-              <a:buFont typeface="Arial" pitchFamily="34" charset="0"/>
-              <a:buChar char="•"/>
-              <a:defRPr sz="8200" kern="1200">
-                <a:solidFill>
-                  <a:schemeClr val="tx1"/>
-                </a:solidFill>
-                <a:latin typeface="+mn-lt"/>
-                <a:ea typeface="+mn-ea"/>
-                <a:cs typeface="+mn-cs"/>
-              </a:defRPr>
-            </a:lvl7pPr>
-            <a:lvl8pPr marL="14104074" indent="-940272" algn="l" defTabSz="3761086" rtl="0" eaLnBrk="1" latinLnBrk="0" hangingPunct="1">
-              <a:spcBef>
-                <a:spcPct val="20000"/>
-              </a:spcBef>
-              <a:buFont typeface="Arial" pitchFamily="34" charset="0"/>
-              <a:buChar char="•"/>
-              <a:defRPr sz="8200" kern="1200">
-                <a:solidFill>
-                  <a:schemeClr val="tx1"/>
-                </a:solidFill>
-                <a:latin typeface="+mn-lt"/>
-                <a:ea typeface="+mn-ea"/>
-                <a:cs typeface="+mn-cs"/>
-              </a:defRPr>
-            </a:lvl8pPr>
-            <a:lvl9pPr marL="15984617" indent="-940272" algn="l" defTabSz="3761086" rtl="0" eaLnBrk="1" latinLnBrk="0" hangingPunct="1">
-              <a:spcBef>
-                <a:spcPct val="20000"/>
-              </a:spcBef>
-              <a:buFont typeface="Arial" pitchFamily="34" charset="0"/>
-              <a:buChar char="•"/>
-              <a:defRPr sz="8200" kern="1200">
-                <a:solidFill>
-                  <a:schemeClr val="tx1"/>
-                </a:solidFill>
-                <a:latin typeface="+mn-lt"/>
-                <a:ea typeface="+mn-ea"/>
-                <a:cs typeface="+mn-cs"/>
-              </a:defRPr>
-            </a:lvl9pPr>
-          </a:lstStyle>
-          <a:p>
-            <a:pPr algn="ctr" defTabSz="2507516">
-              <a:spcBef>
-                <a:spcPct val="20000"/>
-              </a:spcBef>
-              <a:defRPr/>
-            </a:pPr>
-            <a:r>
-              <a:rPr lang="en-US" sz="16600" b="1" u="sng" dirty="0">
-                <a:solidFill>
-                  <a:schemeClr val="bg1"/>
-                </a:solidFill>
-                <a:latin typeface="Nunito Black" panose="00000A00000000000000" pitchFamily="2" charset="0"/>
-              </a:rPr>
-              <a:t>SQL vs NO-SQL</a:t>
-            </a:r>
-          </a:p>
-        </p:txBody>
-      </p:sp>
-      <p:pic>
-        <p:nvPicPr>
-          <p:cNvPr id="8" name="Picture 7">
-            <a:extLst>
-              <a:ext uri="{FF2B5EF4-FFF2-40B4-BE49-F238E27FC236}">
-                <a16:creationId xmlns:a16="http://schemas.microsoft.com/office/drawing/2014/main" id="{D7BBD0F7-A30D-44DD-A097-379DDC9319B2}"/>
-              </a:ext>
-            </a:extLst>
-          </p:cNvPr>
-          <p:cNvPicPr>
-            <a:picLocks noChangeAspect="1"/>
-          </p:cNvPicPr>
-          <p:nvPr/>
-        </p:nvPicPr>
-        <p:blipFill>
-          <a:blip r:embed="rId2">
-            <a:lum bright="70000" contrast="-70000"/>
-            <a:extLst>
-              <a:ext uri="{BEBA8EAE-BF5A-486C-A8C5-ECC9F3942E4B}">
-                <a14:imgProps xmlns:a14="http://schemas.microsoft.com/office/drawing/2010/main">
-                  <a14:imgLayer r:embed="rId3">
-                    <a14:imgEffect>
-                      <a14:colorTemperature colorTemp="1500"/>
-                    </a14:imgEffect>
-                    <a14:imgEffect>
-                      <a14:saturation sat="0"/>
-                    </a14:imgEffect>
-                  </a14:imgLayer>
-                </a14:imgProps>
-              </a:ext>
-              <a:ext uri="{28A0092B-C50C-407E-A947-70E740481C1C}">
-                <a14:useLocalDpi xmlns:a14="http://schemas.microsoft.com/office/drawing/2010/main" val="0"/>
-              </a:ext>
-            </a:extLst>
-          </a:blip>
-          <a:stretch>
-            <a:fillRect/>
-          </a:stretch>
-        </p:blipFill>
-        <p:spPr>
-          <a:xfrm>
-            <a:off x="555063" y="564776"/>
-            <a:ext cx="4931337" cy="4312247"/>
-          </a:xfrm>
-          <a:prstGeom prst="rect">
-            <a:avLst/>
-          </a:prstGeom>
-        </p:spPr>
-      </p:pic>
-      <p:pic>
-        <p:nvPicPr>
-          <p:cNvPr id="9" name="Picture 8">
-            <a:extLst>
-              <a:ext uri="{FF2B5EF4-FFF2-40B4-BE49-F238E27FC236}">
-                <a16:creationId xmlns:a16="http://schemas.microsoft.com/office/drawing/2014/main" id="{0BAC5D09-AC8D-4EF5-B7D9-308BD76FC58F}"/>
-              </a:ext>
-            </a:extLst>
-          </p:cNvPr>
-          <p:cNvPicPr>
-            <a:picLocks noChangeAspect="1"/>
-          </p:cNvPicPr>
-          <p:nvPr/>
-        </p:nvPicPr>
-        <p:blipFill>
-          <a:blip r:embed="rId4" cstate="print">
-            <a:extLst>
-              <a:ext uri="{28A0092B-C50C-407E-A947-70E740481C1C}">
-                <a14:useLocalDpi xmlns:a14="http://schemas.microsoft.com/office/drawing/2010/main" val="0"/>
-              </a:ext>
-            </a:extLst>
-          </a:blip>
-          <a:stretch>
-            <a:fillRect/>
-          </a:stretch>
-        </p:blipFill>
-        <p:spPr>
-          <a:xfrm>
-            <a:off x="27647152" y="564776"/>
-            <a:ext cx="4608608" cy="4273870"/>
-          </a:xfrm>
-          <a:prstGeom prst="rect">
-            <a:avLst/>
-          </a:prstGeom>
-        </p:spPr>
-      </p:pic>
-      <p:sp>
-        <p:nvSpPr>
-          <p:cNvPr id="2" name="TextBox 1">
-            <a:extLst>
-              <a:ext uri="{FF2B5EF4-FFF2-40B4-BE49-F238E27FC236}">
-                <a16:creationId xmlns:a16="http://schemas.microsoft.com/office/drawing/2014/main" id="{1A10B340-68A5-4306-B58D-2997CDE5076A}"/>
-              </a:ext>
-            </a:extLst>
-          </p:cNvPr>
-          <p:cNvSpPr txBox="1"/>
-          <p:nvPr/>
-        </p:nvSpPr>
-        <p:spPr>
-          <a:xfrm>
-            <a:off x="555063" y="5934743"/>
-            <a:ext cx="31700697" cy="1446550"/>
-          </a:xfrm>
-          <a:prstGeom prst="rect">
-            <a:avLst/>
-          </a:prstGeom>
-          <a:noFill/>
-        </p:spPr>
-        <p:txBody>
-          <a:bodyPr wrap="square" rtlCol="0">
-            <a:spAutoFit/>
-          </a:bodyPr>
-          <a:lstStyle/>
-          <a:p>
-            <a:pPr algn="ctr"/>
-            <a:r>
-              <a:rPr lang="en-IN" sz="8800" b="1" dirty="0">
-                <a:effectLst>
-                  <a:outerShdw blurRad="38100" dist="38100" dir="2700000" algn="tl">
-                    <a:srgbClr val="000000">
-                      <a:alpha val="43137"/>
-                    </a:srgbClr>
-                  </a:outerShdw>
-                </a:effectLst>
-                <a:latin typeface="Open Sans" panose="020B0606030504020204" pitchFamily="34" charset="0"/>
-                <a:ea typeface="Open Sans" panose="020B0606030504020204" pitchFamily="34" charset="0"/>
-                <a:cs typeface="Open Sans" panose="020B0606030504020204" pitchFamily="34" charset="0"/>
-              </a:rPr>
-              <a:t>NO-SQL – [MongoDB]</a:t>
-            </a:r>
-          </a:p>
-        </p:txBody>
-      </p:sp>
-      <p:sp>
-        <p:nvSpPr>
-          <p:cNvPr id="13" name="Text Placeholder 5">
-            <a:extLst>
-              <a:ext uri="{FF2B5EF4-FFF2-40B4-BE49-F238E27FC236}">
-                <a16:creationId xmlns:a16="http://schemas.microsoft.com/office/drawing/2014/main" id="{E28BE609-D1F8-44B7-B6EC-56123FD54D13}"/>
-              </a:ext>
-            </a:extLst>
-          </p:cNvPr>
-          <p:cNvSpPr txBox="1"/>
-          <p:nvPr/>
-        </p:nvSpPr>
-        <p:spPr>
-          <a:xfrm>
-            <a:off x="1905000" y="3387384"/>
-            <a:ext cx="28879800" cy="1828193"/>
-          </a:xfrm>
-          <a:prstGeom prst="rect">
-            <a:avLst/>
-          </a:prstGeom>
-        </p:spPr>
-        <p:txBody>
-          <a:bodyPr wrap="square" lIns="0" tIns="0" rIns="0" bIns="0">
-            <a:spAutoFit/>
-          </a:bodyPr>
-          <a:lstStyle>
-            <a:defPPr>
-              <a:defRPr kern="1200"/>
-            </a:defPPr>
-            <a:lvl1pPr marL="0" marR="0" indent="0" algn="l" defTabSz="3761086" rtl="0" eaLnBrk="1" fontAlgn="auto" latinLnBrk="0" hangingPunct="1">
-              <a:lnSpc>
-                <a:spcPct val="100000"/>
-              </a:lnSpc>
-              <a:spcBef>
-                <a:spcPct val="20000"/>
-              </a:spcBef>
-              <a:spcAft>
-                <a:spcPct val="0"/>
-              </a:spcAft>
-              <a:buClrTx/>
-              <a:buSzTx/>
-              <a:buFont typeface="Arial" pitchFamily="34" charset="0"/>
-              <a:buNone/>
-              <a:defRPr sz="6000" kern="1200" baseline="0">
-                <a:solidFill>
-                  <a:schemeClr val="tx2"/>
-                </a:solidFill>
-                <a:latin typeface="Franklin Gothic Heavy" pitchFamily="34" charset="0"/>
-                <a:ea typeface="+mn-ea"/>
-                <a:cs typeface="+mn-cs"/>
-              </a:defRPr>
-            </a:lvl1pPr>
-            <a:lvl2pPr marL="1880543" indent="0" algn="l" defTabSz="3761086" rtl="0" eaLnBrk="1" latinLnBrk="0" hangingPunct="1">
-              <a:spcBef>
-                <a:spcPct val="20000"/>
-              </a:spcBef>
-              <a:buFontTx/>
-              <a:buNone/>
-              <a:defRPr sz="11500" kern="1200">
-                <a:solidFill>
-                  <a:schemeClr val="tx1"/>
-                </a:solidFill>
-                <a:latin typeface="+mn-lt"/>
-                <a:ea typeface="+mn-ea"/>
-                <a:cs typeface="+mn-cs"/>
-              </a:defRPr>
-            </a:lvl2pPr>
-            <a:lvl3pPr marL="3761086" indent="0" algn="l" defTabSz="3761086" rtl="0" eaLnBrk="1" latinLnBrk="0" hangingPunct="1">
-              <a:spcBef>
-                <a:spcPct val="20000"/>
-              </a:spcBef>
-              <a:buFontTx/>
-              <a:buNone/>
-              <a:defRPr sz="9900" kern="1200">
-                <a:solidFill>
-                  <a:schemeClr val="tx1"/>
-                </a:solidFill>
-                <a:latin typeface="+mn-lt"/>
-                <a:ea typeface="+mn-ea"/>
-                <a:cs typeface="+mn-cs"/>
-              </a:defRPr>
-            </a:lvl3pPr>
-            <a:lvl4pPr marL="5641629" indent="0" algn="l" defTabSz="3761086" rtl="0" eaLnBrk="1" latinLnBrk="0" hangingPunct="1">
-              <a:spcBef>
-                <a:spcPct val="20000"/>
-              </a:spcBef>
-              <a:buFontTx/>
-              <a:buNone/>
-              <a:defRPr sz="8200" kern="1200">
-                <a:solidFill>
-                  <a:schemeClr val="tx1"/>
-                </a:solidFill>
-                <a:latin typeface="+mn-lt"/>
-                <a:ea typeface="+mn-ea"/>
-                <a:cs typeface="+mn-cs"/>
-              </a:defRPr>
-            </a:lvl4pPr>
-            <a:lvl5pPr marL="7522172" indent="0" algn="l" defTabSz="3761086" rtl="0" eaLnBrk="1" latinLnBrk="0" hangingPunct="1">
-              <a:spcBef>
-                <a:spcPct val="20000"/>
-              </a:spcBef>
-              <a:buFontTx/>
-              <a:buNone/>
-              <a:defRPr sz="8200" kern="1200">
-                <a:solidFill>
-                  <a:schemeClr val="tx1"/>
-                </a:solidFill>
-                <a:latin typeface="+mn-lt"/>
-                <a:ea typeface="+mn-ea"/>
-                <a:cs typeface="+mn-cs"/>
-              </a:defRPr>
-            </a:lvl5pPr>
-            <a:lvl6pPr marL="10342988" indent="-940272" algn="l" defTabSz="3761086" rtl="0" eaLnBrk="1" latinLnBrk="0" hangingPunct="1">
-              <a:spcBef>
-                <a:spcPct val="20000"/>
-              </a:spcBef>
-              <a:buFont typeface="Arial" pitchFamily="34" charset="0"/>
-              <a:buChar char="•"/>
-              <a:defRPr sz="8200" kern="1200">
-                <a:solidFill>
-                  <a:schemeClr val="tx1"/>
-                </a:solidFill>
-                <a:latin typeface="+mn-lt"/>
-                <a:ea typeface="+mn-ea"/>
-                <a:cs typeface="+mn-cs"/>
-              </a:defRPr>
-            </a:lvl6pPr>
-            <a:lvl7pPr marL="12223531" indent="-940272" algn="l" defTabSz="3761086" rtl="0" eaLnBrk="1" latinLnBrk="0" hangingPunct="1">
-              <a:spcBef>
-                <a:spcPct val="20000"/>
-              </a:spcBef>
-              <a:buFont typeface="Arial" pitchFamily="34" charset="0"/>
-              <a:buChar char="•"/>
-              <a:defRPr sz="8200" kern="1200">
-                <a:solidFill>
-                  <a:schemeClr val="tx1"/>
-                </a:solidFill>
-                <a:latin typeface="+mn-lt"/>
-                <a:ea typeface="+mn-ea"/>
-                <a:cs typeface="+mn-cs"/>
-              </a:defRPr>
-            </a:lvl7pPr>
-            <a:lvl8pPr marL="14104074" indent="-940272" algn="l" defTabSz="3761086" rtl="0" eaLnBrk="1" latinLnBrk="0" hangingPunct="1">
-              <a:spcBef>
-                <a:spcPct val="20000"/>
-              </a:spcBef>
-              <a:buFont typeface="Arial" pitchFamily="34" charset="0"/>
-              <a:buChar char="•"/>
-              <a:defRPr sz="8200" kern="1200">
-                <a:solidFill>
-                  <a:schemeClr val="tx1"/>
-                </a:solidFill>
-                <a:latin typeface="+mn-lt"/>
-                <a:ea typeface="+mn-ea"/>
-                <a:cs typeface="+mn-cs"/>
-              </a:defRPr>
-            </a:lvl8pPr>
-            <a:lvl9pPr marL="15984617" indent="-940272" algn="l" defTabSz="3761086" rtl="0" eaLnBrk="1" latinLnBrk="0" hangingPunct="1">
-              <a:spcBef>
-                <a:spcPct val="20000"/>
-              </a:spcBef>
-              <a:buFont typeface="Arial" pitchFamily="34" charset="0"/>
-              <a:buChar char="•"/>
-              <a:defRPr sz="8200" kern="1200">
-                <a:solidFill>
-                  <a:schemeClr val="tx1"/>
-                </a:solidFill>
-                <a:latin typeface="+mn-lt"/>
-                <a:ea typeface="+mn-ea"/>
-                <a:cs typeface="+mn-cs"/>
-              </a:defRPr>
-            </a:lvl9pPr>
-          </a:lstStyle>
-          <a:p>
-            <a:pPr algn="ctr">
-              <a:defRPr/>
-            </a:pPr>
-            <a:r>
-              <a:rPr lang="en-US" sz="6600" b="1" dirty="0">
-                <a:solidFill>
-                  <a:schemeClr val="bg1"/>
-                </a:solidFill>
-                <a:latin typeface="Open Sans" panose="020B0606030504020204" pitchFamily="34" charset="0"/>
-                <a:ea typeface="Open Sans" panose="020B0606030504020204" pitchFamily="34" charset="0"/>
-                <a:cs typeface="Open Sans" panose="020B0606030504020204" pitchFamily="34" charset="0"/>
-              </a:rPr>
-              <a:t>Pushpak Sunil Rane</a:t>
-            </a:r>
-          </a:p>
-          <a:p>
-            <a:pPr algn="ctr">
-              <a:defRPr/>
-            </a:pPr>
-            <a:r>
-              <a:rPr lang="en-US" sz="4400" b="1" dirty="0">
-                <a:solidFill>
-                  <a:schemeClr val="bg1"/>
-                </a:solidFill>
-                <a:latin typeface="Open Sans" panose="020B0606030504020204" pitchFamily="34" charset="0"/>
-                <a:ea typeface="Open Sans" panose="020B0606030504020204" pitchFamily="34" charset="0"/>
-                <a:cs typeface="Open Sans" panose="020B0606030504020204" pitchFamily="34" charset="0"/>
-              </a:rPr>
-              <a:t>California State University Chico: Department of Mathematics and Statistics</a:t>
-            </a:r>
-          </a:p>
-        </p:txBody>
-      </p:sp>
-      <p:pic>
-        <p:nvPicPr>
           <p:cNvPr id="7" name="Picture 6">
             <a:extLst>
               <a:ext uri="{FF2B5EF4-FFF2-40B4-BE49-F238E27FC236}">
@@ -15131,742 +16397,13 @@
   <p:clrMapOvr>
     <a:masterClrMapping/>
   </p:clrMapOvr>
-  <mc:AlternateContent xmlns:mc="http://schemas.openxmlformats.org/markup-compatibility/2006">
-    <mc:Choice xmlns:p15="http://schemas.microsoft.com/office/powerpoint/2012/main" Requires="p15">
+  <mc:AlternateContent xmlns:mc="http://schemas.openxmlformats.org/markup-compatibility/2006" xmlns:p15="http://schemas.microsoft.com/office/powerpoint/2012/main">
+    <mc:Choice Requires="p15">
       <p:transition xmlns:p14="http://schemas.microsoft.com/office/powerpoint/2010/main" p14:dur="400">
         <p15:prstTrans prst="pageCurlDouble"/>
       </p:transition>
     </mc:Choice>
-    <mc:Fallback>
-      <p:transition>
-        <p:fade/>
-      </p:transition>
-    </mc:Fallback>
-  </mc:AlternateContent>
-</p:sld>
-</file>
-
-<file path=ppt/slides/slide9.xml><?xml version="1.0" encoding="utf-8"?>
-<p:sld xmlns:a="http://schemas.openxmlformats.org/drawingml/2006/main" xmlns:r="http://schemas.openxmlformats.org/officeDocument/2006/relationships" xmlns:p="http://schemas.openxmlformats.org/presentationml/2006/main">
-  <p:cSld>
-    <p:spTree>
-      <p:nvGrpSpPr>
-        <p:cNvPr id="1" name=""/>
-        <p:cNvGrpSpPr/>
-        <p:nvPr/>
-      </p:nvGrpSpPr>
-      <p:grpSpPr>
-        <a:xfrm>
-          <a:off x="0" y="0"/>
-          <a:ext cx="0" cy="0"/>
-          <a:chOff x="0" y="0"/>
-          <a:chExt cx="0" cy="0"/>
-        </a:xfrm>
-      </p:grpSpPr>
-      <p:sp>
-        <p:nvSpPr>
-          <p:cNvPr id="4" name="Rectangle 6">
-            <a:extLst>
-              <a:ext uri="{FF2B5EF4-FFF2-40B4-BE49-F238E27FC236}">
-                <a16:creationId xmlns:a16="http://schemas.microsoft.com/office/drawing/2014/main" id="{FCA70442-DC63-422D-8F29-94B67C8B9224}"/>
-              </a:ext>
-            </a:extLst>
-          </p:cNvPr>
-          <p:cNvSpPr>
-            <a:spLocks noChangeArrowheads="1"/>
-          </p:cNvSpPr>
-          <p:nvPr/>
-        </p:nvSpPr>
-        <p:spPr bwMode="auto">
-          <a:xfrm>
-            <a:off x="0" y="0"/>
-            <a:ext cx="32918400" cy="4316056"/>
-          </a:xfrm>
-          <a:prstGeom prst="rect">
-            <a:avLst/>
-          </a:prstGeom>
-          <a:solidFill>
-            <a:srgbClr val="9D2235"/>
-          </a:solidFill>
-          <a:ln w="9525">
-            <a:noFill/>
-            <a:miter lim="800000"/>
-          </a:ln>
-          <a:effectLst/>
-        </p:spPr>
-        <p:txBody>
-          <a:bodyPr lIns="91440" tIns="45720" rIns="91440" bIns="45720" anchor="ctr"/>
-          <a:lstStyle>
-            <a:defPPr>
-              <a:defRPr kern="1200"/>
-            </a:defPPr>
-          </a:lstStyle>
-          <a:p>
-            <a:pPr algn="ctr" defTabSz="3135999"/>
-            <a:endParaRPr lang="en-US" sz="3200" dirty="0">
-              <a:solidFill>
-                <a:schemeClr val="bg1"/>
-              </a:solidFill>
-            </a:endParaRPr>
-          </a:p>
-        </p:txBody>
-      </p:sp>
-      <p:sp>
-        <p:nvSpPr>
-          <p:cNvPr id="5" name="Rectangle 6">
-            <a:extLst>
-              <a:ext uri="{FF2B5EF4-FFF2-40B4-BE49-F238E27FC236}">
-                <a16:creationId xmlns:a16="http://schemas.microsoft.com/office/drawing/2014/main" id="{4646883C-FD71-435F-80BA-36A6842C177C}"/>
-              </a:ext>
-            </a:extLst>
-          </p:cNvPr>
-          <p:cNvSpPr>
-            <a:spLocks noChangeArrowheads="1"/>
-          </p:cNvSpPr>
-          <p:nvPr/>
-        </p:nvSpPr>
-        <p:spPr bwMode="auto">
-          <a:xfrm>
-            <a:off x="0" y="0"/>
-            <a:ext cx="32918400" cy="5529943"/>
-          </a:xfrm>
-          <a:prstGeom prst="rect">
-            <a:avLst/>
-          </a:prstGeom>
-          <a:solidFill>
-            <a:srgbClr val="9D2235"/>
-          </a:solidFill>
-          <a:ln w="9525">
-            <a:noFill/>
-            <a:miter lim="800000"/>
-          </a:ln>
-          <a:effectLst/>
-        </p:spPr>
-        <p:txBody>
-          <a:bodyPr lIns="91440" tIns="45720" rIns="91440" bIns="45720" anchor="ctr"/>
-          <a:lstStyle>
-            <a:defPPr>
-              <a:defRPr kern="1200"/>
-            </a:defPPr>
-          </a:lstStyle>
-          <a:p>
-            <a:pPr algn="ctr" defTabSz="3135999"/>
-            <a:endParaRPr lang="en-US" sz="3200" dirty="0">
-              <a:solidFill>
-                <a:schemeClr val="bg1"/>
-              </a:solidFill>
-            </a:endParaRPr>
-          </a:p>
-        </p:txBody>
-      </p:sp>
-      <p:sp>
-        <p:nvSpPr>
-          <p:cNvPr id="6" name="Text Placeholder 5">
-            <a:extLst>
-              <a:ext uri="{FF2B5EF4-FFF2-40B4-BE49-F238E27FC236}">
-                <a16:creationId xmlns:a16="http://schemas.microsoft.com/office/drawing/2014/main" id="{4E6EAF87-D058-43B6-9909-A45FB38B4771}"/>
-              </a:ext>
-            </a:extLst>
-          </p:cNvPr>
-          <p:cNvSpPr txBox="1"/>
-          <p:nvPr/>
-        </p:nvSpPr>
-        <p:spPr>
-          <a:xfrm>
-            <a:off x="4038600" y="321089"/>
-            <a:ext cx="24841200" cy="2618224"/>
-          </a:xfrm>
-          <a:prstGeom prst="rect">
-            <a:avLst/>
-          </a:prstGeom>
-        </p:spPr>
-        <p:txBody>
-          <a:bodyPr lIns="0" tIns="0" rIns="0" bIns="0">
-            <a:noAutofit/>
-          </a:bodyPr>
-          <a:lstStyle>
-            <a:defPPr>
-              <a:defRPr kern="1200"/>
-            </a:defPPr>
-            <a:lvl1pPr marL="0" marR="0" indent="0" algn="l" defTabSz="3783013" rtl="0" eaLnBrk="1" fontAlgn="auto" latinLnBrk="0" hangingPunct="1">
-              <a:lnSpc>
-                <a:spcPct val="100000"/>
-              </a:lnSpc>
-              <a:spcBef>
-                <a:spcPts val="600"/>
-              </a:spcBef>
-              <a:spcAft>
-                <a:spcPct val="0"/>
-              </a:spcAft>
-              <a:buClrTx/>
-              <a:buSzTx/>
-              <a:buFontTx/>
-              <a:buNone/>
-              <a:defRPr sz="6000" kern="1200" baseline="0">
-                <a:solidFill>
-                  <a:schemeClr val="tx2"/>
-                </a:solidFill>
-                <a:latin typeface="Franklin Gothic Heavy" pitchFamily="34" charset="0"/>
-                <a:ea typeface="+mn-ea"/>
-                <a:cs typeface="+mn-cs"/>
-              </a:defRPr>
-            </a:lvl1pPr>
-            <a:lvl2pPr marL="1880543" indent="0" algn="l" defTabSz="3761086" rtl="0" eaLnBrk="1" latinLnBrk="0" hangingPunct="1">
-              <a:spcBef>
-                <a:spcPct val="20000"/>
-              </a:spcBef>
-              <a:buFontTx/>
-              <a:buNone/>
-              <a:defRPr sz="11500" kern="1200">
-                <a:solidFill>
-                  <a:schemeClr val="tx1"/>
-                </a:solidFill>
-                <a:latin typeface="+mn-lt"/>
-                <a:ea typeface="+mn-ea"/>
-                <a:cs typeface="+mn-cs"/>
-              </a:defRPr>
-            </a:lvl2pPr>
-            <a:lvl3pPr marL="3761086" indent="0" algn="l" defTabSz="3761086" rtl="0" eaLnBrk="1" latinLnBrk="0" hangingPunct="1">
-              <a:spcBef>
-                <a:spcPct val="20000"/>
-              </a:spcBef>
-              <a:buFontTx/>
-              <a:buNone/>
-              <a:defRPr sz="9900" kern="1200">
-                <a:solidFill>
-                  <a:schemeClr val="tx1"/>
-                </a:solidFill>
-                <a:latin typeface="+mn-lt"/>
-                <a:ea typeface="+mn-ea"/>
-                <a:cs typeface="+mn-cs"/>
-              </a:defRPr>
-            </a:lvl3pPr>
-            <a:lvl4pPr marL="5641629" indent="0" algn="l" defTabSz="3761086" rtl="0" eaLnBrk="1" latinLnBrk="0" hangingPunct="1">
-              <a:spcBef>
-                <a:spcPct val="20000"/>
-              </a:spcBef>
-              <a:buFontTx/>
-              <a:buNone/>
-              <a:defRPr sz="8200" kern="1200">
-                <a:solidFill>
-                  <a:schemeClr val="tx1"/>
-                </a:solidFill>
-                <a:latin typeface="+mn-lt"/>
-                <a:ea typeface="+mn-ea"/>
-                <a:cs typeface="+mn-cs"/>
-              </a:defRPr>
-            </a:lvl4pPr>
-            <a:lvl5pPr marL="7522172" indent="0" algn="l" defTabSz="3761086" rtl="0" eaLnBrk="1" latinLnBrk="0" hangingPunct="1">
-              <a:spcBef>
-                <a:spcPct val="20000"/>
-              </a:spcBef>
-              <a:buFontTx/>
-              <a:buNone/>
-              <a:defRPr sz="8200" kern="1200">
-                <a:solidFill>
-                  <a:schemeClr val="tx1"/>
-                </a:solidFill>
-                <a:latin typeface="+mn-lt"/>
-                <a:ea typeface="+mn-ea"/>
-                <a:cs typeface="+mn-cs"/>
-              </a:defRPr>
-            </a:lvl5pPr>
-            <a:lvl6pPr marL="10342988" indent="-940272" algn="l" defTabSz="3761086" rtl="0" eaLnBrk="1" latinLnBrk="0" hangingPunct="1">
-              <a:spcBef>
-                <a:spcPct val="20000"/>
-              </a:spcBef>
-              <a:buFont typeface="Arial" pitchFamily="34" charset="0"/>
-              <a:buChar char="•"/>
-              <a:defRPr sz="8200" kern="1200">
-                <a:solidFill>
-                  <a:schemeClr val="tx1"/>
-                </a:solidFill>
-                <a:latin typeface="+mn-lt"/>
-                <a:ea typeface="+mn-ea"/>
-                <a:cs typeface="+mn-cs"/>
-              </a:defRPr>
-            </a:lvl6pPr>
-            <a:lvl7pPr marL="12223531" indent="-940272" algn="l" defTabSz="3761086" rtl="0" eaLnBrk="1" latinLnBrk="0" hangingPunct="1">
-              <a:spcBef>
-                <a:spcPct val="20000"/>
-              </a:spcBef>
-              <a:buFont typeface="Arial" pitchFamily="34" charset="0"/>
-              <a:buChar char="•"/>
-              <a:defRPr sz="8200" kern="1200">
-                <a:solidFill>
-                  <a:schemeClr val="tx1"/>
-                </a:solidFill>
-                <a:latin typeface="+mn-lt"/>
-                <a:ea typeface="+mn-ea"/>
-                <a:cs typeface="+mn-cs"/>
-              </a:defRPr>
-            </a:lvl7pPr>
-            <a:lvl8pPr marL="14104074" indent="-940272" algn="l" defTabSz="3761086" rtl="0" eaLnBrk="1" latinLnBrk="0" hangingPunct="1">
-              <a:spcBef>
-                <a:spcPct val="20000"/>
-              </a:spcBef>
-              <a:buFont typeface="Arial" pitchFamily="34" charset="0"/>
-              <a:buChar char="•"/>
-              <a:defRPr sz="8200" kern="1200">
-                <a:solidFill>
-                  <a:schemeClr val="tx1"/>
-                </a:solidFill>
-                <a:latin typeface="+mn-lt"/>
-                <a:ea typeface="+mn-ea"/>
-                <a:cs typeface="+mn-cs"/>
-              </a:defRPr>
-            </a:lvl8pPr>
-            <a:lvl9pPr marL="15984617" indent="-940272" algn="l" defTabSz="3761086" rtl="0" eaLnBrk="1" latinLnBrk="0" hangingPunct="1">
-              <a:spcBef>
-                <a:spcPct val="20000"/>
-              </a:spcBef>
-              <a:buFont typeface="Arial" pitchFamily="34" charset="0"/>
-              <a:buChar char="•"/>
-              <a:defRPr sz="8200" kern="1200">
-                <a:solidFill>
-                  <a:schemeClr val="tx1"/>
-                </a:solidFill>
-                <a:latin typeface="+mn-lt"/>
-                <a:ea typeface="+mn-ea"/>
-                <a:cs typeface="+mn-cs"/>
-              </a:defRPr>
-            </a:lvl9pPr>
-          </a:lstStyle>
-          <a:p>
-            <a:pPr algn="ctr" defTabSz="2507516">
-              <a:spcBef>
-                <a:spcPct val="20000"/>
-              </a:spcBef>
-              <a:defRPr/>
-            </a:pPr>
-            <a:r>
-              <a:rPr lang="en-US" sz="16600" b="1" u="sng" dirty="0">
-                <a:solidFill>
-                  <a:schemeClr val="bg1"/>
-                </a:solidFill>
-                <a:latin typeface="Nunito Black" panose="00000A00000000000000" pitchFamily="2" charset="0"/>
-              </a:rPr>
-              <a:t>SQL vs NO-SQL</a:t>
-            </a:r>
-          </a:p>
-        </p:txBody>
-      </p:sp>
-      <p:pic>
-        <p:nvPicPr>
-          <p:cNvPr id="8" name="Picture 7">
-            <a:extLst>
-              <a:ext uri="{FF2B5EF4-FFF2-40B4-BE49-F238E27FC236}">
-                <a16:creationId xmlns:a16="http://schemas.microsoft.com/office/drawing/2014/main" id="{D7BBD0F7-A30D-44DD-A097-379DDC9319B2}"/>
-              </a:ext>
-            </a:extLst>
-          </p:cNvPr>
-          <p:cNvPicPr>
-            <a:picLocks noChangeAspect="1"/>
-          </p:cNvPicPr>
-          <p:nvPr/>
-        </p:nvPicPr>
-        <p:blipFill>
-          <a:blip r:embed="rId2">
-            <a:lum bright="70000" contrast="-70000"/>
-            <a:extLst>
-              <a:ext uri="{BEBA8EAE-BF5A-486C-A8C5-ECC9F3942E4B}">
-                <a14:imgProps xmlns:a14="http://schemas.microsoft.com/office/drawing/2010/main">
-                  <a14:imgLayer r:embed="rId3">
-                    <a14:imgEffect>
-                      <a14:colorTemperature colorTemp="1500"/>
-                    </a14:imgEffect>
-                    <a14:imgEffect>
-                      <a14:saturation sat="0"/>
-                    </a14:imgEffect>
-                  </a14:imgLayer>
-                </a14:imgProps>
-              </a:ext>
-              <a:ext uri="{28A0092B-C50C-407E-A947-70E740481C1C}">
-                <a14:useLocalDpi xmlns:a14="http://schemas.microsoft.com/office/drawing/2010/main" val="0"/>
-              </a:ext>
-            </a:extLst>
-          </a:blip>
-          <a:stretch>
-            <a:fillRect/>
-          </a:stretch>
-        </p:blipFill>
-        <p:spPr>
-          <a:xfrm>
-            <a:off x="555063" y="564776"/>
-            <a:ext cx="4931337" cy="4312247"/>
-          </a:xfrm>
-          <a:prstGeom prst="rect">
-            <a:avLst/>
-          </a:prstGeom>
-        </p:spPr>
-      </p:pic>
-      <p:pic>
-        <p:nvPicPr>
-          <p:cNvPr id="9" name="Picture 8">
-            <a:extLst>
-              <a:ext uri="{FF2B5EF4-FFF2-40B4-BE49-F238E27FC236}">
-                <a16:creationId xmlns:a16="http://schemas.microsoft.com/office/drawing/2014/main" id="{0BAC5D09-AC8D-4EF5-B7D9-308BD76FC58F}"/>
-              </a:ext>
-            </a:extLst>
-          </p:cNvPr>
-          <p:cNvPicPr>
-            <a:picLocks noChangeAspect="1"/>
-          </p:cNvPicPr>
-          <p:nvPr/>
-        </p:nvPicPr>
-        <p:blipFill>
-          <a:blip r:embed="rId4" cstate="print">
-            <a:extLst>
-              <a:ext uri="{28A0092B-C50C-407E-A947-70E740481C1C}">
-                <a14:useLocalDpi xmlns:a14="http://schemas.microsoft.com/office/drawing/2010/main" val="0"/>
-              </a:ext>
-            </a:extLst>
-          </a:blip>
-          <a:stretch>
-            <a:fillRect/>
-          </a:stretch>
-        </p:blipFill>
-        <p:spPr>
-          <a:xfrm>
-            <a:off x="27647152" y="564776"/>
-            <a:ext cx="4608608" cy="4273870"/>
-          </a:xfrm>
-          <a:prstGeom prst="rect">
-            <a:avLst/>
-          </a:prstGeom>
-        </p:spPr>
-      </p:pic>
-      <p:sp>
-        <p:nvSpPr>
-          <p:cNvPr id="2" name="TextBox 1">
-            <a:extLst>
-              <a:ext uri="{FF2B5EF4-FFF2-40B4-BE49-F238E27FC236}">
-                <a16:creationId xmlns:a16="http://schemas.microsoft.com/office/drawing/2014/main" id="{1A10B340-68A5-4306-B58D-2997CDE5076A}"/>
-              </a:ext>
-            </a:extLst>
-          </p:cNvPr>
-          <p:cNvSpPr txBox="1"/>
-          <p:nvPr/>
-        </p:nvSpPr>
-        <p:spPr>
-          <a:xfrm>
-            <a:off x="555063" y="5934743"/>
-            <a:ext cx="31700697" cy="1446550"/>
-          </a:xfrm>
-          <a:prstGeom prst="rect">
-            <a:avLst/>
-          </a:prstGeom>
-          <a:noFill/>
-        </p:spPr>
-        <p:txBody>
-          <a:bodyPr wrap="square" rtlCol="0">
-            <a:spAutoFit/>
-          </a:bodyPr>
-          <a:lstStyle/>
-          <a:p>
-            <a:pPr algn="ctr"/>
-            <a:r>
-              <a:rPr lang="en-IN" sz="8800" b="1" dirty="0">
-                <a:effectLst>
-                  <a:outerShdw blurRad="38100" dist="38100" dir="2700000" algn="tl">
-                    <a:srgbClr val="000000">
-                      <a:alpha val="43137"/>
-                    </a:srgbClr>
-                  </a:outerShdw>
-                </a:effectLst>
-                <a:latin typeface="Open Sans" panose="020B0606030504020204" pitchFamily="34" charset="0"/>
-                <a:ea typeface="Open Sans" panose="020B0606030504020204" pitchFamily="34" charset="0"/>
-                <a:cs typeface="Open Sans" panose="020B0606030504020204" pitchFamily="34" charset="0"/>
-              </a:rPr>
-              <a:t>NO-SQL – [MongoDB]</a:t>
-            </a:r>
-          </a:p>
-        </p:txBody>
-      </p:sp>
-      <p:sp>
-        <p:nvSpPr>
-          <p:cNvPr id="13" name="Text Placeholder 5">
-            <a:extLst>
-              <a:ext uri="{FF2B5EF4-FFF2-40B4-BE49-F238E27FC236}">
-                <a16:creationId xmlns:a16="http://schemas.microsoft.com/office/drawing/2014/main" id="{E28BE609-D1F8-44B7-B6EC-56123FD54D13}"/>
-              </a:ext>
-            </a:extLst>
-          </p:cNvPr>
-          <p:cNvSpPr txBox="1"/>
-          <p:nvPr/>
-        </p:nvSpPr>
-        <p:spPr>
-          <a:xfrm>
-            <a:off x="1905000" y="3387384"/>
-            <a:ext cx="28879800" cy="1828193"/>
-          </a:xfrm>
-          <a:prstGeom prst="rect">
-            <a:avLst/>
-          </a:prstGeom>
-        </p:spPr>
-        <p:txBody>
-          <a:bodyPr wrap="square" lIns="0" tIns="0" rIns="0" bIns="0">
-            <a:spAutoFit/>
-          </a:bodyPr>
-          <a:lstStyle>
-            <a:defPPr>
-              <a:defRPr kern="1200"/>
-            </a:defPPr>
-            <a:lvl1pPr marL="0" marR="0" indent="0" algn="l" defTabSz="3761086" rtl="0" eaLnBrk="1" fontAlgn="auto" latinLnBrk="0" hangingPunct="1">
-              <a:lnSpc>
-                <a:spcPct val="100000"/>
-              </a:lnSpc>
-              <a:spcBef>
-                <a:spcPct val="20000"/>
-              </a:spcBef>
-              <a:spcAft>
-                <a:spcPct val="0"/>
-              </a:spcAft>
-              <a:buClrTx/>
-              <a:buSzTx/>
-              <a:buFont typeface="Arial" pitchFamily="34" charset="0"/>
-              <a:buNone/>
-              <a:defRPr sz="6000" kern="1200" baseline="0">
-                <a:solidFill>
-                  <a:schemeClr val="tx2"/>
-                </a:solidFill>
-                <a:latin typeface="Franklin Gothic Heavy" pitchFamily="34" charset="0"/>
-                <a:ea typeface="+mn-ea"/>
-                <a:cs typeface="+mn-cs"/>
-              </a:defRPr>
-            </a:lvl1pPr>
-            <a:lvl2pPr marL="1880543" indent="0" algn="l" defTabSz="3761086" rtl="0" eaLnBrk="1" latinLnBrk="0" hangingPunct="1">
-              <a:spcBef>
-                <a:spcPct val="20000"/>
-              </a:spcBef>
-              <a:buFontTx/>
-              <a:buNone/>
-              <a:defRPr sz="11500" kern="1200">
-                <a:solidFill>
-                  <a:schemeClr val="tx1"/>
-                </a:solidFill>
-                <a:latin typeface="+mn-lt"/>
-                <a:ea typeface="+mn-ea"/>
-                <a:cs typeface="+mn-cs"/>
-              </a:defRPr>
-            </a:lvl2pPr>
-            <a:lvl3pPr marL="3761086" indent="0" algn="l" defTabSz="3761086" rtl="0" eaLnBrk="1" latinLnBrk="0" hangingPunct="1">
-              <a:spcBef>
-                <a:spcPct val="20000"/>
-              </a:spcBef>
-              <a:buFontTx/>
-              <a:buNone/>
-              <a:defRPr sz="9900" kern="1200">
-                <a:solidFill>
-                  <a:schemeClr val="tx1"/>
-                </a:solidFill>
-                <a:latin typeface="+mn-lt"/>
-                <a:ea typeface="+mn-ea"/>
-                <a:cs typeface="+mn-cs"/>
-              </a:defRPr>
-            </a:lvl3pPr>
-            <a:lvl4pPr marL="5641629" indent="0" algn="l" defTabSz="3761086" rtl="0" eaLnBrk="1" latinLnBrk="0" hangingPunct="1">
-              <a:spcBef>
-                <a:spcPct val="20000"/>
-              </a:spcBef>
-              <a:buFontTx/>
-              <a:buNone/>
-              <a:defRPr sz="8200" kern="1200">
-                <a:solidFill>
-                  <a:schemeClr val="tx1"/>
-                </a:solidFill>
-                <a:latin typeface="+mn-lt"/>
-                <a:ea typeface="+mn-ea"/>
-                <a:cs typeface="+mn-cs"/>
-              </a:defRPr>
-            </a:lvl4pPr>
-            <a:lvl5pPr marL="7522172" indent="0" algn="l" defTabSz="3761086" rtl="0" eaLnBrk="1" latinLnBrk="0" hangingPunct="1">
-              <a:spcBef>
-                <a:spcPct val="20000"/>
-              </a:spcBef>
-              <a:buFontTx/>
-              <a:buNone/>
-              <a:defRPr sz="8200" kern="1200">
-                <a:solidFill>
-                  <a:schemeClr val="tx1"/>
-                </a:solidFill>
-                <a:latin typeface="+mn-lt"/>
-                <a:ea typeface="+mn-ea"/>
-                <a:cs typeface="+mn-cs"/>
-              </a:defRPr>
-            </a:lvl5pPr>
-            <a:lvl6pPr marL="10342988" indent="-940272" algn="l" defTabSz="3761086" rtl="0" eaLnBrk="1" latinLnBrk="0" hangingPunct="1">
-              <a:spcBef>
-                <a:spcPct val="20000"/>
-              </a:spcBef>
-              <a:buFont typeface="Arial" pitchFamily="34" charset="0"/>
-              <a:buChar char="•"/>
-              <a:defRPr sz="8200" kern="1200">
-                <a:solidFill>
-                  <a:schemeClr val="tx1"/>
-                </a:solidFill>
-                <a:latin typeface="+mn-lt"/>
-                <a:ea typeface="+mn-ea"/>
-                <a:cs typeface="+mn-cs"/>
-              </a:defRPr>
-            </a:lvl6pPr>
-            <a:lvl7pPr marL="12223531" indent="-940272" algn="l" defTabSz="3761086" rtl="0" eaLnBrk="1" latinLnBrk="0" hangingPunct="1">
-              <a:spcBef>
-                <a:spcPct val="20000"/>
-              </a:spcBef>
-              <a:buFont typeface="Arial" pitchFamily="34" charset="0"/>
-              <a:buChar char="•"/>
-              <a:defRPr sz="8200" kern="1200">
-                <a:solidFill>
-                  <a:schemeClr val="tx1"/>
-                </a:solidFill>
-                <a:latin typeface="+mn-lt"/>
-                <a:ea typeface="+mn-ea"/>
-                <a:cs typeface="+mn-cs"/>
-              </a:defRPr>
-            </a:lvl7pPr>
-            <a:lvl8pPr marL="14104074" indent="-940272" algn="l" defTabSz="3761086" rtl="0" eaLnBrk="1" latinLnBrk="0" hangingPunct="1">
-              <a:spcBef>
-                <a:spcPct val="20000"/>
-              </a:spcBef>
-              <a:buFont typeface="Arial" pitchFamily="34" charset="0"/>
-              <a:buChar char="•"/>
-              <a:defRPr sz="8200" kern="1200">
-                <a:solidFill>
-                  <a:schemeClr val="tx1"/>
-                </a:solidFill>
-                <a:latin typeface="+mn-lt"/>
-                <a:ea typeface="+mn-ea"/>
-                <a:cs typeface="+mn-cs"/>
-              </a:defRPr>
-            </a:lvl8pPr>
-            <a:lvl9pPr marL="15984617" indent="-940272" algn="l" defTabSz="3761086" rtl="0" eaLnBrk="1" latinLnBrk="0" hangingPunct="1">
-              <a:spcBef>
-                <a:spcPct val="20000"/>
-              </a:spcBef>
-              <a:buFont typeface="Arial" pitchFamily="34" charset="0"/>
-              <a:buChar char="•"/>
-              <a:defRPr sz="8200" kern="1200">
-                <a:solidFill>
-                  <a:schemeClr val="tx1"/>
-                </a:solidFill>
-                <a:latin typeface="+mn-lt"/>
-                <a:ea typeface="+mn-ea"/>
-                <a:cs typeface="+mn-cs"/>
-              </a:defRPr>
-            </a:lvl9pPr>
-          </a:lstStyle>
-          <a:p>
-            <a:pPr algn="ctr">
-              <a:defRPr/>
-            </a:pPr>
-            <a:r>
-              <a:rPr lang="en-US" sz="6600" b="1" dirty="0">
-                <a:solidFill>
-                  <a:schemeClr val="bg1"/>
-                </a:solidFill>
-                <a:latin typeface="Open Sans" panose="020B0606030504020204" pitchFamily="34" charset="0"/>
-                <a:ea typeface="Open Sans" panose="020B0606030504020204" pitchFamily="34" charset="0"/>
-                <a:cs typeface="Open Sans" panose="020B0606030504020204" pitchFamily="34" charset="0"/>
-              </a:rPr>
-              <a:t>Pushpak Sunil Rane</a:t>
-            </a:r>
-          </a:p>
-          <a:p>
-            <a:pPr algn="ctr">
-              <a:defRPr/>
-            </a:pPr>
-            <a:r>
-              <a:rPr lang="en-US" sz="4400" b="1" dirty="0">
-                <a:solidFill>
-                  <a:schemeClr val="bg1"/>
-                </a:solidFill>
-                <a:latin typeface="Open Sans" panose="020B0606030504020204" pitchFamily="34" charset="0"/>
-                <a:ea typeface="Open Sans" panose="020B0606030504020204" pitchFamily="34" charset="0"/>
-                <a:cs typeface="Open Sans" panose="020B0606030504020204" pitchFamily="34" charset="0"/>
-              </a:rPr>
-              <a:t>California State University Chico: Department of Mathematics and Statistics</a:t>
-            </a:r>
-          </a:p>
-        </p:txBody>
-      </p:sp>
-      <p:pic>
-        <p:nvPicPr>
-          <p:cNvPr id="14" name="Picture 13">
-            <a:extLst>
-              <a:ext uri="{FF2B5EF4-FFF2-40B4-BE49-F238E27FC236}">
-                <a16:creationId xmlns:a16="http://schemas.microsoft.com/office/drawing/2014/main" id="{F5E89F2B-5E96-4854-8397-D91DB93A5457}"/>
-              </a:ext>
-            </a:extLst>
-          </p:cNvPr>
-          <p:cNvPicPr>
-            <a:picLocks noChangeAspect="1"/>
-          </p:cNvPicPr>
-          <p:nvPr/>
-        </p:nvPicPr>
-        <p:blipFill>
-          <a:blip r:embed="rId5"/>
-          <a:stretch>
-            <a:fillRect/>
-          </a:stretch>
-        </p:blipFill>
-        <p:spPr>
-          <a:xfrm>
-            <a:off x="18126635" y="7353246"/>
-            <a:ext cx="14493788" cy="13704848"/>
-          </a:xfrm>
-          <a:prstGeom prst="rect">
-            <a:avLst/>
-          </a:prstGeom>
-        </p:spPr>
-      </p:pic>
-      <p:pic>
-        <p:nvPicPr>
-          <p:cNvPr id="16" name="Picture 15">
-            <a:extLst>
-              <a:ext uri="{FF2B5EF4-FFF2-40B4-BE49-F238E27FC236}">
-                <a16:creationId xmlns:a16="http://schemas.microsoft.com/office/drawing/2014/main" id="{2DE4B759-7701-4324-8455-25B517AF070E}"/>
-              </a:ext>
-            </a:extLst>
-          </p:cNvPr>
-          <p:cNvPicPr>
-            <a:picLocks noChangeAspect="1"/>
-          </p:cNvPicPr>
-          <p:nvPr/>
-        </p:nvPicPr>
-        <p:blipFill>
-          <a:blip r:embed="rId6"/>
-          <a:stretch>
-            <a:fillRect/>
-          </a:stretch>
-        </p:blipFill>
-        <p:spPr>
-          <a:xfrm>
-            <a:off x="614585" y="7381293"/>
-            <a:ext cx="17216215" cy="13676801"/>
-          </a:xfrm>
-          <a:prstGeom prst="rect">
-            <a:avLst/>
-          </a:prstGeom>
-        </p:spPr>
-      </p:pic>
-    </p:spTree>
-    <p:extLst>
-      <p:ext uri="{BB962C8B-B14F-4D97-AF65-F5344CB8AC3E}">
-        <p14:creationId xmlns:p14="http://schemas.microsoft.com/office/powerpoint/2010/main" val="3674998247"/>
-      </p:ext>
-    </p:extLst>
-  </p:cSld>
-  <p:clrMapOvr>
-    <a:masterClrMapping/>
-  </p:clrMapOvr>
-  <mc:AlternateContent xmlns:mc="http://schemas.openxmlformats.org/markup-compatibility/2006">
-    <mc:Choice xmlns:p15="http://schemas.microsoft.com/office/powerpoint/2012/main" Requires="p15">
-      <p:transition xmlns:p14="http://schemas.microsoft.com/office/powerpoint/2010/main" p14:dur="400">
-        <p15:prstTrans prst="pageCurlDouble"/>
-      </p:transition>
-    </mc:Choice>
-    <mc:Fallback>
+    <mc:Fallback xmlns="">
       <p:transition>
         <p:fade/>
       </p:transition>
